--- a/slides/WSTA_L20_machine_translation_word.pptx
+++ b/slides/WSTA_L20_machine_translation_word.pptx
@@ -239,7 +239,7 @@
           <a:p>
             <a:fld id="{50A97A5B-EA5E-9E4E-B952-F7E0D0C1A3D8}" type="datetimeFigureOut">
               <a:rPr lang="en-US" smtClean="0"/>
-              <a:t>4/19/17</a:t>
+              <a:t>5/8/17</a:t>
             </a:fld>
             <a:endParaRPr lang="en-US"/>
           </a:p>
@@ -8037,26 +8037,14 @@
           <a:p>
             <a:r>
               <a:rPr lang="en-US" dirty="0" smtClean="0"/>
-              <a:t>Machine </a:t>
-            </a:r>
-            <a:r>
-              <a:rPr lang="en-US" dirty="0" smtClean="0"/>
-              <a:t>translation:</a:t>
-            </a:r>
-            <a:r>
-              <a:rPr lang="en-US" dirty="0" smtClean="0"/>
-              <a:t/>
+              <a:t>Machine translation:</a:t>
             </a:r>
             <a:br>
               <a:rPr lang="en-US" dirty="0" smtClean="0"/>
             </a:br>
             <a:r>
               <a:rPr lang="en-US" dirty="0" smtClean="0"/>
-              <a:t>word-based </a:t>
-            </a:r>
-            <a:r>
-              <a:rPr lang="en-US" dirty="0" smtClean="0"/>
-              <a:t>models</a:t>
+              <a:t>word-based models</a:t>
             </a:r>
             <a:endParaRPr lang="en-US" dirty="0"/>
           </a:p>
@@ -8219,11 +8207,7 @@
             <a:pPr lvl="1"/>
             <a:r>
               <a:rPr lang="en-AU" smtClean="0"/>
-              <a:t>requires separate </a:t>
-            </a:r>
-            <a:r>
-              <a:rPr lang="en-AU" smtClean="0"/>
-              <a:t>sentence alignment process</a:t>
+              <a:t>requires separate sentence alignment process</a:t>
             </a:r>
             <a:br>
               <a:rPr lang="en-AU" smtClean="0"/>
@@ -8358,11 +8342,7 @@
           <a:p>
             <a:r>
               <a:rPr lang="en-AU" dirty="0" smtClean="0"/>
-              <a:t>Consider </a:t>
-            </a:r>
-            <a:r>
-              <a:rPr lang="en-AU" dirty="0" smtClean="0"/>
-              <a:t>following </a:t>
+              <a:t>Consider following </a:t>
             </a:r>
             <a:r>
               <a:rPr lang="en-AU" dirty="0" err="1" smtClean="0"/>
@@ -8372,7 +8352,6 @@
               <a:rPr lang="en-AU" dirty="0" smtClean="0"/>
               <a:t>:</a:t>
             </a:r>
-            <a:endParaRPr lang="en-AU" dirty="0" smtClean="0"/>
           </a:p>
           <a:p>
             <a:endParaRPr lang="en-AU" dirty="0"/>
@@ -8602,35 +8581,7 @@
                 <a:cs typeface="Century Schoolbook" panose="02040604050505020304" pitchFamily="18" charset="0"/>
                 <a:sym typeface="Avenir Next Medium"/>
               </a:rPr>
-              <a:t>house </a:t>
-            </a:r>
-            <a:r>
-              <a:rPr lang="en-AU" sz="2000" dirty="0">
-                <a:solidFill>
-                  <a:schemeClr val="accent3">
-                    <a:lumMod val="50000"/>
-                  </a:schemeClr>
-                </a:solidFill>
-                <a:latin typeface="Century Schoolbook" panose="02040604050505020304" pitchFamily="18" charset="0"/>
-                <a:ea typeface="Century Schoolbook" panose="02040604050505020304" pitchFamily="18" charset="0"/>
-                <a:cs typeface="Century Schoolbook" panose="02040604050505020304" pitchFamily="18" charset="0"/>
-                <a:sym typeface="Avenir Next Medium"/>
-              </a:rPr>
-              <a:t>is </a:t>
-            </a:r>
-            <a:r>
-              <a:rPr lang="en-AU" sz="2000" dirty="0">
-                <a:solidFill>
-                  <a:schemeClr val="accent3">
-                    <a:lumMod val="50000"/>
-                  </a:schemeClr>
-                </a:solidFill>
-                <a:latin typeface="Century Schoolbook" panose="02040604050505020304" pitchFamily="18" charset="0"/>
-                <a:ea typeface="Century Schoolbook" panose="02040604050505020304" pitchFamily="18" charset="0"/>
-                <a:cs typeface="Century Schoolbook" panose="02040604050505020304" pitchFamily="18" charset="0"/>
-                <a:sym typeface="Avenir Next Medium"/>
-              </a:rPr>
-              <a:t>small</a:t>
+              <a:t>house is small</a:t>
             </a:r>
           </a:p>
           <a:p>
@@ -9324,11 +9275,7 @@
             </a:br>
             <a:r>
               <a:rPr lang="en-US" sz="2400" dirty="0" smtClean="0"/>
-              <a:t>E </a:t>
-            </a:r>
-            <a:r>
-              <a:rPr lang="en-US" sz="2400" dirty="0" smtClean="0"/>
-              <a:t>= e</a:t>
+              <a:t>E = e</a:t>
             </a:r>
             <a:r>
               <a:rPr lang="en-US" sz="2400" baseline="-25000" dirty="0" smtClean="0"/>
@@ -9359,11 +9306,7 @@
             </a:br>
             <a:r>
               <a:rPr lang="en-US" sz="2400" dirty="0" smtClean="0"/>
-              <a:t>F </a:t>
-            </a:r>
-            <a:r>
-              <a:rPr lang="en-US" sz="2400" dirty="0" smtClean="0"/>
-              <a:t>= f</a:t>
+              <a:t>F = f</a:t>
             </a:r>
             <a:r>
               <a:rPr lang="en-US" sz="2400" baseline="-25000" dirty="0" smtClean="0"/>
@@ -9422,11 +9365,7 @@
             </a:br>
             <a:r>
               <a:rPr lang="en-US" sz="2400" dirty="0" smtClean="0"/>
-              <a:t>A </a:t>
-            </a:r>
-            <a:r>
-              <a:rPr lang="en-US" sz="2400" dirty="0" smtClean="0"/>
-              <a:t>= a</a:t>
+              <a:t>A = a</a:t>
             </a:r>
             <a:r>
               <a:rPr lang="en-US" sz="2400" baseline="-25000" dirty="0" smtClean="0"/>
@@ -9622,18 +9561,7 @@
                 <a:ea typeface="Arial" charset="0"/>
                 <a:cs typeface="Arial" charset="0"/>
               </a:rPr>
-              <a:t>, </a:t>
-            </a:r>
-            <a:r>
-              <a:rPr lang="en-US" sz="1633" dirty="0">
-                <a:solidFill>
-                  <a:srgbClr val="000000"/>
-                </a:solidFill>
-                <a:latin typeface="Arial" charset="0"/>
-                <a:ea typeface="Arial" charset="0"/>
-                <a:cs typeface="Arial" charset="0"/>
-              </a:rPr>
-              <a:t>Mercer, 1993 </a:t>
+              <a:t>, Mercer, 1993 </a:t>
             </a:r>
           </a:p>
         </p:txBody>
@@ -10151,11 +10079,7 @@
             </a:r>
             <a:r>
               <a:rPr lang="en-AU" dirty="0" smtClean="0"/>
-              <a:t>are translation </a:t>
-            </a:r>
-            <a:r>
-              <a:rPr lang="en-AU" dirty="0" smtClean="0"/>
-              <a:t>probabilities</a:t>
+              <a:t>are translation probabilities</a:t>
             </a:r>
           </a:p>
           <a:p>
@@ -10172,7 +10096,6 @@
               <a:rPr lang="en-AU" i="1" dirty="0" smtClean="0"/>
               <a:t>F</a:t>
             </a:r>
-            <a:endParaRPr lang="en-AU" i="1" dirty="0" smtClean="0"/>
           </a:p>
           <a:p>
             <a:pPr lvl="1"/>
@@ -10186,15 +10109,7 @@
             </a:r>
             <a:r>
               <a:rPr lang="en-AU" dirty="0" smtClean="0"/>
-              <a:t> links </a:t>
-            </a:r>
-            <a:r>
-              <a:rPr lang="en-AU" dirty="0" smtClean="0"/>
-              <a:t>each word and its </a:t>
-            </a:r>
-            <a:r>
-              <a:rPr lang="en-AU" dirty="0" smtClean="0"/>
-              <a:t>translation</a:t>
+              <a:t> links each word and its translation</a:t>
             </a:r>
           </a:p>
         </p:txBody>
@@ -10358,15 +10273,7 @@
             </a:r>
             <a:r>
               <a:rPr lang="en-AU" dirty="0" smtClean="0"/>
-              <a:t>; or aligning </a:t>
-            </a:r>
-            <a:r>
-              <a:rPr lang="en-AU" dirty="0" smtClean="0"/>
-              <a:t>to </a:t>
-            </a:r>
-            <a:r>
-              <a:rPr lang="en-AU" dirty="0" smtClean="0"/>
-              <a:t>NULL (</a:t>
+              <a:t>; or aligning to NULL (</a:t>
             </a:r>
             <a:r>
               <a:rPr lang="en-AU" i="1" dirty="0" err="1" smtClean="0"/>
@@ -10487,7 +10394,6 @@
               <a:rPr lang="en-AU" dirty="0" smtClean="0"/>
               <a:t>Given translation table, evaluate the probability of the aligned sentence pair</a:t>
             </a:r>
-            <a:endParaRPr lang="en-AU" dirty="0" smtClean="0"/>
           </a:p>
         </p:txBody>
       </p:sp>
@@ -10590,7 +10496,7 @@
         </p:nvGraphicFramePr>
         <p:xfrm>
           <a:off x="835070" y="2755145"/>
-          <a:ext cx="6649294" cy="1890690"/>
+          <a:ext cx="6649294" cy="1839382"/>
         </p:xfrm>
         <a:graphic>
           <a:graphicData uri="http://schemas.openxmlformats.org/drawingml/2006/table">
@@ -11971,7 +11877,6 @@
               <a:rPr lang="en-US" dirty="0" smtClean="0"/>
               <a:t>, need the word alignments</a:t>
             </a:r>
-            <a:endParaRPr lang="en-US" dirty="0" smtClean="0"/>
           </a:p>
           <a:p>
             <a:r>
@@ -12131,20 +12036,12 @@
               <a:rPr lang="en-US" altLang="en-US" dirty="0" smtClean="0"/>
               <a:t>estimate alignments of each sentence pair in corpus </a:t>
             </a:r>
-            <a:r>
-              <a:rPr lang="en-US" altLang="en-US" dirty="0" smtClean="0"/>
-              <a:t/>
-            </a:r>
             <a:br>
               <a:rPr lang="en-US" altLang="en-US" dirty="0" smtClean="0"/>
             </a:br>
             <a:r>
               <a:rPr lang="en-US" altLang="en-US" dirty="0" smtClean="0"/>
-              <a:t>P(A </a:t>
-            </a:r>
-            <a:r>
-              <a:rPr lang="en-US" altLang="en-US" dirty="0" smtClean="0"/>
-              <a:t>| E, </a:t>
+              <a:t>P(A | E, </a:t>
             </a:r>
             <a:r>
               <a:rPr lang="en-US" altLang="en-US" dirty="0"/>
@@ -12170,21 +12067,8 @@
             </a:r>
             <a:r>
               <a:rPr lang="en-US" altLang="en-US" dirty="0" smtClean="0"/>
-              <a:t> </a:t>
-            </a:r>
-            <a:r>
-              <a:rPr lang="en-US" altLang="en-US" dirty="0" smtClean="0"/>
-              <a:t>parameters, based on expected </a:t>
-            </a:r>
-            <a:r>
-              <a:rPr lang="en-US" altLang="en-US" dirty="0" smtClean="0"/>
-              <a:t>(fractional) alignments over </a:t>
-            </a:r>
-            <a:r>
-              <a:rPr lang="en-US" altLang="en-US" dirty="0" smtClean="0"/>
-              <a:t>corpus (from step 2)</a:t>
-            </a:r>
-            <a:endParaRPr lang="en-US" altLang="en-US" dirty="0" smtClean="0"/>
+              <a:t> parameters, based on expected (fractional) alignments over corpus (from step 2)</a:t>
+            </a:r>
           </a:p>
           <a:p>
             <a:pPr marL="769760" lvl="1" indent="-457200">
@@ -12206,11 +12090,7 @@
             <a:pPr lvl="1"/>
             <a:r>
               <a:rPr lang="en-US" altLang="en-US" dirty="0" smtClean="0"/>
-              <a:t>terminate after fixed number of </a:t>
-            </a:r>
-            <a:r>
-              <a:rPr lang="en-US" altLang="en-US" dirty="0" smtClean="0"/>
-              <a:t>steps</a:t>
+              <a:t>terminate after fixed number of steps</a:t>
             </a:r>
             <a:r>
               <a:rPr lang="en-US" altLang="en-US" dirty="0"/>
@@ -12220,7 +12100,6 @@
               <a:rPr lang="en-US" altLang="en-US" dirty="0" smtClean="0"/>
               <a:t>(e.g., 5-10)</a:t>
             </a:r>
-            <a:endParaRPr lang="en-US" altLang="en-US" dirty="0" smtClean="0"/>
           </a:p>
         </p:txBody>
       </p:sp>
@@ -12325,16 +12204,11 @@
               <a:rPr lang="en-US" dirty="0" smtClean="0"/>
               <a:t>Motivation</a:t>
             </a:r>
-            <a:endParaRPr lang="en-US" dirty="0" smtClean="0"/>
           </a:p>
           <a:p>
             <a:r>
               <a:rPr lang="en-US" dirty="0" smtClean="0"/>
-              <a:t>Word </a:t>
-            </a:r>
-            <a:r>
-              <a:rPr lang="en-US" dirty="0" smtClean="0"/>
-              <a:t>based translation models</a:t>
+              <a:t>Word based translation models</a:t>
             </a:r>
           </a:p>
           <a:p>
@@ -12348,11 +12222,7 @@
             <a:pPr lvl="1"/>
             <a:r>
               <a:rPr lang="en-US" dirty="0" smtClean="0"/>
-              <a:t>Training </a:t>
-            </a:r>
-            <a:r>
-              <a:rPr lang="en-US" dirty="0" smtClean="0"/>
-              <a:t>using the Expectation Maximisation algorithm</a:t>
+              <a:t>Training using the Expectation Maximisation algorithm</a:t>
             </a:r>
           </a:p>
           <a:p>
@@ -12360,7 +12230,6 @@
               <a:rPr lang="en-US" dirty="0" smtClean="0"/>
               <a:t>Decoding to find the best translation</a:t>
             </a:r>
-            <a:endParaRPr lang="en-US" dirty="0" smtClean="0"/>
           </a:p>
         </p:txBody>
       </p:sp>
@@ -12458,11 +12327,7 @@
             </a:br>
             <a:r>
               <a:rPr lang="en-AU" dirty="0" smtClean="0"/>
-              <a:t>before</a:t>
-            </a:r>
-            <a:r>
-              <a:rPr lang="en-AU" dirty="0" smtClean="0"/>
-              <a:t>:</a:t>
+              <a:t>before:</a:t>
             </a:r>
             <a:br>
               <a:rPr lang="en-AU" dirty="0" smtClean="0"/>
@@ -12607,6 +12472,17 @@
 <file path=ppt/slides/slide21.xml><?xml version="1.0" encoding="utf-8"?>
 <p:sld xmlns:a="http://schemas.openxmlformats.org/drawingml/2006/main" xmlns:r="http://schemas.openxmlformats.org/officeDocument/2006/relationships" xmlns:p="http://schemas.openxmlformats.org/presentationml/2006/main">
   <p:cSld>
+    <p:bg>
+      <p:bgPr>
+        <a:solidFill>
+          <a:schemeClr val="accent3">
+            <a:lumMod val="20000"/>
+            <a:lumOff val="80000"/>
+          </a:schemeClr>
+        </a:solidFill>
+        <a:effectLst/>
+      </p:bgPr>
+    </p:bg>
     <p:spTree>
       <p:nvGrpSpPr>
         <p:cNvPr id="1" name=""/>
@@ -12842,15 +12718,6 @@
               </a:rPr>
               <a:t>used in a single factor.</a:t>
             </a:r>
-            <a:endParaRPr lang="en-US" sz="2000" dirty="0">
-              <a:solidFill>
-                <a:srgbClr val="838787"/>
-              </a:solidFill>
-              <a:latin typeface="Avenir Next Medium"/>
-              <a:ea typeface="Avenir Next Medium"/>
-              <a:cs typeface="Avenir Next Medium"/>
-              <a:sym typeface="Avenir Next Medium"/>
-            </a:endParaRPr>
           </a:p>
         </p:txBody>
       </p:sp>
@@ -12878,6 +12745,112 @@
           </a:prstGeom>
         </p:spPr>
       </p:pic>
+      <p:sp>
+        <p:nvSpPr>
+          <p:cNvPr id="4" name="TextBox 3"/>
+          <p:cNvSpPr txBox="1"/>
+          <p:nvPr/>
+        </p:nvSpPr>
+        <p:spPr>
+          <a:xfrm>
+            <a:off x="6299672" y="1599174"/>
+            <a:ext cx="2338083" cy="718145"/>
+          </a:xfrm>
+          <a:prstGeom prst="rect">
+            <a:avLst/>
+          </a:prstGeom>
+          <a:solidFill>
+            <a:srgbClr val="00B050"/>
+          </a:solidFill>
+          <a:ln w="12700" cap="flat">
+            <a:noFill/>
+            <a:miter lim="400000"/>
+          </a:ln>
+          <a:effectLst/>
+          <a:sp3d/>
+        </p:spPr>
+        <p:style>
+          <a:lnRef idx="0">
+            <a:scrgbClr r="0" g="0" b="0"/>
+          </a:lnRef>
+          <a:fillRef idx="0">
+            <a:scrgbClr r="0" g="0" b="0"/>
+          </a:fillRef>
+          <a:effectRef idx="0">
+            <a:scrgbClr r="0" g="0" b="0"/>
+          </a:effectRef>
+          <a:fontRef idx="none"/>
+        </p:style>
+        <p:txBody>
+          <a:bodyPr rot="0" spcFirstLastPara="1" vertOverflow="overflow" horzOverflow="overflow" vert="horz" wrap="square" lIns="50800" tIns="50800" rIns="50800" bIns="50800" numCol="1" spcCol="38100" rtlCol="0" anchor="ctr">
+            <a:spAutoFit/>
+          </a:bodyPr>
+          <a:lstStyle/>
+          <a:p>
+            <a:pPr marL="0" marR="0" indent="0" algn="ctr" defTabSz="584200" rtl="0" fontAlgn="auto" latinLnBrk="0" hangingPunct="0">
+              <a:lnSpc>
+                <a:spcPct val="100000"/>
+              </a:lnSpc>
+              <a:spcAft>
+                <a:spcPts val="0"/>
+              </a:spcAft>
+              <a:buClrTx/>
+              <a:buSzTx/>
+              <a:buFontTx/>
+              <a:buNone/>
+              <a:tabLst/>
+            </a:pPr>
+            <a:r>
+              <a:rPr kumimoji="0" lang="en-AU" sz="2000" i="0" u="none" strike="noStrike" cap="none" spc="0" normalizeH="0" baseline="0" dirty="0" smtClean="0">
+                <a:ln>
+                  <a:noFill/>
+                </a:ln>
+                <a:solidFill>
+                  <a:srgbClr val="FFFF00"/>
+                </a:solidFill>
+                <a:effectLst/>
+                <a:uFillTx/>
+                <a:latin typeface="Arial Hebrew" charset="-79"/>
+                <a:ea typeface="Arial Hebrew" charset="-79"/>
+                <a:cs typeface="Arial Hebrew" charset="-79"/>
+                <a:sym typeface="Avenir Next Medium"/>
+              </a:rPr>
+              <a:t>green background = </a:t>
+            </a:r>
+            <a:r>
+              <a:rPr kumimoji="0" lang="en-AU" sz="2000" i="1" u="none" strike="noStrike" cap="none" spc="0" normalizeH="0" baseline="0" dirty="0" smtClean="0">
+                <a:ln>
+                  <a:noFill/>
+                </a:ln>
+                <a:solidFill>
+                  <a:srgbClr val="FFFF00"/>
+                </a:solidFill>
+                <a:effectLst/>
+                <a:uFillTx/>
+                <a:latin typeface="Arial Hebrew" charset="-79"/>
+                <a:ea typeface="Arial Hebrew" charset="-79"/>
+                <a:cs typeface="Arial Hebrew" charset="-79"/>
+                <a:sym typeface="Avenir Next Medium"/>
+              </a:rPr>
+              <a:t>Just for fun</a:t>
+            </a:r>
+            <a:endParaRPr kumimoji="0" lang="en-AU" sz="2000" i="1" u="none" strike="noStrike" cap="none" spc="0" normalizeH="0" baseline="0" dirty="0">
+              <a:ln>
+                <a:noFill/>
+              </a:ln>
+              <a:solidFill>
+                <a:srgbClr val="FFFF00"/>
+              </a:solidFill>
+              <a:effectLst/>
+              <a:uFillTx/>
+              <a:latin typeface="Arial Hebrew" charset="-79"/>
+              <a:ea typeface="Arial Hebrew" charset="-79"/>
+              <a:cs typeface="Arial Hebrew" charset="-79"/>
+              <a:sym typeface="Avenir Next Medium"/>
+            </a:endParaRPr>
+          </a:p>
+        </p:txBody>
+      </p:sp>
     </p:spTree>
     <p:extLst>
       <p:ext uri="{BB962C8B-B14F-4D97-AF65-F5344CB8AC3E}">
@@ -12902,6 +12875,17 @@
 <file path=ppt/slides/slide22.xml><?xml version="1.0" encoding="utf-8"?>
 <p:sld xmlns:a="http://schemas.openxmlformats.org/drawingml/2006/main" xmlns:r="http://schemas.openxmlformats.org/officeDocument/2006/relationships" xmlns:p="http://schemas.openxmlformats.org/presentationml/2006/main">
   <p:cSld>
+    <p:bg>
+      <p:bgPr>
+        <a:solidFill>
+          <a:schemeClr val="accent3">
+            <a:lumMod val="20000"/>
+            <a:lumOff val="80000"/>
+          </a:schemeClr>
+        </a:solidFill>
+        <a:effectLst/>
+      </p:bgPr>
+    </p:bg>
     <p:spTree>
       <p:nvGrpSpPr>
         <p:cNvPr id="1" name=""/>
@@ -12995,18 +12979,6 @@
                 <a:sym typeface="Avenir Next Medium"/>
               </a:rPr>
               <a:t>Fairly simple end</a:t>
-            </a:r>
-            <a:r>
-              <a:rPr lang="en-US" sz="2000" dirty="0">
-                <a:solidFill>
-                  <a:srgbClr val="FF0000"/>
-                </a:solidFill>
-                <a:latin typeface="Avenir Next Medium"/>
-                <a:ea typeface="Avenir Next Medium"/>
-                <a:cs typeface="Avenir Next Medium"/>
-                <a:sym typeface="Avenir Next Medium"/>
-              </a:rPr>
-              <a:t/>
             </a:r>
             <a:br>
               <a:rPr lang="en-US" sz="2000" dirty="0">
@@ -13243,11 +13215,7 @@
             </a:pPr>
             <a:r>
               <a:rPr lang="en-US" altLang="en-US" dirty="0" smtClean="0"/>
-              <a:t>make </a:t>
-            </a:r>
-            <a:r>
-              <a:rPr lang="en-US" altLang="en-US" dirty="0" smtClean="0"/>
-              <a:t>initial guess of </a:t>
+              <a:t>make initial guess of </a:t>
             </a:r>
             <a:r>
               <a:rPr lang="en-US" altLang="en-US" i="1" dirty="0" smtClean="0"/>
@@ -13517,15 +13485,7 @@
           <a:p>
             <a:r>
               <a:rPr lang="en-US" dirty="0" smtClean="0"/>
-              <a:t>EM for </a:t>
-            </a:r>
-            <a:r>
-              <a:rPr lang="en-US" dirty="0" smtClean="0"/>
-              <a:t>IBM1: </a:t>
-            </a:r>
-            <a:r>
-              <a:rPr lang="en-US" dirty="0" smtClean="0"/>
-              <a:t>summary</a:t>
+              <a:t>EM for IBM1: summary</a:t>
             </a:r>
           </a:p>
         </p:txBody>
@@ -13899,7 +13859,6 @@
               <a:rPr lang="en-US" dirty="0" smtClean="0"/>
               <a:t>learning from sparse data (solution: using large corpora)</a:t>
             </a:r>
-            <a:endParaRPr lang="en-US" dirty="0" smtClean="0"/>
           </a:p>
         </p:txBody>
       </p:sp>
@@ -14186,9 +14145,10 @@
           </a:p>
           <a:p>
             <a:r>
-              <a:rPr lang="en-US" dirty="0" smtClean="0"/>
-              <a:t>Vogel’s HMM</a:t>
-            </a:r>
+              <a:rPr lang="en-US" smtClean="0"/>
+              <a:t>Hidden Markov Model</a:t>
+            </a:r>
+            <a:endParaRPr lang="en-US" dirty="0" smtClean="0"/>
           </a:p>
           <a:p>
             <a:pPr lvl="1"/>
@@ -14377,15 +14337,7 @@
           <a:p>
             <a:r>
               <a:rPr lang="en-AU" dirty="0" smtClean="0"/>
-              <a:t>hidden </a:t>
-            </a:r>
-            <a:r>
-              <a:rPr lang="en-AU" dirty="0" err="1" smtClean="0"/>
-              <a:t>markov</a:t>
-            </a:r>
-            <a:r>
-              <a:rPr lang="en-AU" dirty="0" smtClean="0"/>
-              <a:t> models for word alignment</a:t>
+              <a:t>HMMs for alignment</a:t>
             </a:r>
             <a:endParaRPr lang="en-AU" dirty="0"/>
           </a:p>
@@ -14544,7 +14496,7 @@
           <a:p>
             <a:r>
               <a:rPr lang="en-AU" dirty="0" smtClean="0"/>
-              <a:t>Vogel’s HMM</a:t>
+              <a:t>HMMs for alignment</a:t>
             </a:r>
             <a:endParaRPr lang="en-AU" dirty="0"/>
           </a:p>
@@ -14590,7 +14542,7 @@
         </p:blipFill>
         <p:spPr>
           <a:xfrm>
-            <a:off x="708759" y="2104075"/>
+            <a:off x="708759" y="2034625"/>
             <a:ext cx="7963712" cy="879621"/>
           </a:xfrm>
           <a:prstGeom prst="rect">
@@ -15142,7 +15094,7 @@
 </file>
 
 <file path=ppt/slides/slide31.xml><?xml version="1.0" encoding="utf-8"?>
-<p:sld xmlns:a="http://schemas.openxmlformats.org/drawingml/2006/main" xmlns:r="http://schemas.openxmlformats.org/officeDocument/2006/relationships" xmlns:p="http://schemas.openxmlformats.org/presentationml/2006/main">
+<p:sld xmlns:a="http://schemas.openxmlformats.org/drawingml/2006/main" xmlns:r="http://schemas.openxmlformats.org/officeDocument/2006/relationships" xmlns:p="http://schemas.openxmlformats.org/presentationml/2006/main" show="0">
   <p:cSld>
     <p:spTree>
       <p:nvGrpSpPr>
@@ -15572,26 +15524,13 @@
           <a:p>
             <a:r>
               <a:rPr lang="en-AU" dirty="0" smtClean="0"/>
-              <a:t>IBM model1</a:t>
-            </a:r>
+              <a:t>IBM model1 and EM training</a:t>
+            </a:r>
+          </a:p>
+          <a:p>
             <a:r>
               <a:rPr lang="en-AU" dirty="0" smtClean="0"/>
-              <a:t> and </a:t>
-            </a:r>
-            <a:r>
-              <a:rPr lang="en-AU" dirty="0" smtClean="0"/>
-              <a:t>EM training</a:t>
-            </a:r>
-            <a:endParaRPr lang="en-AU" dirty="0" smtClean="0"/>
-          </a:p>
-          <a:p>
-            <a:r>
-              <a:rPr lang="en-AU" dirty="0" smtClean="0"/>
-              <a:t>Reading</a:t>
-            </a:r>
-            <a:r>
-              <a:rPr lang="en-AU" dirty="0" smtClean="0"/>
-              <a:t>:</a:t>
+              <a:t>Reading:</a:t>
             </a:r>
           </a:p>
           <a:p>
@@ -18588,7 +18527,6 @@
               <a:rPr lang="en-US" smtClean="0"/>
               <a:t>Statistical MT</a:t>
             </a:r>
-            <a:endParaRPr lang="en-US" smtClean="0"/>
           </a:p>
         </p:txBody>
       </p:sp>
@@ -19331,7 +19269,7 @@
           <a:graphicData uri="http://schemas.openxmlformats.org/presentationml/2006/ole">
             <mc:AlternateContent xmlns:mc="http://schemas.openxmlformats.org/markup-compatibility/2006">
               <mc:Choice xmlns:v="urn:schemas-microsoft-com:vml" Requires="v">
-                <p:oleObj spid="_x0000_s2281" r:id="rId4" imgW="254000" imgH="406400" progId="">
+                <p:oleObj spid="_x0000_s2307" r:id="rId4" imgW="254000" imgH="406400" progId="">
                   <p:embed/>
                 </p:oleObj>
               </mc:Choice>
@@ -19430,7 +19368,7 @@
           <a:graphicData uri="http://schemas.openxmlformats.org/presentationml/2006/ole">
             <mc:AlternateContent xmlns:mc="http://schemas.openxmlformats.org/markup-compatibility/2006">
               <mc:Choice xmlns:v="urn:schemas-microsoft-com:vml" Requires="v">
-                <p:oleObj spid="_x0000_s2282" r:id="rId6" imgW="342900" imgH="406400" progId="">
+                <p:oleObj spid="_x0000_s2308" r:id="rId6" imgW="342900" imgH="406400" progId="">
                   <p:embed/>
                 </p:oleObj>
               </mc:Choice>
@@ -19844,7 +19782,7 @@
           <a:graphicData uri="http://schemas.openxmlformats.org/presentationml/2006/ole">
             <mc:AlternateContent xmlns:mc="http://schemas.openxmlformats.org/markup-compatibility/2006">
               <mc:Choice xmlns:v="urn:schemas-microsoft-com:vml" Requires="v">
-                <p:oleObj spid="_x0000_s2283" r:id="rId8" imgW="76200" imgH="1447800" progId="">
+                <p:oleObj spid="_x0000_s2309" r:id="rId8" imgW="76200" imgH="1447800" progId="">
                   <p:embed/>
                 </p:oleObj>
               </mc:Choice>
@@ -19943,7 +19881,7 @@
           <a:graphicData uri="http://schemas.openxmlformats.org/presentationml/2006/ole">
             <mc:AlternateContent xmlns:mc="http://schemas.openxmlformats.org/markup-compatibility/2006">
               <mc:Choice xmlns:v="urn:schemas-microsoft-com:vml" Requires="v">
-                <p:oleObj spid="_x0000_s2284" r:id="rId10" imgW="723900" imgH="368300" progId="">
+                <p:oleObj spid="_x0000_s2310" r:id="rId10" imgW="723900" imgH="368300" progId="">
                   <p:embed/>
                 </p:oleObj>
               </mc:Choice>
@@ -20094,7 +20032,7 @@
   <p:timing>
     <p:tnLst>
       <p:par>
-        <p:cTn id="1" dur="indefinite" nodeType="tmRoot">
+        <p:cTn id="1" dur="indefinite" restart="never" nodeType="tmRoot">
           <p:childTnLst>
             <p:seq concurrent="1" nextAc="seek">
               <p:cTn id="2" dur="0" nodeType="mainSeq"/>
@@ -20159,7 +20097,6 @@
               <a:rPr lang="en-US" dirty="0" smtClean="0"/>
               <a:t>Noisy channel</a:t>
             </a:r>
-            <a:endParaRPr lang="en-US" dirty="0" smtClean="0"/>
           </a:p>
         </p:txBody>
       </p:sp>
@@ -20898,7 +20835,7 @@
           <a:graphicData uri="http://schemas.openxmlformats.org/presentationml/2006/ole">
             <mc:AlternateContent xmlns:mc="http://schemas.openxmlformats.org/markup-compatibility/2006">
               <mc:Choice xmlns:v="urn:schemas-microsoft-com:vml" Requires="v">
-                <p:oleObj spid="_x0000_s4325" r:id="rId4" imgW="254000" imgH="406400" progId="">
+                <p:oleObj spid="_x0000_s4351" r:id="rId4" imgW="254000" imgH="406400" progId="">
                   <p:embed/>
                 </p:oleObj>
               </mc:Choice>
@@ -20997,7 +20934,7 @@
           <a:graphicData uri="http://schemas.openxmlformats.org/presentationml/2006/ole">
             <mc:AlternateContent xmlns:mc="http://schemas.openxmlformats.org/markup-compatibility/2006">
               <mc:Choice xmlns:v="urn:schemas-microsoft-com:vml" Requires="v">
-                <p:oleObj spid="_x0000_s4326" r:id="rId6" imgW="342900" imgH="406400" progId="">
+                <p:oleObj spid="_x0000_s4352" r:id="rId6" imgW="342900" imgH="406400" progId="">
                   <p:embed/>
                 </p:oleObj>
               </mc:Choice>
@@ -21411,7 +21348,7 @@
           <a:graphicData uri="http://schemas.openxmlformats.org/presentationml/2006/ole">
             <mc:AlternateContent xmlns:mc="http://schemas.openxmlformats.org/markup-compatibility/2006">
               <mc:Choice xmlns:v="urn:schemas-microsoft-com:vml" Requires="v">
-                <p:oleObj spid="_x0000_s4327" r:id="rId8" imgW="76200" imgH="1447800" progId="">
+                <p:oleObj spid="_x0000_s4353" r:id="rId8" imgW="76200" imgH="1447800" progId="">
                   <p:embed/>
                 </p:oleObj>
               </mc:Choice>
@@ -21510,7 +21447,7 @@
           <a:graphicData uri="http://schemas.openxmlformats.org/presentationml/2006/ole">
             <mc:AlternateContent xmlns:mc="http://schemas.openxmlformats.org/markup-compatibility/2006">
               <mc:Choice xmlns:v="urn:schemas-microsoft-com:vml" Requires="v">
-                <p:oleObj spid="_x0000_s4328" r:id="rId10" imgW="723900" imgH="368300" progId="">
+                <p:oleObj spid="_x0000_s4354" r:id="rId10" imgW="723900" imgH="368300" progId="">
                   <p:embed/>
                 </p:oleObj>
               </mc:Choice>
@@ -21769,7 +21706,7 @@
   <p:timing>
     <p:tnLst>
       <p:par>
-        <p:cTn id="1" dur="indefinite" nodeType="tmRoot">
+        <p:cTn id="1" dur="indefinite" restart="never" nodeType="tmRoot">
           <p:childTnLst>
             <p:seq concurrent="1" nextAc="seek">
               <p:cTn id="2" dur="0" nodeType="mainSeq"/>
@@ -21855,7 +21792,6 @@
               <a:rPr lang="en-US" dirty="0" smtClean="0"/>
               <a:t>channel MT</a:t>
             </a:r>
-            <a:endParaRPr lang="en-US" dirty="0" smtClean="0"/>
           </a:p>
         </p:txBody>
       </p:sp>
@@ -21943,7 +21879,6 @@
               <a:rPr lang="en-US" dirty="0" smtClean="0"/>
               <a:t>Responsible for:</a:t>
             </a:r>
-            <a:endParaRPr lang="en-US" dirty="0" smtClean="0"/>
           </a:p>
           <a:p>
             <a:pPr marL="783372" lvl="1" indent="-260644">
@@ -21976,15 +21911,7 @@
             </a:r>
             <a:r>
               <a:rPr lang="en-US" dirty="0" smtClean="0"/>
-              <a:t>) rewards good </a:t>
-            </a:r>
-            <a:r>
-              <a:rPr lang="en-US" dirty="0" smtClean="0"/>
-              <a:t>translations, but </a:t>
-            </a:r>
-            <a:r>
-              <a:rPr lang="en-US" dirty="0" smtClean="0"/>
-              <a:t>permissive of disfluent e</a:t>
+              <a:t>) rewards good translations, but permissive of disfluent e</a:t>
             </a:r>
           </a:p>
           <a:p>
@@ -22010,19 +21937,7 @@
             </a:pPr>
             <a:r>
               <a:rPr lang="en-US" dirty="0" smtClean="0"/>
-              <a:t>P(e) rewards e which look like fluent </a:t>
-            </a:r>
-            <a:r>
-              <a:rPr lang="en-US" dirty="0" smtClean="0"/>
-              <a:t>English, and helps </a:t>
-            </a:r>
-            <a:r>
-              <a:rPr lang="en-US" dirty="0" smtClean="0"/>
-              <a:t>put words in the correct </a:t>
-            </a:r>
-            <a:r>
-              <a:rPr lang="en-US" dirty="0" smtClean="0"/>
-              <a:t>order</a:t>
+              <a:t>P(e) rewards e which look like fluent English, and helps put words in the correct order</a:t>
             </a:r>
           </a:p>
           <a:p>
@@ -22282,7 +22197,7 @@
   <p:timing>
     <p:tnLst>
       <p:par>
-        <p:cTn id="1" dur="indefinite" nodeType="tmRoot">
+        <p:cTn id="1" dur="indefinite" restart="never" nodeType="tmRoot">
           <p:childTnLst>
             <p:seq concurrent="1" nextAc="seek">
               <p:cTn id="2" dur="0" nodeType="mainSeq"/>

--- a/slides/WSTA_L20_machine_translation_word.pptx
+++ b/slides/WSTA_L20_machine_translation_word.pptx
@@ -14145,7 +14145,7 @@
           </a:p>
           <a:p>
             <a:r>
-              <a:rPr lang="en-US" smtClean="0"/>
+              <a:rPr lang="en-US" dirty="0" smtClean="0"/>
               <a:t>Hidden Markov Model</a:t>
             </a:r>
             <a:endParaRPr lang="en-US" dirty="0" smtClean="0"/>
@@ -15537,7 +15537,11 @@
             <a:pPr lvl="1"/>
             <a:r>
               <a:rPr lang="en-AU" dirty="0" smtClean="0"/>
-              <a:t>JM #25, 25.4-25.6 (optional 25.11 for IBM3)</a:t>
+              <a:t>JM2 </a:t>
+            </a:r>
+            <a:r>
+              <a:rPr lang="en-AU" dirty="0" smtClean="0"/>
+              <a:t>#25, 25.4-25.6 (optional 25.11 for IBM3)</a:t>
             </a:r>
             <a:endParaRPr lang="en-AU" dirty="0"/>
           </a:p>
@@ -19269,7 +19273,7 @@
           <a:graphicData uri="http://schemas.openxmlformats.org/presentationml/2006/ole">
             <mc:AlternateContent xmlns:mc="http://schemas.openxmlformats.org/markup-compatibility/2006">
               <mc:Choice xmlns:v="urn:schemas-microsoft-com:vml" Requires="v">
-                <p:oleObj spid="_x0000_s2307" r:id="rId4" imgW="254000" imgH="406400" progId="">
+                <p:oleObj spid="_x0000_s2315" r:id="rId4" imgW="254000" imgH="406400" progId="">
                   <p:embed/>
                 </p:oleObj>
               </mc:Choice>
@@ -19368,7 +19372,7 @@
           <a:graphicData uri="http://schemas.openxmlformats.org/presentationml/2006/ole">
             <mc:AlternateContent xmlns:mc="http://schemas.openxmlformats.org/markup-compatibility/2006">
               <mc:Choice xmlns:v="urn:schemas-microsoft-com:vml" Requires="v">
-                <p:oleObj spid="_x0000_s2308" r:id="rId6" imgW="342900" imgH="406400" progId="">
+                <p:oleObj spid="_x0000_s2316" r:id="rId6" imgW="342900" imgH="406400" progId="">
                   <p:embed/>
                 </p:oleObj>
               </mc:Choice>
@@ -19782,7 +19786,7 @@
           <a:graphicData uri="http://schemas.openxmlformats.org/presentationml/2006/ole">
             <mc:AlternateContent xmlns:mc="http://schemas.openxmlformats.org/markup-compatibility/2006">
               <mc:Choice xmlns:v="urn:schemas-microsoft-com:vml" Requires="v">
-                <p:oleObj spid="_x0000_s2309" r:id="rId8" imgW="76200" imgH="1447800" progId="">
+                <p:oleObj spid="_x0000_s2317" r:id="rId8" imgW="76200" imgH="1447800" progId="">
                   <p:embed/>
                 </p:oleObj>
               </mc:Choice>
@@ -19881,7 +19885,7 @@
           <a:graphicData uri="http://schemas.openxmlformats.org/presentationml/2006/ole">
             <mc:AlternateContent xmlns:mc="http://schemas.openxmlformats.org/markup-compatibility/2006">
               <mc:Choice xmlns:v="urn:schemas-microsoft-com:vml" Requires="v">
-                <p:oleObj spid="_x0000_s2310" r:id="rId10" imgW="723900" imgH="368300" progId="">
+                <p:oleObj spid="_x0000_s2318" r:id="rId10" imgW="723900" imgH="368300" progId="">
                   <p:embed/>
                 </p:oleObj>
               </mc:Choice>
@@ -20835,7 +20839,7 @@
           <a:graphicData uri="http://schemas.openxmlformats.org/presentationml/2006/ole">
             <mc:AlternateContent xmlns:mc="http://schemas.openxmlformats.org/markup-compatibility/2006">
               <mc:Choice xmlns:v="urn:schemas-microsoft-com:vml" Requires="v">
-                <p:oleObj spid="_x0000_s4351" r:id="rId4" imgW="254000" imgH="406400" progId="">
+                <p:oleObj spid="_x0000_s4359" r:id="rId4" imgW="254000" imgH="406400" progId="">
                   <p:embed/>
                 </p:oleObj>
               </mc:Choice>
@@ -20934,7 +20938,7 @@
           <a:graphicData uri="http://schemas.openxmlformats.org/presentationml/2006/ole">
             <mc:AlternateContent xmlns:mc="http://schemas.openxmlformats.org/markup-compatibility/2006">
               <mc:Choice xmlns:v="urn:schemas-microsoft-com:vml" Requires="v">
-                <p:oleObj spid="_x0000_s4352" r:id="rId6" imgW="342900" imgH="406400" progId="">
+                <p:oleObj spid="_x0000_s4360" r:id="rId6" imgW="342900" imgH="406400" progId="">
                   <p:embed/>
                 </p:oleObj>
               </mc:Choice>
@@ -21348,7 +21352,7 @@
           <a:graphicData uri="http://schemas.openxmlformats.org/presentationml/2006/ole">
             <mc:AlternateContent xmlns:mc="http://schemas.openxmlformats.org/markup-compatibility/2006">
               <mc:Choice xmlns:v="urn:schemas-microsoft-com:vml" Requires="v">
-                <p:oleObj spid="_x0000_s4353" r:id="rId8" imgW="76200" imgH="1447800" progId="">
+                <p:oleObj spid="_x0000_s4361" r:id="rId8" imgW="76200" imgH="1447800" progId="">
                   <p:embed/>
                 </p:oleObj>
               </mc:Choice>
@@ -21447,7 +21451,7 @@
           <a:graphicData uri="http://schemas.openxmlformats.org/presentationml/2006/ole">
             <mc:AlternateContent xmlns:mc="http://schemas.openxmlformats.org/markup-compatibility/2006">
               <mc:Choice xmlns:v="urn:schemas-microsoft-com:vml" Requires="v">
-                <p:oleObj spid="_x0000_s4354" r:id="rId10" imgW="723900" imgH="368300" progId="">
+                <p:oleObj spid="_x0000_s4362" r:id="rId10" imgW="723900" imgH="368300" progId="">
                   <p:embed/>
                 </p:oleObj>
               </mc:Choice>

--- a/slides/WSTA_L20_machine_translation_word.pptx
+++ b/slides/WSTA_L20_machine_translation_word.pptx
@@ -239,7 +239,7 @@
           <a:p>
             <a:fld id="{50A97A5B-EA5E-9E4E-B952-F7E0D0C1A3D8}" type="datetimeFigureOut">
               <a:rPr lang="en-US" smtClean="0"/>
-              <a:t>5/8/17</a:t>
+              <a:t>5/12/17</a:t>
             </a:fld>
             <a:endParaRPr lang="en-US"/>
           </a:p>
@@ -852,7 +852,7 @@
           </a:ln>
           <a:extLst>
             <a:ext uri="{AF507438-7753-43e0-B8FC-AC1667EBCBE1}">
-              <a14:hiddenEffects xmlns:a14="http://schemas.microsoft.com/office/drawing/2010/main" xmlns="">
+              <a14:hiddenEffects xmlns="" xmlns:a14="http://schemas.microsoft.com/office/drawing/2010/main">
                 <a:effectLst>
                   <a:outerShdw blurRad="63500" dist="38099" dir="2700000" algn="ctr" rotWithShape="0">
                     <a:srgbClr val="000000">
@@ -883,7 +883,7 @@
           <a:ln/>
           <a:extLst>
             <a:ext uri="{AF507438-7753-43e0-B8FC-AC1667EBCBE1}">
-              <a14:hiddenEffects xmlns:a14="http://schemas.microsoft.com/office/drawing/2010/main" xmlns="">
+              <a14:hiddenEffects xmlns="" xmlns:a14="http://schemas.microsoft.com/office/drawing/2010/main">
                 <a:effectLst>
                   <a:outerShdw blurRad="63500" dist="38099" dir="2700000" algn="ctr" rotWithShape="0">
                     <a:srgbClr val="000000">
@@ -2658,7 +2658,7 @@
           </a:ln>
           <a:extLst>
             <a:ext uri="{AF507438-7753-43e0-B8FC-AC1667EBCBE1}">
-              <a14:hiddenEffects xmlns:a14="http://schemas.microsoft.com/office/drawing/2010/main" xmlns="">
+              <a14:hiddenEffects xmlns="" xmlns:a14="http://schemas.microsoft.com/office/drawing/2010/main">
                 <a:effectLst>
                   <a:outerShdw blurRad="63500" dist="38099" dir="2700000" algn="ctr" rotWithShape="0">
                     <a:srgbClr val="000000">
@@ -2689,7 +2689,7 @@
           <a:ln/>
           <a:extLst>
             <a:ext uri="{AF507438-7753-43e0-B8FC-AC1667EBCBE1}">
-              <a14:hiddenEffects xmlns:a14="http://schemas.microsoft.com/office/drawing/2010/main" xmlns="">
+              <a14:hiddenEffects xmlns="" xmlns:a14="http://schemas.microsoft.com/office/drawing/2010/main">
                 <a:effectLst>
                   <a:outerShdw blurRad="63500" dist="38099" dir="2700000" algn="ctr" rotWithShape="0">
                     <a:srgbClr val="000000">
@@ -2841,7 +2841,7 @@
           </a:ln>
           <a:extLst>
             <a:ext uri="{AF507438-7753-43e0-B8FC-AC1667EBCBE1}">
-              <a14:hiddenEffects xmlns:a14="http://schemas.microsoft.com/office/drawing/2010/main" xmlns="">
+              <a14:hiddenEffects xmlns="" xmlns:a14="http://schemas.microsoft.com/office/drawing/2010/main">
                 <a:effectLst>
                   <a:outerShdw blurRad="63500" dist="38099" dir="2700000" algn="ctr" rotWithShape="0">
                     <a:srgbClr val="000000">
@@ -2872,7 +2872,7 @@
           <a:ln/>
           <a:extLst>
             <a:ext uri="{AF507438-7753-43e0-B8FC-AC1667EBCBE1}">
-              <a14:hiddenEffects xmlns:a14="http://schemas.microsoft.com/office/drawing/2010/main" xmlns="">
+              <a14:hiddenEffects xmlns="" xmlns:a14="http://schemas.microsoft.com/office/drawing/2010/main">
                 <a:effectLst>
                   <a:outerShdw blurRad="63500" dist="38099" dir="2700000" algn="ctr" rotWithShape="0">
                     <a:srgbClr val="000000">
@@ -3781,7 +3781,7 @@
           </a:ln>
           <a:extLst>
             <a:ext uri="{AF507438-7753-43e0-B8FC-AC1667EBCBE1}">
-              <a14:hiddenEffects xmlns:a14="http://schemas.microsoft.com/office/drawing/2010/main" xmlns="">
+              <a14:hiddenEffects xmlns="" xmlns:a14="http://schemas.microsoft.com/office/drawing/2010/main">
                 <a:effectLst>
                   <a:outerShdw blurRad="63500" dist="38099" dir="2700000" algn="ctr" rotWithShape="0">
                     <a:srgbClr val="000000">
@@ -3812,7 +3812,7 @@
           <a:ln/>
           <a:extLst>
             <a:ext uri="{AF507438-7753-43e0-B8FC-AC1667EBCBE1}">
-              <a14:hiddenEffects xmlns:a14="http://schemas.microsoft.com/office/drawing/2010/main" xmlns="">
+              <a14:hiddenEffects xmlns="" xmlns:a14="http://schemas.microsoft.com/office/drawing/2010/main">
                 <a:effectLst>
                   <a:outerShdw blurRad="63500" dist="38099" dir="2700000" algn="ctr" rotWithShape="0">
                     <a:srgbClr val="000000">
@@ -3964,7 +3964,7 @@
           </a:ln>
           <a:extLst>
             <a:ext uri="{AF507438-7753-43e0-B8FC-AC1667EBCBE1}">
-              <a14:hiddenEffects xmlns:a14="http://schemas.microsoft.com/office/drawing/2010/main" xmlns="">
+              <a14:hiddenEffects xmlns="" xmlns:a14="http://schemas.microsoft.com/office/drawing/2010/main">
                 <a:effectLst>
                   <a:outerShdw blurRad="63500" dist="38099" dir="2700000" algn="ctr" rotWithShape="0">
                     <a:srgbClr val="000000">
@@ -3995,7 +3995,7 @@
           <a:ln/>
           <a:extLst>
             <a:ext uri="{AF507438-7753-43e0-B8FC-AC1667EBCBE1}">
-              <a14:hiddenEffects xmlns:a14="http://schemas.microsoft.com/office/drawing/2010/main" xmlns="">
+              <a14:hiddenEffects xmlns="" xmlns:a14="http://schemas.microsoft.com/office/drawing/2010/main">
                 <a:effectLst>
                   <a:outerShdw blurRad="63500" dist="38099" dir="2700000" algn="ctr" rotWithShape="0">
                     <a:srgbClr val="000000">
@@ -4147,7 +4147,7 @@
           </a:ln>
           <a:extLst>
             <a:ext uri="{AF507438-7753-43e0-B8FC-AC1667EBCBE1}">
-              <a14:hiddenEffects xmlns:a14="http://schemas.microsoft.com/office/drawing/2010/main" xmlns="">
+              <a14:hiddenEffects xmlns="" xmlns:a14="http://schemas.microsoft.com/office/drawing/2010/main">
                 <a:effectLst>
                   <a:outerShdw blurRad="63500" dist="38099" dir="2700000" algn="ctr" rotWithShape="0">
                     <a:srgbClr val="000000">
@@ -4178,7 +4178,7 @@
           <a:ln/>
           <a:extLst>
             <a:ext uri="{AF507438-7753-43e0-B8FC-AC1667EBCBE1}">
-              <a14:hiddenEffects xmlns:a14="http://schemas.microsoft.com/office/drawing/2010/main" xmlns="">
+              <a14:hiddenEffects xmlns="" xmlns:a14="http://schemas.microsoft.com/office/drawing/2010/main">
                 <a:effectLst>
                   <a:outerShdw blurRad="63500" dist="38099" dir="2700000" algn="ctr" rotWithShape="0">
                     <a:srgbClr val="000000">
@@ -4353,7 +4353,7 @@
           </a:ln>
           <a:extLst>
             <a:ext uri="{AF507438-7753-43e0-B8FC-AC1667EBCBE1}">
-              <a14:hiddenEffects xmlns:a14="http://schemas.microsoft.com/office/drawing/2010/main" xmlns="">
+              <a14:hiddenEffects xmlns="" xmlns:a14="http://schemas.microsoft.com/office/drawing/2010/main">
                 <a:effectLst>
                   <a:outerShdw blurRad="63500" dist="38099" dir="2700000" algn="ctr" rotWithShape="0">
                     <a:srgbClr val="000000">
@@ -4384,7 +4384,7 @@
           <a:ln/>
           <a:extLst>
             <a:ext uri="{AF507438-7753-43e0-B8FC-AC1667EBCBE1}">
-              <a14:hiddenEffects xmlns:a14="http://schemas.microsoft.com/office/drawing/2010/main" xmlns="">
+              <a14:hiddenEffects xmlns="" xmlns:a14="http://schemas.microsoft.com/office/drawing/2010/main">
                 <a:effectLst>
                   <a:outerShdw blurRad="63500" dist="38099" dir="2700000" algn="ctr" rotWithShape="0">
                     <a:srgbClr val="000000">
@@ -8109,7 +8109,7 @@
           <a:effectLst/>
           <a:extLst>
             <a:ext uri="{909E8E84-426E-40dd-AFC4-6F175D3DCCD1}">
-              <a14:hiddenFill xmlns:a14="http://schemas.microsoft.com/office/drawing/2010/main" xmlns="">
+              <a14:hiddenFill xmlns="" xmlns:a14="http://schemas.microsoft.com/office/drawing/2010/main">
                 <a:blipFill dpi="0" rotWithShape="0">
                   <a:blip xmlns:r="http://schemas.openxmlformats.org/officeDocument/2006/relationships"/>
                   <a:srcRect/>
@@ -8120,7 +8120,7 @@
               </a14:hiddenFill>
             </a:ext>
             <a:ext uri="{91240B29-F687-4f45-9708-019B960494DF}">
-              <a14:hiddenLine xmlns:a14="http://schemas.microsoft.com/office/drawing/2010/main" xmlns="" w="9525" cap="flat">
+              <a14:hiddenLine xmlns="" xmlns:a14="http://schemas.microsoft.com/office/drawing/2010/main" w="9525" cap="flat">
                 <a:solidFill>
                   <a:srgbClr val="000000"/>
                 </a:solidFill>
@@ -8130,7 +8130,7 @@
               </a14:hiddenLine>
             </a:ext>
             <a:ext uri="{AF507438-7753-43e0-B8FC-AC1667EBCBE1}">
-              <a14:hiddenEffects xmlns:a14="http://schemas.microsoft.com/office/drawing/2010/main" xmlns="">
+              <a14:hiddenEffects xmlns="" xmlns:a14="http://schemas.microsoft.com/office/drawing/2010/main">
                 <a:effectLst>
                   <a:outerShdw blurRad="63500" dist="38099" dir="2700000" algn="ctr" rotWithShape="0">
                     <a:srgbClr val="000000">
@@ -9450,7 +9450,7 @@
           <a:effectLst/>
           <a:extLst>
             <a:ext uri="{909E8E84-426E-40dd-AFC4-6F175D3DCCD1}">
-              <a14:hiddenFill xmlns:a14="http://schemas.microsoft.com/office/drawing/2010/main" xmlns="">
+              <a14:hiddenFill xmlns="" xmlns:a14="http://schemas.microsoft.com/office/drawing/2010/main">
                 <a:blipFill dpi="0" rotWithShape="0">
                   <a:blip xmlns:r="http://schemas.openxmlformats.org/officeDocument/2006/relationships"/>
                   <a:srcRect/>
@@ -9461,7 +9461,7 @@
               </a14:hiddenFill>
             </a:ext>
             <a:ext uri="{91240B29-F687-4f45-9708-019B960494DF}">
-              <a14:hiddenLine xmlns:a14="http://schemas.microsoft.com/office/drawing/2010/main" xmlns="" w="9525" cap="flat">
+              <a14:hiddenLine xmlns="" xmlns:a14="http://schemas.microsoft.com/office/drawing/2010/main" w="9525" cap="flat">
                 <a:solidFill>
                   <a:srgbClr val="000000"/>
                 </a:solidFill>
@@ -9471,7 +9471,7 @@
               </a14:hiddenLine>
             </a:ext>
             <a:ext uri="{AF507438-7753-43e0-B8FC-AC1667EBCBE1}">
-              <a14:hiddenEffects xmlns:a14="http://schemas.microsoft.com/office/drawing/2010/main" xmlns="">
+              <a14:hiddenEffects xmlns="" xmlns:a14="http://schemas.microsoft.com/office/drawing/2010/main">
                 <a:effectLst>
                   <a:outerShdw blurRad="63500" dist="38099" dir="2700000" algn="ctr" rotWithShape="0">
                     <a:srgbClr val="000000">
@@ -9775,7 +9775,7 @@
           <a:effectLst/>
           <a:extLst>
             <a:ext uri="{909E8E84-426E-40dd-AFC4-6F175D3DCCD1}">
-              <a14:hiddenFill xmlns:a14="http://schemas.microsoft.com/office/drawing/2010/main" xmlns="">
+              <a14:hiddenFill xmlns="" xmlns:a14="http://schemas.microsoft.com/office/drawing/2010/main">
                 <a:blipFill dpi="0" rotWithShape="0">
                   <a:blip xmlns:r="http://schemas.openxmlformats.org/officeDocument/2006/relationships"/>
                   <a:srcRect/>
@@ -9786,7 +9786,7 @@
               </a14:hiddenFill>
             </a:ext>
             <a:ext uri="{91240B29-F687-4f45-9708-019B960494DF}">
-              <a14:hiddenLine xmlns:a14="http://schemas.microsoft.com/office/drawing/2010/main" xmlns="" w="9525" cap="flat">
+              <a14:hiddenLine xmlns="" xmlns:a14="http://schemas.microsoft.com/office/drawing/2010/main" w="9525" cap="flat">
                 <a:solidFill>
                   <a:srgbClr val="000000"/>
                 </a:solidFill>
@@ -9796,7 +9796,7 @@
               </a14:hiddenLine>
             </a:ext>
             <a:ext uri="{AF507438-7753-43e0-B8FC-AC1667EBCBE1}">
-              <a14:hiddenEffects xmlns:a14="http://schemas.microsoft.com/office/drawing/2010/main" xmlns="">
+              <a14:hiddenEffects xmlns="" xmlns:a14="http://schemas.microsoft.com/office/drawing/2010/main">
                 <a:effectLst>
                   <a:outerShdw blurRad="63500" dist="38099" dir="2700000" algn="ctr" rotWithShape="0">
                     <a:srgbClr val="000000">
@@ -13748,7 +13748,7 @@
           <a:effectLst/>
           <a:extLst>
             <a:ext uri="{909E8E84-426E-40dd-AFC4-6F175D3DCCD1}">
-              <a14:hiddenFill xmlns:a14="http://schemas.microsoft.com/office/drawing/2010/main" xmlns="">
+              <a14:hiddenFill xmlns="" xmlns:a14="http://schemas.microsoft.com/office/drawing/2010/main">
                 <a:blipFill dpi="0" rotWithShape="0">
                   <a:blip xmlns:r="http://schemas.openxmlformats.org/officeDocument/2006/relationships"/>
                   <a:srcRect/>
@@ -13759,7 +13759,7 @@
               </a14:hiddenFill>
             </a:ext>
             <a:ext uri="{91240B29-F687-4f45-9708-019B960494DF}">
-              <a14:hiddenLine xmlns:a14="http://schemas.microsoft.com/office/drawing/2010/main" xmlns="" w="9525" cap="flat">
+              <a14:hiddenLine xmlns="" xmlns:a14="http://schemas.microsoft.com/office/drawing/2010/main" w="9525" cap="flat">
                 <a:solidFill>
                   <a:srgbClr val="000000"/>
                 </a:solidFill>
@@ -13769,7 +13769,7 @@
               </a14:hiddenLine>
             </a:ext>
             <a:ext uri="{AF507438-7753-43e0-B8FC-AC1667EBCBE1}">
-              <a14:hiddenEffects xmlns:a14="http://schemas.microsoft.com/office/drawing/2010/main" xmlns="">
+              <a14:hiddenEffects xmlns="" xmlns:a14="http://schemas.microsoft.com/office/drawing/2010/main">
                 <a:effectLst>
                   <a:outerShdw blurRad="63500" dist="38099" dir="2700000" algn="ctr" rotWithShape="0">
                     <a:srgbClr val="000000">
@@ -14148,7 +14148,6 @@
               <a:rPr lang="en-US" dirty="0" smtClean="0"/>
               <a:t>Hidden Markov Model</a:t>
             </a:r>
-            <a:endParaRPr lang="en-US" dirty="0" smtClean="0"/>
           </a:p>
           <a:p>
             <a:pPr lvl="1"/>
@@ -15537,11 +15536,7 @@
             <a:pPr lvl="1"/>
             <a:r>
               <a:rPr lang="en-AU" dirty="0" smtClean="0"/>
-              <a:t>JM2 </a:t>
-            </a:r>
-            <a:r>
-              <a:rPr lang="en-AU" dirty="0" smtClean="0"/>
-              <a:t>#25, 25.4-25.6 (optional 25.11 for IBM3)</a:t>
+              <a:t>JM2 #25, 25.4-25.6 (optional 25.11 for IBM3)</a:t>
             </a:r>
             <a:endParaRPr lang="en-AU" dirty="0"/>
           </a:p>
@@ -16113,14 +16108,14 @@
           <a:effectLst/>
           <a:extLst>
             <a:ext uri="{909E8E84-426E-40dd-AFC4-6F175D3DCCD1}">
-              <a14:hiddenFill xmlns:a14="http://schemas.microsoft.com/office/drawing/2010/main" xmlns="">
+              <a14:hiddenFill xmlns="" xmlns:a14="http://schemas.microsoft.com/office/drawing/2010/main">
                 <a:solidFill>
                   <a:srgbClr val="FFFFFF"/>
                 </a:solidFill>
               </a14:hiddenFill>
             </a:ext>
             <a:ext uri="{AF507438-7753-43e0-B8FC-AC1667EBCBE1}">
-              <a14:hiddenEffects xmlns:a14="http://schemas.microsoft.com/office/drawing/2010/main" xmlns="">
+              <a14:hiddenEffects xmlns="" xmlns:a14="http://schemas.microsoft.com/office/drawing/2010/main">
                 <a:effectLst>
                   <a:outerShdw blurRad="63500" dist="38099" dir="2700000" algn="ctr" rotWithShape="0">
                     <a:srgbClr val="000000">
@@ -16211,14 +16206,14 @@
           <a:effectLst/>
           <a:extLst>
             <a:ext uri="{909E8E84-426E-40dd-AFC4-6F175D3DCCD1}">
-              <a14:hiddenFill xmlns:a14="http://schemas.microsoft.com/office/drawing/2010/main" xmlns="">
+              <a14:hiddenFill xmlns="" xmlns:a14="http://schemas.microsoft.com/office/drawing/2010/main">
                 <a:solidFill>
                   <a:srgbClr val="FFFFFF"/>
                 </a:solidFill>
               </a14:hiddenFill>
             </a:ext>
             <a:ext uri="{AF507438-7753-43e0-B8FC-AC1667EBCBE1}">
-              <a14:hiddenEffects xmlns:a14="http://schemas.microsoft.com/office/drawing/2010/main" xmlns="">
+              <a14:hiddenEffects xmlns="" xmlns:a14="http://schemas.microsoft.com/office/drawing/2010/main">
                 <a:effectLst>
                   <a:outerShdw blurRad="63500" dist="38099" dir="2700000" algn="ctr" rotWithShape="0">
                     <a:srgbClr val="000000">
@@ -16325,14 +16320,14 @@
           <a:effectLst/>
           <a:extLst>
             <a:ext uri="{909E8E84-426E-40dd-AFC4-6F175D3DCCD1}">
-              <a14:hiddenFill xmlns:a14="http://schemas.microsoft.com/office/drawing/2010/main" xmlns="">
+              <a14:hiddenFill xmlns="" xmlns:a14="http://schemas.microsoft.com/office/drawing/2010/main">
                 <a:solidFill>
                   <a:srgbClr val="FFFFFF"/>
                 </a:solidFill>
               </a14:hiddenFill>
             </a:ext>
             <a:ext uri="{AF507438-7753-43e0-B8FC-AC1667EBCBE1}">
-              <a14:hiddenEffects xmlns:a14="http://schemas.microsoft.com/office/drawing/2010/main" xmlns="">
+              <a14:hiddenEffects xmlns="" xmlns:a14="http://schemas.microsoft.com/office/drawing/2010/main">
                 <a:effectLst>
                   <a:outerShdw blurRad="63500" dist="38099" dir="2700000" algn="ctr" rotWithShape="0">
                     <a:srgbClr val="000000">
@@ -16421,14 +16416,14 @@
           <a:effectLst/>
           <a:extLst>
             <a:ext uri="{909E8E84-426E-40dd-AFC4-6F175D3DCCD1}">
-              <a14:hiddenFill xmlns:a14="http://schemas.microsoft.com/office/drawing/2010/main" xmlns="">
+              <a14:hiddenFill xmlns="" xmlns:a14="http://schemas.microsoft.com/office/drawing/2010/main">
                 <a:solidFill>
                   <a:srgbClr val="FFFFFF"/>
                 </a:solidFill>
               </a14:hiddenFill>
             </a:ext>
             <a:ext uri="{AF507438-7753-43e0-B8FC-AC1667EBCBE1}">
-              <a14:hiddenEffects xmlns:a14="http://schemas.microsoft.com/office/drawing/2010/main" xmlns="">
+              <a14:hiddenEffects xmlns="" xmlns:a14="http://schemas.microsoft.com/office/drawing/2010/main">
                 <a:effectLst>
                   <a:outerShdw blurRad="63500" dist="38099" dir="2700000" algn="ctr" rotWithShape="0">
                     <a:srgbClr val="000000">
@@ -16517,14 +16512,14 @@
           <a:effectLst/>
           <a:extLst>
             <a:ext uri="{909E8E84-426E-40dd-AFC4-6F175D3DCCD1}">
-              <a14:hiddenFill xmlns:a14="http://schemas.microsoft.com/office/drawing/2010/main" xmlns="">
+              <a14:hiddenFill xmlns="" xmlns:a14="http://schemas.microsoft.com/office/drawing/2010/main">
                 <a:solidFill>
                   <a:srgbClr val="FFFFFF"/>
                 </a:solidFill>
               </a14:hiddenFill>
             </a:ext>
             <a:ext uri="{AF507438-7753-43e0-B8FC-AC1667EBCBE1}">
-              <a14:hiddenEffects xmlns:a14="http://schemas.microsoft.com/office/drawing/2010/main" xmlns="">
+              <a14:hiddenEffects xmlns="" xmlns:a14="http://schemas.microsoft.com/office/drawing/2010/main">
                 <a:effectLst>
                   <a:outerShdw blurRad="63500" dist="38099" dir="2700000" algn="ctr" rotWithShape="0">
                     <a:srgbClr val="000000">
@@ -16631,14 +16626,14 @@
           <a:effectLst/>
           <a:extLst>
             <a:ext uri="{909E8E84-426E-40dd-AFC4-6F175D3DCCD1}">
-              <a14:hiddenFill xmlns:a14="http://schemas.microsoft.com/office/drawing/2010/main" xmlns="">
+              <a14:hiddenFill xmlns="" xmlns:a14="http://schemas.microsoft.com/office/drawing/2010/main">
                 <a:solidFill>
                   <a:srgbClr val="FFFFFF"/>
                 </a:solidFill>
               </a14:hiddenFill>
             </a:ext>
             <a:ext uri="{AF507438-7753-43e0-B8FC-AC1667EBCBE1}">
-              <a14:hiddenEffects xmlns:a14="http://schemas.microsoft.com/office/drawing/2010/main" xmlns="">
+              <a14:hiddenEffects xmlns="" xmlns:a14="http://schemas.microsoft.com/office/drawing/2010/main">
                 <a:effectLst>
                   <a:outerShdw blurRad="63500" dist="38099" dir="2700000" algn="ctr" rotWithShape="0">
                     <a:srgbClr val="000000">
@@ -16727,14 +16722,14 @@
           <a:effectLst/>
           <a:extLst>
             <a:ext uri="{909E8E84-426E-40dd-AFC4-6F175D3DCCD1}">
-              <a14:hiddenFill xmlns:a14="http://schemas.microsoft.com/office/drawing/2010/main" xmlns="">
+              <a14:hiddenFill xmlns="" xmlns:a14="http://schemas.microsoft.com/office/drawing/2010/main">
                 <a:solidFill>
                   <a:srgbClr val="FFFFFF"/>
                 </a:solidFill>
               </a14:hiddenFill>
             </a:ext>
             <a:ext uri="{AF507438-7753-43e0-B8FC-AC1667EBCBE1}">
-              <a14:hiddenEffects xmlns:a14="http://schemas.microsoft.com/office/drawing/2010/main" xmlns="">
+              <a14:hiddenEffects xmlns="" xmlns:a14="http://schemas.microsoft.com/office/drawing/2010/main">
                 <a:effectLst>
                   <a:outerShdw blurRad="63500" dist="38099" dir="2700000" algn="ctr" rotWithShape="0">
                     <a:srgbClr val="000000">
@@ -16821,12 +16816,12 @@
           <a:effectLst/>
           <a:extLst>
             <a:ext uri="{909E8E84-426E-40dd-AFC4-6F175D3DCCD1}">
-              <a14:hiddenFill xmlns:a14="http://schemas.microsoft.com/office/drawing/2010/main" xmlns="">
+              <a14:hiddenFill xmlns="" xmlns:a14="http://schemas.microsoft.com/office/drawing/2010/main">
                 <a:noFill/>
               </a14:hiddenFill>
             </a:ext>
             <a:ext uri="{AF507438-7753-43e0-B8FC-AC1667EBCBE1}">
-              <a14:hiddenEffects xmlns:a14="http://schemas.microsoft.com/office/drawing/2010/main" xmlns="">
+              <a14:hiddenEffects xmlns="" xmlns:a14="http://schemas.microsoft.com/office/drawing/2010/main">
                 <a:effectLst>
                   <a:outerShdw blurRad="63500" dist="38099" dir="2700000" algn="ctr" rotWithShape="0">
                     <a:srgbClr val="000000">
@@ -16881,12 +16876,12 @@
           <a:effectLst/>
           <a:extLst>
             <a:ext uri="{909E8E84-426E-40dd-AFC4-6F175D3DCCD1}">
-              <a14:hiddenFill xmlns:a14="http://schemas.microsoft.com/office/drawing/2010/main" xmlns="">
+              <a14:hiddenFill xmlns="" xmlns:a14="http://schemas.microsoft.com/office/drawing/2010/main">
                 <a:noFill/>
               </a14:hiddenFill>
             </a:ext>
             <a:ext uri="{AF507438-7753-43e0-B8FC-AC1667EBCBE1}">
-              <a14:hiddenEffects xmlns:a14="http://schemas.microsoft.com/office/drawing/2010/main" xmlns="">
+              <a14:hiddenEffects xmlns="" xmlns:a14="http://schemas.microsoft.com/office/drawing/2010/main">
                 <a:effectLst>
                   <a:outerShdw blurRad="63500" dist="38099" dir="2700000" algn="ctr" rotWithShape="0">
                     <a:srgbClr val="000000">
@@ -16941,12 +16936,12 @@
           <a:effectLst/>
           <a:extLst>
             <a:ext uri="{909E8E84-426E-40dd-AFC4-6F175D3DCCD1}">
-              <a14:hiddenFill xmlns:a14="http://schemas.microsoft.com/office/drawing/2010/main" xmlns="">
+              <a14:hiddenFill xmlns="" xmlns:a14="http://schemas.microsoft.com/office/drawing/2010/main">
                 <a:noFill/>
               </a14:hiddenFill>
             </a:ext>
             <a:ext uri="{AF507438-7753-43e0-B8FC-AC1667EBCBE1}">
-              <a14:hiddenEffects xmlns:a14="http://schemas.microsoft.com/office/drawing/2010/main" xmlns="">
+              <a14:hiddenEffects xmlns="" xmlns:a14="http://schemas.microsoft.com/office/drawing/2010/main">
                 <a:effectLst>
                   <a:outerShdw blurRad="63500" dist="38099" dir="2700000" algn="ctr" rotWithShape="0">
                     <a:srgbClr val="000000">
@@ -17001,12 +16996,12 @@
           <a:effectLst/>
           <a:extLst>
             <a:ext uri="{909E8E84-426E-40dd-AFC4-6F175D3DCCD1}">
-              <a14:hiddenFill xmlns:a14="http://schemas.microsoft.com/office/drawing/2010/main" xmlns="">
+              <a14:hiddenFill xmlns="" xmlns:a14="http://schemas.microsoft.com/office/drawing/2010/main">
                 <a:noFill/>
               </a14:hiddenFill>
             </a:ext>
             <a:ext uri="{AF507438-7753-43e0-B8FC-AC1667EBCBE1}">
-              <a14:hiddenEffects xmlns:a14="http://schemas.microsoft.com/office/drawing/2010/main" xmlns="">
+              <a14:hiddenEffects xmlns="" xmlns:a14="http://schemas.microsoft.com/office/drawing/2010/main">
                 <a:effectLst>
                   <a:outerShdw blurRad="63500" dist="38099" dir="2700000" algn="ctr" rotWithShape="0">
                     <a:srgbClr val="000000">
@@ -17061,12 +17056,12 @@
           <a:effectLst/>
           <a:extLst>
             <a:ext uri="{909E8E84-426E-40dd-AFC4-6F175D3DCCD1}">
-              <a14:hiddenFill xmlns:a14="http://schemas.microsoft.com/office/drawing/2010/main" xmlns="">
+              <a14:hiddenFill xmlns="" xmlns:a14="http://schemas.microsoft.com/office/drawing/2010/main">
                 <a:noFill/>
               </a14:hiddenFill>
             </a:ext>
             <a:ext uri="{AF507438-7753-43e0-B8FC-AC1667EBCBE1}">
-              <a14:hiddenEffects xmlns:a14="http://schemas.microsoft.com/office/drawing/2010/main" xmlns="">
+              <a14:hiddenEffects xmlns="" xmlns:a14="http://schemas.microsoft.com/office/drawing/2010/main">
                 <a:effectLst>
                   <a:outerShdw blurRad="63500" dist="38099" dir="2700000" algn="ctr" rotWithShape="0">
                     <a:srgbClr val="000000">
@@ -17121,12 +17116,12 @@
           <a:effectLst/>
           <a:extLst>
             <a:ext uri="{909E8E84-426E-40dd-AFC4-6F175D3DCCD1}">
-              <a14:hiddenFill xmlns:a14="http://schemas.microsoft.com/office/drawing/2010/main" xmlns="">
+              <a14:hiddenFill xmlns="" xmlns:a14="http://schemas.microsoft.com/office/drawing/2010/main">
                 <a:noFill/>
               </a14:hiddenFill>
             </a:ext>
             <a:ext uri="{AF507438-7753-43e0-B8FC-AC1667EBCBE1}">
-              <a14:hiddenEffects xmlns:a14="http://schemas.microsoft.com/office/drawing/2010/main" xmlns="">
+              <a14:hiddenEffects xmlns="" xmlns:a14="http://schemas.microsoft.com/office/drawing/2010/main">
                 <a:effectLst>
                   <a:outerShdw blurRad="63500" dist="38099" dir="2700000" algn="ctr" rotWithShape="0">
                     <a:srgbClr val="000000">
@@ -17181,12 +17176,12 @@
           <a:effectLst/>
           <a:extLst>
             <a:ext uri="{909E8E84-426E-40dd-AFC4-6F175D3DCCD1}">
-              <a14:hiddenFill xmlns:a14="http://schemas.microsoft.com/office/drawing/2010/main" xmlns="">
+              <a14:hiddenFill xmlns="" xmlns:a14="http://schemas.microsoft.com/office/drawing/2010/main">
                 <a:noFill/>
               </a14:hiddenFill>
             </a:ext>
             <a:ext uri="{AF507438-7753-43e0-B8FC-AC1667EBCBE1}">
-              <a14:hiddenEffects xmlns:a14="http://schemas.microsoft.com/office/drawing/2010/main" xmlns="">
+              <a14:hiddenEffects xmlns="" xmlns:a14="http://schemas.microsoft.com/office/drawing/2010/main">
                 <a:effectLst>
                   <a:outerShdw blurRad="63500" dist="38099" dir="2700000" algn="ctr" rotWithShape="0">
                     <a:srgbClr val="000000">
@@ -17241,12 +17236,12 @@
           <a:effectLst/>
           <a:extLst>
             <a:ext uri="{909E8E84-426E-40dd-AFC4-6F175D3DCCD1}">
-              <a14:hiddenFill xmlns:a14="http://schemas.microsoft.com/office/drawing/2010/main" xmlns="">
+              <a14:hiddenFill xmlns="" xmlns:a14="http://schemas.microsoft.com/office/drawing/2010/main">
                 <a:noFill/>
               </a14:hiddenFill>
             </a:ext>
             <a:ext uri="{AF507438-7753-43e0-B8FC-AC1667EBCBE1}">
-              <a14:hiddenEffects xmlns:a14="http://schemas.microsoft.com/office/drawing/2010/main" xmlns="">
+              <a14:hiddenEffects xmlns="" xmlns:a14="http://schemas.microsoft.com/office/drawing/2010/main">
                 <a:effectLst>
                   <a:outerShdw blurRad="63500" dist="38099" dir="2700000" algn="ctr" rotWithShape="0">
                     <a:srgbClr val="000000">
@@ -17301,12 +17296,12 @@
           <a:effectLst/>
           <a:extLst>
             <a:ext uri="{909E8E84-426E-40dd-AFC4-6F175D3DCCD1}">
-              <a14:hiddenFill xmlns:a14="http://schemas.microsoft.com/office/drawing/2010/main" xmlns="">
+              <a14:hiddenFill xmlns="" xmlns:a14="http://schemas.microsoft.com/office/drawing/2010/main">
                 <a:noFill/>
               </a14:hiddenFill>
             </a:ext>
             <a:ext uri="{AF507438-7753-43e0-B8FC-AC1667EBCBE1}">
-              <a14:hiddenEffects xmlns:a14="http://schemas.microsoft.com/office/drawing/2010/main" xmlns="">
+              <a14:hiddenEffects xmlns="" xmlns:a14="http://schemas.microsoft.com/office/drawing/2010/main">
                 <a:effectLst>
                   <a:outerShdw blurRad="63500" dist="38099" dir="2700000" algn="ctr" rotWithShape="0">
                     <a:srgbClr val="000000">
@@ -17356,14 +17351,14 @@
           <a:effectLst/>
           <a:extLst>
             <a:ext uri="{909E8E84-426E-40dd-AFC4-6F175D3DCCD1}">
-              <a14:hiddenFill xmlns:a14="http://schemas.microsoft.com/office/drawing/2010/main" xmlns="">
+              <a14:hiddenFill xmlns="" xmlns:a14="http://schemas.microsoft.com/office/drawing/2010/main">
                 <a:solidFill>
                   <a:srgbClr val="FFFFFF"/>
                 </a:solidFill>
               </a14:hiddenFill>
             </a:ext>
             <a:ext uri="{91240B29-F687-4f45-9708-019B960494DF}">
-              <a14:hiddenLine xmlns:a14="http://schemas.microsoft.com/office/drawing/2010/main" xmlns="" w="9525" cap="flat">
+              <a14:hiddenLine xmlns="" xmlns:a14="http://schemas.microsoft.com/office/drawing/2010/main" w="9525" cap="flat">
                 <a:solidFill>
                   <a:srgbClr val="000000"/>
                 </a:solidFill>
@@ -17373,7 +17368,7 @@
               </a14:hiddenLine>
             </a:ext>
             <a:ext uri="{AF507438-7753-43e0-B8FC-AC1667EBCBE1}">
-              <a14:hiddenEffects xmlns:a14="http://schemas.microsoft.com/office/drawing/2010/main" xmlns="">
+              <a14:hiddenEffects xmlns="" xmlns:a14="http://schemas.microsoft.com/office/drawing/2010/main">
                 <a:effectLst>
                   <a:outerShdw blurRad="63500" dist="38099" dir="2700000" algn="ctr" rotWithShape="0">
                     <a:srgbClr val="000000">
@@ -17612,14 +17607,14 @@
           <a:effectLst/>
           <a:extLst>
             <a:ext uri="{909E8E84-426E-40dd-AFC4-6F175D3DCCD1}">
-              <a14:hiddenFill xmlns:a14="http://schemas.microsoft.com/office/drawing/2010/main" xmlns="">
+              <a14:hiddenFill xmlns="" xmlns:a14="http://schemas.microsoft.com/office/drawing/2010/main">
                 <a:solidFill>
                   <a:srgbClr val="FFFFFF"/>
                 </a:solidFill>
               </a14:hiddenFill>
             </a:ext>
             <a:ext uri="{91240B29-F687-4f45-9708-019B960494DF}">
-              <a14:hiddenLine xmlns:a14="http://schemas.microsoft.com/office/drawing/2010/main" xmlns="" w="9525" cap="flat">
+              <a14:hiddenLine xmlns="" xmlns:a14="http://schemas.microsoft.com/office/drawing/2010/main" w="9525" cap="flat">
                 <a:solidFill>
                   <a:srgbClr val="000000"/>
                 </a:solidFill>
@@ -17629,7 +17624,7 @@
               </a14:hiddenLine>
             </a:ext>
             <a:ext uri="{AF507438-7753-43e0-B8FC-AC1667EBCBE1}">
-              <a14:hiddenEffects xmlns:a14="http://schemas.microsoft.com/office/drawing/2010/main" xmlns="">
+              <a14:hiddenEffects xmlns="" xmlns:a14="http://schemas.microsoft.com/office/drawing/2010/main">
                 <a:effectLst>
                   <a:outerShdw blurRad="63500" dist="38099" dir="2700000" algn="ctr" rotWithShape="0">
                     <a:srgbClr val="000000">
@@ -17868,14 +17863,14 @@
           <a:effectLst/>
           <a:extLst>
             <a:ext uri="{909E8E84-426E-40dd-AFC4-6F175D3DCCD1}">
-              <a14:hiddenFill xmlns:a14="http://schemas.microsoft.com/office/drawing/2010/main" xmlns="">
+              <a14:hiddenFill xmlns="" xmlns:a14="http://schemas.microsoft.com/office/drawing/2010/main">
                 <a:solidFill>
                   <a:srgbClr val="FFFFFF"/>
                 </a:solidFill>
               </a14:hiddenFill>
             </a:ext>
             <a:ext uri="{91240B29-F687-4f45-9708-019B960494DF}">
-              <a14:hiddenLine xmlns:a14="http://schemas.microsoft.com/office/drawing/2010/main" xmlns="" w="9525" cap="flat">
+              <a14:hiddenLine xmlns="" xmlns:a14="http://schemas.microsoft.com/office/drawing/2010/main" w="9525" cap="flat">
                 <a:solidFill>
                   <a:srgbClr val="000000"/>
                 </a:solidFill>
@@ -17885,7 +17880,7 @@
               </a14:hiddenLine>
             </a:ext>
             <a:ext uri="{AF507438-7753-43e0-B8FC-AC1667EBCBE1}">
-              <a14:hiddenEffects xmlns:a14="http://schemas.microsoft.com/office/drawing/2010/main" xmlns="">
+              <a14:hiddenEffects xmlns="" xmlns:a14="http://schemas.microsoft.com/office/drawing/2010/main">
                 <a:effectLst>
                   <a:outerShdw blurRad="63500" dist="38099" dir="2700000" algn="ctr" rotWithShape="0">
                     <a:srgbClr val="000000">
@@ -18124,14 +18119,14 @@
           <a:effectLst/>
           <a:extLst>
             <a:ext uri="{909E8E84-426E-40dd-AFC4-6F175D3DCCD1}">
-              <a14:hiddenFill xmlns:a14="http://schemas.microsoft.com/office/drawing/2010/main" xmlns="">
+              <a14:hiddenFill xmlns="" xmlns:a14="http://schemas.microsoft.com/office/drawing/2010/main">
                 <a:solidFill>
                   <a:srgbClr val="FFFFFF"/>
                 </a:solidFill>
               </a14:hiddenFill>
             </a:ext>
             <a:ext uri="{91240B29-F687-4f45-9708-019B960494DF}">
-              <a14:hiddenLine xmlns:a14="http://schemas.microsoft.com/office/drawing/2010/main" xmlns="" w="9525" cap="flat">
+              <a14:hiddenLine xmlns="" xmlns:a14="http://schemas.microsoft.com/office/drawing/2010/main" w="9525" cap="flat">
                 <a:solidFill>
                   <a:srgbClr val="000000"/>
                 </a:solidFill>
@@ -18141,7 +18136,7 @@
               </a14:hiddenLine>
             </a:ext>
             <a:ext uri="{AF507438-7753-43e0-B8FC-AC1667EBCBE1}">
-              <a14:hiddenEffects xmlns:a14="http://schemas.microsoft.com/office/drawing/2010/main" xmlns="">
+              <a14:hiddenEffects xmlns="" xmlns:a14="http://schemas.microsoft.com/office/drawing/2010/main">
                 <a:effectLst>
                   <a:outerShdw blurRad="63500" dist="38099" dir="2700000" algn="ctr" rotWithShape="0">
                     <a:srgbClr val="000000">
@@ -18662,12 +18657,12 @@
           <a:effectLst/>
           <a:extLst>
             <a:ext uri="{909E8E84-426E-40dd-AFC4-6F175D3DCCD1}">
-              <a14:hiddenFill xmlns:a14="http://schemas.microsoft.com/office/drawing/2010/main" xmlns="">
+              <a14:hiddenFill xmlns="" xmlns:a14="http://schemas.microsoft.com/office/drawing/2010/main">
                 <a:noFill/>
               </a14:hiddenFill>
             </a:ext>
             <a:ext uri="{AF507438-7753-43e0-B8FC-AC1667EBCBE1}">
-              <a14:hiddenEffects xmlns:a14="http://schemas.microsoft.com/office/drawing/2010/main" xmlns="">
+              <a14:hiddenEffects xmlns="" xmlns:a14="http://schemas.microsoft.com/office/drawing/2010/main">
                 <a:effectLst>
                   <a:outerShdw blurRad="63500" dist="38099" dir="2700000" algn="ctr" rotWithShape="0">
                     <a:srgbClr val="000000">
@@ -18720,12 +18715,12 @@
           <a:effectLst/>
           <a:extLst>
             <a:ext uri="{909E8E84-426E-40dd-AFC4-6F175D3DCCD1}">
-              <a14:hiddenFill xmlns:a14="http://schemas.microsoft.com/office/drawing/2010/main" xmlns="">
+              <a14:hiddenFill xmlns="" xmlns:a14="http://schemas.microsoft.com/office/drawing/2010/main">
                 <a:noFill/>
               </a14:hiddenFill>
             </a:ext>
             <a:ext uri="{AF507438-7753-43e0-B8FC-AC1667EBCBE1}">
-              <a14:hiddenEffects xmlns:a14="http://schemas.microsoft.com/office/drawing/2010/main" xmlns="">
+              <a14:hiddenEffects xmlns="" xmlns:a14="http://schemas.microsoft.com/office/drawing/2010/main">
                 <a:effectLst>
                   <a:outerShdw blurRad="63500" dist="38099" dir="2700000" algn="ctr" rotWithShape="0">
                     <a:srgbClr val="000000">
@@ -18780,7 +18775,7 @@
           <a:effectLst/>
           <a:extLst>
             <a:ext uri="{AF507438-7753-43e0-B8FC-AC1667EBCBE1}">
-              <a14:hiddenEffects xmlns:a14="http://schemas.microsoft.com/office/drawing/2010/main" xmlns="">
+              <a14:hiddenEffects xmlns="" xmlns:a14="http://schemas.microsoft.com/office/drawing/2010/main">
                 <a:effectLst>
                   <a:outerShdw blurRad="63500" dist="38099" dir="2700000" algn="ctr" rotWithShape="0">
                     <a:srgbClr val="000000">
@@ -19027,7 +19022,7 @@
           <a:effectLst/>
           <a:extLst>
             <a:ext uri="{AF507438-7753-43e0-B8FC-AC1667EBCBE1}">
-              <a14:hiddenEffects xmlns:a14="http://schemas.microsoft.com/office/drawing/2010/main" xmlns="">
+              <a14:hiddenEffects xmlns="" xmlns:a14="http://schemas.microsoft.com/office/drawing/2010/main">
                 <a:effectLst>
                   <a:outerShdw blurRad="63500" dist="38099" dir="2700000" algn="ctr" rotWithShape="0">
                     <a:srgbClr val="000000">
@@ -19273,7 +19268,7 @@
           <a:graphicData uri="http://schemas.openxmlformats.org/presentationml/2006/ole">
             <mc:AlternateContent xmlns:mc="http://schemas.openxmlformats.org/markup-compatibility/2006">
               <mc:Choice xmlns:v="urn:schemas-microsoft-com:vml" Requires="v">
-                <p:oleObj spid="_x0000_s2315" r:id="rId4" imgW="254000" imgH="406400" progId="">
+                <p:oleObj spid="_x0000_s2320" r:id="rId4" imgW="254000" imgH="406400" progId="">
                   <p:embed/>
                 </p:oleObj>
               </mc:Choice>
@@ -19372,7 +19367,7 @@
           <a:graphicData uri="http://schemas.openxmlformats.org/presentationml/2006/ole">
             <mc:AlternateContent xmlns:mc="http://schemas.openxmlformats.org/markup-compatibility/2006">
               <mc:Choice xmlns:v="urn:schemas-microsoft-com:vml" Requires="v">
-                <p:oleObj spid="_x0000_s2316" r:id="rId6" imgW="342900" imgH="406400" progId="">
+                <p:oleObj spid="_x0000_s2321" r:id="rId6" imgW="342900" imgH="406400" progId="">
                   <p:embed/>
                 </p:oleObj>
               </mc:Choice>
@@ -19483,12 +19478,12 @@
           <a:effectLst/>
           <a:extLst>
             <a:ext uri="{909E8E84-426E-40dd-AFC4-6F175D3DCCD1}">
-              <a14:hiddenFill xmlns:a14="http://schemas.microsoft.com/office/drawing/2010/main" xmlns="">
+              <a14:hiddenFill xmlns="" xmlns:a14="http://schemas.microsoft.com/office/drawing/2010/main">
                 <a:noFill/>
               </a14:hiddenFill>
             </a:ext>
             <a:ext uri="{AF507438-7753-43e0-B8FC-AC1667EBCBE1}">
-              <a14:hiddenEffects xmlns:a14="http://schemas.microsoft.com/office/drawing/2010/main" xmlns="">
+              <a14:hiddenEffects xmlns="" xmlns:a14="http://schemas.microsoft.com/office/drawing/2010/main">
                 <a:effectLst>
                   <a:outerShdw blurRad="63500" dist="38099" dir="2700000" algn="ctr" rotWithShape="0">
                     <a:srgbClr val="000000">
@@ -19543,7 +19538,7 @@
           <a:effectLst/>
           <a:extLst>
             <a:ext uri="{AF507438-7753-43e0-B8FC-AC1667EBCBE1}">
-              <a14:hiddenEffects xmlns:a14="http://schemas.microsoft.com/office/drawing/2010/main" xmlns="">
+              <a14:hiddenEffects xmlns="" xmlns:a14="http://schemas.microsoft.com/office/drawing/2010/main">
                 <a:effectLst>
                   <a:outerShdw blurRad="63500" dist="38099" dir="2700000" algn="ctr" rotWithShape="0">
                     <a:srgbClr val="000000">
@@ -19786,7 +19781,7 @@
           <a:graphicData uri="http://schemas.openxmlformats.org/presentationml/2006/ole">
             <mc:AlternateContent xmlns:mc="http://schemas.openxmlformats.org/markup-compatibility/2006">
               <mc:Choice xmlns:v="urn:schemas-microsoft-com:vml" Requires="v">
-                <p:oleObj spid="_x0000_s2317" r:id="rId8" imgW="76200" imgH="1447800" progId="">
+                <p:oleObj spid="_x0000_s2322" r:id="rId8" imgW="76200" imgH="1447800" progId="">
                   <p:embed/>
                 </p:oleObj>
               </mc:Choice>
@@ -19885,7 +19880,7 @@
           <a:graphicData uri="http://schemas.openxmlformats.org/presentationml/2006/ole">
             <mc:AlternateContent xmlns:mc="http://schemas.openxmlformats.org/markup-compatibility/2006">
               <mc:Choice xmlns:v="urn:schemas-microsoft-com:vml" Requires="v">
-                <p:oleObj spid="_x0000_s2318" r:id="rId10" imgW="723900" imgH="368300" progId="">
+                <p:oleObj spid="_x0000_s2323" r:id="rId10" imgW="723900" imgH="368300" progId="">
                   <p:embed/>
                 </p:oleObj>
               </mc:Choice>
@@ -20228,12 +20223,12 @@
           <a:effectLst/>
           <a:extLst>
             <a:ext uri="{909E8E84-426E-40dd-AFC4-6F175D3DCCD1}">
-              <a14:hiddenFill xmlns:a14="http://schemas.microsoft.com/office/drawing/2010/main" xmlns="">
+              <a14:hiddenFill xmlns="" xmlns:a14="http://schemas.microsoft.com/office/drawing/2010/main">
                 <a:noFill/>
               </a14:hiddenFill>
             </a:ext>
             <a:ext uri="{AF507438-7753-43e0-B8FC-AC1667EBCBE1}">
-              <a14:hiddenEffects xmlns:a14="http://schemas.microsoft.com/office/drawing/2010/main" xmlns="">
+              <a14:hiddenEffects xmlns="" xmlns:a14="http://schemas.microsoft.com/office/drawing/2010/main">
                 <a:effectLst>
                   <a:outerShdw blurRad="63500" dist="38099" dir="2700000" algn="ctr" rotWithShape="0">
                     <a:srgbClr val="000000">
@@ -20286,12 +20281,12 @@
           <a:effectLst/>
           <a:extLst>
             <a:ext uri="{909E8E84-426E-40dd-AFC4-6F175D3DCCD1}">
-              <a14:hiddenFill xmlns:a14="http://schemas.microsoft.com/office/drawing/2010/main" xmlns="">
+              <a14:hiddenFill xmlns="" xmlns:a14="http://schemas.microsoft.com/office/drawing/2010/main">
                 <a:noFill/>
               </a14:hiddenFill>
             </a:ext>
             <a:ext uri="{AF507438-7753-43e0-B8FC-AC1667EBCBE1}">
-              <a14:hiddenEffects xmlns:a14="http://schemas.microsoft.com/office/drawing/2010/main" xmlns="">
+              <a14:hiddenEffects xmlns="" xmlns:a14="http://schemas.microsoft.com/office/drawing/2010/main">
                 <a:effectLst>
                   <a:outerShdw blurRad="63500" dist="38099" dir="2700000" algn="ctr" rotWithShape="0">
                     <a:srgbClr val="000000">
@@ -20346,7 +20341,7 @@
           <a:effectLst/>
           <a:extLst>
             <a:ext uri="{AF507438-7753-43e0-B8FC-AC1667EBCBE1}">
-              <a14:hiddenEffects xmlns:a14="http://schemas.microsoft.com/office/drawing/2010/main" xmlns="">
+              <a14:hiddenEffects xmlns="" xmlns:a14="http://schemas.microsoft.com/office/drawing/2010/main">
                 <a:effectLst>
                   <a:outerShdw blurRad="63500" dist="38099" dir="2700000" algn="ctr" rotWithShape="0">
                     <a:srgbClr val="000000">
@@ -20593,7 +20588,7 @@
           <a:effectLst/>
           <a:extLst>
             <a:ext uri="{AF507438-7753-43e0-B8FC-AC1667EBCBE1}">
-              <a14:hiddenEffects xmlns:a14="http://schemas.microsoft.com/office/drawing/2010/main" xmlns="">
+              <a14:hiddenEffects xmlns="" xmlns:a14="http://schemas.microsoft.com/office/drawing/2010/main">
                 <a:effectLst>
                   <a:outerShdw blurRad="63500" dist="38099" dir="2700000" algn="ctr" rotWithShape="0">
                     <a:srgbClr val="000000">
@@ -20839,7 +20834,7 @@
           <a:graphicData uri="http://schemas.openxmlformats.org/presentationml/2006/ole">
             <mc:AlternateContent xmlns:mc="http://schemas.openxmlformats.org/markup-compatibility/2006">
               <mc:Choice xmlns:v="urn:schemas-microsoft-com:vml" Requires="v">
-                <p:oleObj spid="_x0000_s4359" r:id="rId4" imgW="254000" imgH="406400" progId="">
+                <p:oleObj spid="_x0000_s4364" r:id="rId4" imgW="254000" imgH="406400" progId="">
                   <p:embed/>
                 </p:oleObj>
               </mc:Choice>
@@ -20938,7 +20933,7 @@
           <a:graphicData uri="http://schemas.openxmlformats.org/presentationml/2006/ole">
             <mc:AlternateContent xmlns:mc="http://schemas.openxmlformats.org/markup-compatibility/2006">
               <mc:Choice xmlns:v="urn:schemas-microsoft-com:vml" Requires="v">
-                <p:oleObj spid="_x0000_s4360" r:id="rId6" imgW="342900" imgH="406400" progId="">
+                <p:oleObj spid="_x0000_s4365" r:id="rId6" imgW="342900" imgH="406400" progId="">
                   <p:embed/>
                 </p:oleObj>
               </mc:Choice>
@@ -21049,12 +21044,12 @@
           <a:effectLst/>
           <a:extLst>
             <a:ext uri="{909E8E84-426E-40dd-AFC4-6F175D3DCCD1}">
-              <a14:hiddenFill xmlns:a14="http://schemas.microsoft.com/office/drawing/2010/main" xmlns="">
+              <a14:hiddenFill xmlns="" xmlns:a14="http://schemas.microsoft.com/office/drawing/2010/main">
                 <a:noFill/>
               </a14:hiddenFill>
             </a:ext>
             <a:ext uri="{AF507438-7753-43e0-B8FC-AC1667EBCBE1}">
-              <a14:hiddenEffects xmlns:a14="http://schemas.microsoft.com/office/drawing/2010/main" xmlns="">
+              <a14:hiddenEffects xmlns="" xmlns:a14="http://schemas.microsoft.com/office/drawing/2010/main">
                 <a:effectLst>
                   <a:outerShdw blurRad="63500" dist="38099" dir="2700000" algn="ctr" rotWithShape="0">
                     <a:srgbClr val="000000">
@@ -21109,7 +21104,7 @@
           <a:effectLst/>
           <a:extLst>
             <a:ext uri="{AF507438-7753-43e0-B8FC-AC1667EBCBE1}">
-              <a14:hiddenEffects xmlns:a14="http://schemas.microsoft.com/office/drawing/2010/main" xmlns="">
+              <a14:hiddenEffects xmlns="" xmlns:a14="http://schemas.microsoft.com/office/drawing/2010/main">
                 <a:effectLst>
                   <a:outerShdw blurRad="63500" dist="38099" dir="2700000" algn="ctr" rotWithShape="0">
                     <a:srgbClr val="000000">
@@ -21352,7 +21347,7 @@
           <a:graphicData uri="http://schemas.openxmlformats.org/presentationml/2006/ole">
             <mc:AlternateContent xmlns:mc="http://schemas.openxmlformats.org/markup-compatibility/2006">
               <mc:Choice xmlns:v="urn:schemas-microsoft-com:vml" Requires="v">
-                <p:oleObj spid="_x0000_s4361" r:id="rId8" imgW="76200" imgH="1447800" progId="">
+                <p:oleObj spid="_x0000_s4366" r:id="rId8" imgW="76200" imgH="1447800" progId="">
                   <p:embed/>
                 </p:oleObj>
               </mc:Choice>
@@ -21451,7 +21446,7 @@
           <a:graphicData uri="http://schemas.openxmlformats.org/presentationml/2006/ole">
             <mc:AlternateContent xmlns:mc="http://schemas.openxmlformats.org/markup-compatibility/2006">
               <mc:Choice xmlns:v="urn:schemas-microsoft-com:vml" Requires="v">
-                <p:oleObj spid="_x0000_s4362" r:id="rId10" imgW="723900" imgH="368300" progId="">
+                <p:oleObj spid="_x0000_s4367" r:id="rId10" imgW="723900" imgH="368300" progId="">
                   <p:embed/>
                 </p:oleObj>
               </mc:Choice>

--- a/slides/WSTA_L20_machine_translation_word.pptx
+++ b/slides/WSTA_L20_machine_translation_word.pptx
@@ -852,7 +852,7 @@
           </a:ln>
           <a:extLst>
             <a:ext uri="{AF507438-7753-43e0-B8FC-AC1667EBCBE1}">
-              <a14:hiddenEffects xmlns="" xmlns:a14="http://schemas.microsoft.com/office/drawing/2010/main">
+              <a14:hiddenEffects xmlns:a14="http://schemas.microsoft.com/office/drawing/2010/main" xmlns="">
                 <a:effectLst>
                   <a:outerShdw blurRad="63500" dist="38099" dir="2700000" algn="ctr" rotWithShape="0">
                     <a:srgbClr val="000000">
@@ -883,7 +883,7 @@
           <a:ln/>
           <a:extLst>
             <a:ext uri="{AF507438-7753-43e0-B8FC-AC1667EBCBE1}">
-              <a14:hiddenEffects xmlns="" xmlns:a14="http://schemas.microsoft.com/office/drawing/2010/main">
+              <a14:hiddenEffects xmlns:a14="http://schemas.microsoft.com/office/drawing/2010/main" xmlns="">
                 <a:effectLst>
                   <a:outerShdw blurRad="63500" dist="38099" dir="2700000" algn="ctr" rotWithShape="0">
                     <a:srgbClr val="000000">
@@ -2658,7 +2658,7 @@
           </a:ln>
           <a:extLst>
             <a:ext uri="{AF507438-7753-43e0-B8FC-AC1667EBCBE1}">
-              <a14:hiddenEffects xmlns="" xmlns:a14="http://schemas.microsoft.com/office/drawing/2010/main">
+              <a14:hiddenEffects xmlns:a14="http://schemas.microsoft.com/office/drawing/2010/main" xmlns="">
                 <a:effectLst>
                   <a:outerShdw blurRad="63500" dist="38099" dir="2700000" algn="ctr" rotWithShape="0">
                     <a:srgbClr val="000000">
@@ -2689,7 +2689,7 @@
           <a:ln/>
           <a:extLst>
             <a:ext uri="{AF507438-7753-43e0-B8FC-AC1667EBCBE1}">
-              <a14:hiddenEffects xmlns="" xmlns:a14="http://schemas.microsoft.com/office/drawing/2010/main">
+              <a14:hiddenEffects xmlns:a14="http://schemas.microsoft.com/office/drawing/2010/main" xmlns="">
                 <a:effectLst>
                   <a:outerShdw blurRad="63500" dist="38099" dir="2700000" algn="ctr" rotWithShape="0">
                     <a:srgbClr val="000000">
@@ -2841,7 +2841,7 @@
           </a:ln>
           <a:extLst>
             <a:ext uri="{AF507438-7753-43e0-B8FC-AC1667EBCBE1}">
-              <a14:hiddenEffects xmlns="" xmlns:a14="http://schemas.microsoft.com/office/drawing/2010/main">
+              <a14:hiddenEffects xmlns:a14="http://schemas.microsoft.com/office/drawing/2010/main" xmlns="">
                 <a:effectLst>
                   <a:outerShdw blurRad="63500" dist="38099" dir="2700000" algn="ctr" rotWithShape="0">
                     <a:srgbClr val="000000">
@@ -2872,7 +2872,7 @@
           <a:ln/>
           <a:extLst>
             <a:ext uri="{AF507438-7753-43e0-B8FC-AC1667EBCBE1}">
-              <a14:hiddenEffects xmlns="" xmlns:a14="http://schemas.microsoft.com/office/drawing/2010/main">
+              <a14:hiddenEffects xmlns:a14="http://schemas.microsoft.com/office/drawing/2010/main" xmlns="">
                 <a:effectLst>
                   <a:outerShdw blurRad="63500" dist="38099" dir="2700000" algn="ctr" rotWithShape="0">
                     <a:srgbClr val="000000">
@@ -3781,7 +3781,7 @@
           </a:ln>
           <a:extLst>
             <a:ext uri="{AF507438-7753-43e0-B8FC-AC1667EBCBE1}">
-              <a14:hiddenEffects xmlns="" xmlns:a14="http://schemas.microsoft.com/office/drawing/2010/main">
+              <a14:hiddenEffects xmlns:a14="http://schemas.microsoft.com/office/drawing/2010/main" xmlns="">
                 <a:effectLst>
                   <a:outerShdw blurRad="63500" dist="38099" dir="2700000" algn="ctr" rotWithShape="0">
                     <a:srgbClr val="000000">
@@ -3812,7 +3812,7 @@
           <a:ln/>
           <a:extLst>
             <a:ext uri="{AF507438-7753-43e0-B8FC-AC1667EBCBE1}">
-              <a14:hiddenEffects xmlns="" xmlns:a14="http://schemas.microsoft.com/office/drawing/2010/main">
+              <a14:hiddenEffects xmlns:a14="http://schemas.microsoft.com/office/drawing/2010/main" xmlns="">
                 <a:effectLst>
                   <a:outerShdw blurRad="63500" dist="38099" dir="2700000" algn="ctr" rotWithShape="0">
                     <a:srgbClr val="000000">
@@ -3964,7 +3964,7 @@
           </a:ln>
           <a:extLst>
             <a:ext uri="{AF507438-7753-43e0-B8FC-AC1667EBCBE1}">
-              <a14:hiddenEffects xmlns="" xmlns:a14="http://schemas.microsoft.com/office/drawing/2010/main">
+              <a14:hiddenEffects xmlns:a14="http://schemas.microsoft.com/office/drawing/2010/main" xmlns="">
                 <a:effectLst>
                   <a:outerShdw blurRad="63500" dist="38099" dir="2700000" algn="ctr" rotWithShape="0">
                     <a:srgbClr val="000000">
@@ -3995,7 +3995,7 @@
           <a:ln/>
           <a:extLst>
             <a:ext uri="{AF507438-7753-43e0-B8FC-AC1667EBCBE1}">
-              <a14:hiddenEffects xmlns="" xmlns:a14="http://schemas.microsoft.com/office/drawing/2010/main">
+              <a14:hiddenEffects xmlns:a14="http://schemas.microsoft.com/office/drawing/2010/main" xmlns="">
                 <a:effectLst>
                   <a:outerShdw blurRad="63500" dist="38099" dir="2700000" algn="ctr" rotWithShape="0">
                     <a:srgbClr val="000000">
@@ -4147,7 +4147,7 @@
           </a:ln>
           <a:extLst>
             <a:ext uri="{AF507438-7753-43e0-B8FC-AC1667EBCBE1}">
-              <a14:hiddenEffects xmlns="" xmlns:a14="http://schemas.microsoft.com/office/drawing/2010/main">
+              <a14:hiddenEffects xmlns:a14="http://schemas.microsoft.com/office/drawing/2010/main" xmlns="">
                 <a:effectLst>
                   <a:outerShdw blurRad="63500" dist="38099" dir="2700000" algn="ctr" rotWithShape="0">
                     <a:srgbClr val="000000">
@@ -4178,7 +4178,7 @@
           <a:ln/>
           <a:extLst>
             <a:ext uri="{AF507438-7753-43e0-B8FC-AC1667EBCBE1}">
-              <a14:hiddenEffects xmlns="" xmlns:a14="http://schemas.microsoft.com/office/drawing/2010/main">
+              <a14:hiddenEffects xmlns:a14="http://schemas.microsoft.com/office/drawing/2010/main" xmlns="">
                 <a:effectLst>
                   <a:outerShdw blurRad="63500" dist="38099" dir="2700000" algn="ctr" rotWithShape="0">
                     <a:srgbClr val="000000">
@@ -4353,7 +4353,7 @@
           </a:ln>
           <a:extLst>
             <a:ext uri="{AF507438-7753-43e0-B8FC-AC1667EBCBE1}">
-              <a14:hiddenEffects xmlns="" xmlns:a14="http://schemas.microsoft.com/office/drawing/2010/main">
+              <a14:hiddenEffects xmlns:a14="http://schemas.microsoft.com/office/drawing/2010/main" xmlns="">
                 <a:effectLst>
                   <a:outerShdw blurRad="63500" dist="38099" dir="2700000" algn="ctr" rotWithShape="0">
                     <a:srgbClr val="000000">
@@ -4384,7 +4384,7 @@
           <a:ln/>
           <a:extLst>
             <a:ext uri="{AF507438-7753-43e0-B8FC-AC1667EBCBE1}">
-              <a14:hiddenEffects xmlns="" xmlns:a14="http://schemas.microsoft.com/office/drawing/2010/main">
+              <a14:hiddenEffects xmlns:a14="http://schemas.microsoft.com/office/drawing/2010/main" xmlns="">
                 <a:effectLst>
                   <a:outerShdw blurRad="63500" dist="38099" dir="2700000" algn="ctr" rotWithShape="0">
                     <a:srgbClr val="000000">
@@ -8109,7 +8109,7 @@
           <a:effectLst/>
           <a:extLst>
             <a:ext uri="{909E8E84-426E-40dd-AFC4-6F175D3DCCD1}">
-              <a14:hiddenFill xmlns="" xmlns:a14="http://schemas.microsoft.com/office/drawing/2010/main">
+              <a14:hiddenFill xmlns:a14="http://schemas.microsoft.com/office/drawing/2010/main" xmlns="">
                 <a:blipFill dpi="0" rotWithShape="0">
                   <a:blip xmlns:r="http://schemas.openxmlformats.org/officeDocument/2006/relationships"/>
                   <a:srcRect/>
@@ -8120,7 +8120,7 @@
               </a14:hiddenFill>
             </a:ext>
             <a:ext uri="{91240B29-F687-4f45-9708-019B960494DF}">
-              <a14:hiddenLine xmlns="" xmlns:a14="http://schemas.microsoft.com/office/drawing/2010/main" w="9525" cap="flat">
+              <a14:hiddenLine xmlns:a14="http://schemas.microsoft.com/office/drawing/2010/main" xmlns="" w="9525" cap="flat">
                 <a:solidFill>
                   <a:srgbClr val="000000"/>
                 </a:solidFill>
@@ -8130,7 +8130,7 @@
               </a14:hiddenLine>
             </a:ext>
             <a:ext uri="{AF507438-7753-43e0-B8FC-AC1667EBCBE1}">
-              <a14:hiddenEffects xmlns="" xmlns:a14="http://schemas.microsoft.com/office/drawing/2010/main">
+              <a14:hiddenEffects xmlns:a14="http://schemas.microsoft.com/office/drawing/2010/main" xmlns="">
                 <a:effectLst>
                   <a:outerShdw blurRad="63500" dist="38099" dir="2700000" algn="ctr" rotWithShape="0">
                     <a:srgbClr val="000000">
@@ -9450,7 +9450,7 @@
           <a:effectLst/>
           <a:extLst>
             <a:ext uri="{909E8E84-426E-40dd-AFC4-6F175D3DCCD1}">
-              <a14:hiddenFill xmlns="" xmlns:a14="http://schemas.microsoft.com/office/drawing/2010/main">
+              <a14:hiddenFill xmlns:a14="http://schemas.microsoft.com/office/drawing/2010/main" xmlns="">
                 <a:blipFill dpi="0" rotWithShape="0">
                   <a:blip xmlns:r="http://schemas.openxmlformats.org/officeDocument/2006/relationships"/>
                   <a:srcRect/>
@@ -9461,7 +9461,7 @@
               </a14:hiddenFill>
             </a:ext>
             <a:ext uri="{91240B29-F687-4f45-9708-019B960494DF}">
-              <a14:hiddenLine xmlns="" xmlns:a14="http://schemas.microsoft.com/office/drawing/2010/main" w="9525" cap="flat">
+              <a14:hiddenLine xmlns:a14="http://schemas.microsoft.com/office/drawing/2010/main" xmlns="" w="9525" cap="flat">
                 <a:solidFill>
                   <a:srgbClr val="000000"/>
                 </a:solidFill>
@@ -9471,7 +9471,7 @@
               </a14:hiddenLine>
             </a:ext>
             <a:ext uri="{AF507438-7753-43e0-B8FC-AC1667EBCBE1}">
-              <a14:hiddenEffects xmlns="" xmlns:a14="http://schemas.microsoft.com/office/drawing/2010/main">
+              <a14:hiddenEffects xmlns:a14="http://schemas.microsoft.com/office/drawing/2010/main" xmlns="">
                 <a:effectLst>
                   <a:outerShdw blurRad="63500" dist="38099" dir="2700000" algn="ctr" rotWithShape="0">
                     <a:srgbClr val="000000">
@@ -9775,7 +9775,7 @@
           <a:effectLst/>
           <a:extLst>
             <a:ext uri="{909E8E84-426E-40dd-AFC4-6F175D3DCCD1}">
-              <a14:hiddenFill xmlns="" xmlns:a14="http://schemas.microsoft.com/office/drawing/2010/main">
+              <a14:hiddenFill xmlns:a14="http://schemas.microsoft.com/office/drawing/2010/main" xmlns="">
                 <a:blipFill dpi="0" rotWithShape="0">
                   <a:blip xmlns:r="http://schemas.openxmlformats.org/officeDocument/2006/relationships"/>
                   <a:srcRect/>
@@ -9786,7 +9786,7 @@
               </a14:hiddenFill>
             </a:ext>
             <a:ext uri="{91240B29-F687-4f45-9708-019B960494DF}">
-              <a14:hiddenLine xmlns="" xmlns:a14="http://schemas.microsoft.com/office/drawing/2010/main" w="9525" cap="flat">
+              <a14:hiddenLine xmlns:a14="http://schemas.microsoft.com/office/drawing/2010/main" xmlns="" w="9525" cap="flat">
                 <a:solidFill>
                   <a:srgbClr val="000000"/>
                 </a:solidFill>
@@ -9796,7 +9796,7 @@
               </a14:hiddenLine>
             </a:ext>
             <a:ext uri="{AF507438-7753-43e0-B8FC-AC1667EBCBE1}">
-              <a14:hiddenEffects xmlns="" xmlns:a14="http://schemas.microsoft.com/office/drawing/2010/main">
+              <a14:hiddenEffects xmlns:a14="http://schemas.microsoft.com/office/drawing/2010/main" xmlns="">
                 <a:effectLst>
                   <a:outerShdw blurRad="63500" dist="38099" dir="2700000" algn="ctr" rotWithShape="0">
                     <a:srgbClr val="000000">
@@ -13748,7 +13748,7 @@
           <a:effectLst/>
           <a:extLst>
             <a:ext uri="{909E8E84-426E-40dd-AFC4-6F175D3DCCD1}">
-              <a14:hiddenFill xmlns="" xmlns:a14="http://schemas.microsoft.com/office/drawing/2010/main">
+              <a14:hiddenFill xmlns:a14="http://schemas.microsoft.com/office/drawing/2010/main" xmlns="">
                 <a:blipFill dpi="0" rotWithShape="0">
                   <a:blip xmlns:r="http://schemas.openxmlformats.org/officeDocument/2006/relationships"/>
                   <a:srcRect/>
@@ -13759,7 +13759,7 @@
               </a14:hiddenFill>
             </a:ext>
             <a:ext uri="{91240B29-F687-4f45-9708-019B960494DF}">
-              <a14:hiddenLine xmlns="" xmlns:a14="http://schemas.microsoft.com/office/drawing/2010/main" w="9525" cap="flat">
+              <a14:hiddenLine xmlns:a14="http://schemas.microsoft.com/office/drawing/2010/main" xmlns="" w="9525" cap="flat">
                 <a:solidFill>
                   <a:srgbClr val="000000"/>
                 </a:solidFill>
@@ -13769,7 +13769,7 @@
               </a14:hiddenLine>
             </a:ext>
             <a:ext uri="{AF507438-7753-43e0-B8FC-AC1667EBCBE1}">
-              <a14:hiddenEffects xmlns="" xmlns:a14="http://schemas.microsoft.com/office/drawing/2010/main">
+              <a14:hiddenEffects xmlns:a14="http://schemas.microsoft.com/office/drawing/2010/main" xmlns="">
                 <a:effectLst>
                   <a:outerShdw blurRad="63500" dist="38099" dir="2700000" algn="ctr" rotWithShape="0">
                     <a:srgbClr val="000000">
@@ -15536,15 +15536,23 @@
             <a:pPr lvl="1"/>
             <a:r>
               <a:rPr lang="en-AU" dirty="0" smtClean="0"/>
-              <a:t>JM2 #25, 25.4-25.6 (optional 25.11 for IBM3)</a:t>
-            </a:r>
-            <a:endParaRPr lang="en-AU" dirty="0"/>
+              <a:t>JM2 #25, </a:t>
+            </a:r>
+            <a:r>
+              <a:rPr lang="en-AU" smtClean="0"/>
+              <a:t>25.4-25.6 </a:t>
+            </a:r>
+            <a:endParaRPr lang="en-AU" smtClean="0"/>
           </a:p>
           <a:p>
             <a:pPr lvl="1"/>
             <a:r>
+              <a:rPr lang="en-AU" smtClean="0"/>
+              <a:t>Koehn09 </a:t>
+            </a:r>
+            <a:r>
               <a:rPr lang="en-AU" dirty="0" smtClean="0"/>
-              <a:t>(optional) Koehn09 #4, 4.1-4.3 (more detailed treatment)</a:t>
+              <a:t>#4, 4.1-4.3 (more detailed treatment)</a:t>
             </a:r>
             <a:endParaRPr lang="en-AU" dirty="0"/>
           </a:p>
@@ -16108,14 +16116,14 @@
           <a:effectLst/>
           <a:extLst>
             <a:ext uri="{909E8E84-426E-40dd-AFC4-6F175D3DCCD1}">
-              <a14:hiddenFill xmlns="" xmlns:a14="http://schemas.microsoft.com/office/drawing/2010/main">
+              <a14:hiddenFill xmlns:a14="http://schemas.microsoft.com/office/drawing/2010/main" xmlns="">
                 <a:solidFill>
                   <a:srgbClr val="FFFFFF"/>
                 </a:solidFill>
               </a14:hiddenFill>
             </a:ext>
             <a:ext uri="{AF507438-7753-43e0-B8FC-AC1667EBCBE1}">
-              <a14:hiddenEffects xmlns="" xmlns:a14="http://schemas.microsoft.com/office/drawing/2010/main">
+              <a14:hiddenEffects xmlns:a14="http://schemas.microsoft.com/office/drawing/2010/main" xmlns="">
                 <a:effectLst>
                   <a:outerShdw blurRad="63500" dist="38099" dir="2700000" algn="ctr" rotWithShape="0">
                     <a:srgbClr val="000000">
@@ -16206,14 +16214,14 @@
           <a:effectLst/>
           <a:extLst>
             <a:ext uri="{909E8E84-426E-40dd-AFC4-6F175D3DCCD1}">
-              <a14:hiddenFill xmlns="" xmlns:a14="http://schemas.microsoft.com/office/drawing/2010/main">
+              <a14:hiddenFill xmlns:a14="http://schemas.microsoft.com/office/drawing/2010/main" xmlns="">
                 <a:solidFill>
                   <a:srgbClr val="FFFFFF"/>
                 </a:solidFill>
               </a14:hiddenFill>
             </a:ext>
             <a:ext uri="{AF507438-7753-43e0-B8FC-AC1667EBCBE1}">
-              <a14:hiddenEffects xmlns="" xmlns:a14="http://schemas.microsoft.com/office/drawing/2010/main">
+              <a14:hiddenEffects xmlns:a14="http://schemas.microsoft.com/office/drawing/2010/main" xmlns="">
                 <a:effectLst>
                   <a:outerShdw blurRad="63500" dist="38099" dir="2700000" algn="ctr" rotWithShape="0">
                     <a:srgbClr val="000000">
@@ -16320,14 +16328,14 @@
           <a:effectLst/>
           <a:extLst>
             <a:ext uri="{909E8E84-426E-40dd-AFC4-6F175D3DCCD1}">
-              <a14:hiddenFill xmlns="" xmlns:a14="http://schemas.microsoft.com/office/drawing/2010/main">
+              <a14:hiddenFill xmlns:a14="http://schemas.microsoft.com/office/drawing/2010/main" xmlns="">
                 <a:solidFill>
                   <a:srgbClr val="FFFFFF"/>
                 </a:solidFill>
               </a14:hiddenFill>
             </a:ext>
             <a:ext uri="{AF507438-7753-43e0-B8FC-AC1667EBCBE1}">
-              <a14:hiddenEffects xmlns="" xmlns:a14="http://schemas.microsoft.com/office/drawing/2010/main">
+              <a14:hiddenEffects xmlns:a14="http://schemas.microsoft.com/office/drawing/2010/main" xmlns="">
                 <a:effectLst>
                   <a:outerShdw blurRad="63500" dist="38099" dir="2700000" algn="ctr" rotWithShape="0">
                     <a:srgbClr val="000000">
@@ -16416,14 +16424,14 @@
           <a:effectLst/>
           <a:extLst>
             <a:ext uri="{909E8E84-426E-40dd-AFC4-6F175D3DCCD1}">
-              <a14:hiddenFill xmlns="" xmlns:a14="http://schemas.microsoft.com/office/drawing/2010/main">
+              <a14:hiddenFill xmlns:a14="http://schemas.microsoft.com/office/drawing/2010/main" xmlns="">
                 <a:solidFill>
                   <a:srgbClr val="FFFFFF"/>
                 </a:solidFill>
               </a14:hiddenFill>
             </a:ext>
             <a:ext uri="{AF507438-7753-43e0-B8FC-AC1667EBCBE1}">
-              <a14:hiddenEffects xmlns="" xmlns:a14="http://schemas.microsoft.com/office/drawing/2010/main">
+              <a14:hiddenEffects xmlns:a14="http://schemas.microsoft.com/office/drawing/2010/main" xmlns="">
                 <a:effectLst>
                   <a:outerShdw blurRad="63500" dist="38099" dir="2700000" algn="ctr" rotWithShape="0">
                     <a:srgbClr val="000000">
@@ -16512,14 +16520,14 @@
           <a:effectLst/>
           <a:extLst>
             <a:ext uri="{909E8E84-426E-40dd-AFC4-6F175D3DCCD1}">
-              <a14:hiddenFill xmlns="" xmlns:a14="http://schemas.microsoft.com/office/drawing/2010/main">
+              <a14:hiddenFill xmlns:a14="http://schemas.microsoft.com/office/drawing/2010/main" xmlns="">
                 <a:solidFill>
                   <a:srgbClr val="FFFFFF"/>
                 </a:solidFill>
               </a14:hiddenFill>
             </a:ext>
             <a:ext uri="{AF507438-7753-43e0-B8FC-AC1667EBCBE1}">
-              <a14:hiddenEffects xmlns="" xmlns:a14="http://schemas.microsoft.com/office/drawing/2010/main">
+              <a14:hiddenEffects xmlns:a14="http://schemas.microsoft.com/office/drawing/2010/main" xmlns="">
                 <a:effectLst>
                   <a:outerShdw blurRad="63500" dist="38099" dir="2700000" algn="ctr" rotWithShape="0">
                     <a:srgbClr val="000000">
@@ -16626,14 +16634,14 @@
           <a:effectLst/>
           <a:extLst>
             <a:ext uri="{909E8E84-426E-40dd-AFC4-6F175D3DCCD1}">
-              <a14:hiddenFill xmlns="" xmlns:a14="http://schemas.microsoft.com/office/drawing/2010/main">
+              <a14:hiddenFill xmlns:a14="http://schemas.microsoft.com/office/drawing/2010/main" xmlns="">
                 <a:solidFill>
                   <a:srgbClr val="FFFFFF"/>
                 </a:solidFill>
               </a14:hiddenFill>
             </a:ext>
             <a:ext uri="{AF507438-7753-43e0-B8FC-AC1667EBCBE1}">
-              <a14:hiddenEffects xmlns="" xmlns:a14="http://schemas.microsoft.com/office/drawing/2010/main">
+              <a14:hiddenEffects xmlns:a14="http://schemas.microsoft.com/office/drawing/2010/main" xmlns="">
                 <a:effectLst>
                   <a:outerShdw blurRad="63500" dist="38099" dir="2700000" algn="ctr" rotWithShape="0">
                     <a:srgbClr val="000000">
@@ -16722,14 +16730,14 @@
           <a:effectLst/>
           <a:extLst>
             <a:ext uri="{909E8E84-426E-40dd-AFC4-6F175D3DCCD1}">
-              <a14:hiddenFill xmlns="" xmlns:a14="http://schemas.microsoft.com/office/drawing/2010/main">
+              <a14:hiddenFill xmlns:a14="http://schemas.microsoft.com/office/drawing/2010/main" xmlns="">
                 <a:solidFill>
                   <a:srgbClr val="FFFFFF"/>
                 </a:solidFill>
               </a14:hiddenFill>
             </a:ext>
             <a:ext uri="{AF507438-7753-43e0-B8FC-AC1667EBCBE1}">
-              <a14:hiddenEffects xmlns="" xmlns:a14="http://schemas.microsoft.com/office/drawing/2010/main">
+              <a14:hiddenEffects xmlns:a14="http://schemas.microsoft.com/office/drawing/2010/main" xmlns="">
                 <a:effectLst>
                   <a:outerShdw blurRad="63500" dist="38099" dir="2700000" algn="ctr" rotWithShape="0">
                     <a:srgbClr val="000000">
@@ -16816,12 +16824,12 @@
           <a:effectLst/>
           <a:extLst>
             <a:ext uri="{909E8E84-426E-40dd-AFC4-6F175D3DCCD1}">
-              <a14:hiddenFill xmlns="" xmlns:a14="http://schemas.microsoft.com/office/drawing/2010/main">
+              <a14:hiddenFill xmlns:a14="http://schemas.microsoft.com/office/drawing/2010/main" xmlns="">
                 <a:noFill/>
               </a14:hiddenFill>
             </a:ext>
             <a:ext uri="{AF507438-7753-43e0-B8FC-AC1667EBCBE1}">
-              <a14:hiddenEffects xmlns="" xmlns:a14="http://schemas.microsoft.com/office/drawing/2010/main">
+              <a14:hiddenEffects xmlns:a14="http://schemas.microsoft.com/office/drawing/2010/main" xmlns="">
                 <a:effectLst>
                   <a:outerShdw blurRad="63500" dist="38099" dir="2700000" algn="ctr" rotWithShape="0">
                     <a:srgbClr val="000000">
@@ -16876,12 +16884,12 @@
           <a:effectLst/>
           <a:extLst>
             <a:ext uri="{909E8E84-426E-40dd-AFC4-6F175D3DCCD1}">
-              <a14:hiddenFill xmlns="" xmlns:a14="http://schemas.microsoft.com/office/drawing/2010/main">
+              <a14:hiddenFill xmlns:a14="http://schemas.microsoft.com/office/drawing/2010/main" xmlns="">
                 <a:noFill/>
               </a14:hiddenFill>
             </a:ext>
             <a:ext uri="{AF507438-7753-43e0-B8FC-AC1667EBCBE1}">
-              <a14:hiddenEffects xmlns="" xmlns:a14="http://schemas.microsoft.com/office/drawing/2010/main">
+              <a14:hiddenEffects xmlns:a14="http://schemas.microsoft.com/office/drawing/2010/main" xmlns="">
                 <a:effectLst>
                   <a:outerShdw blurRad="63500" dist="38099" dir="2700000" algn="ctr" rotWithShape="0">
                     <a:srgbClr val="000000">
@@ -16936,12 +16944,12 @@
           <a:effectLst/>
           <a:extLst>
             <a:ext uri="{909E8E84-426E-40dd-AFC4-6F175D3DCCD1}">
-              <a14:hiddenFill xmlns="" xmlns:a14="http://schemas.microsoft.com/office/drawing/2010/main">
+              <a14:hiddenFill xmlns:a14="http://schemas.microsoft.com/office/drawing/2010/main" xmlns="">
                 <a:noFill/>
               </a14:hiddenFill>
             </a:ext>
             <a:ext uri="{AF507438-7753-43e0-B8FC-AC1667EBCBE1}">
-              <a14:hiddenEffects xmlns="" xmlns:a14="http://schemas.microsoft.com/office/drawing/2010/main">
+              <a14:hiddenEffects xmlns:a14="http://schemas.microsoft.com/office/drawing/2010/main" xmlns="">
                 <a:effectLst>
                   <a:outerShdw blurRad="63500" dist="38099" dir="2700000" algn="ctr" rotWithShape="0">
                     <a:srgbClr val="000000">
@@ -16996,12 +17004,12 @@
           <a:effectLst/>
           <a:extLst>
             <a:ext uri="{909E8E84-426E-40dd-AFC4-6F175D3DCCD1}">
-              <a14:hiddenFill xmlns="" xmlns:a14="http://schemas.microsoft.com/office/drawing/2010/main">
+              <a14:hiddenFill xmlns:a14="http://schemas.microsoft.com/office/drawing/2010/main" xmlns="">
                 <a:noFill/>
               </a14:hiddenFill>
             </a:ext>
             <a:ext uri="{AF507438-7753-43e0-B8FC-AC1667EBCBE1}">
-              <a14:hiddenEffects xmlns="" xmlns:a14="http://schemas.microsoft.com/office/drawing/2010/main">
+              <a14:hiddenEffects xmlns:a14="http://schemas.microsoft.com/office/drawing/2010/main" xmlns="">
                 <a:effectLst>
                   <a:outerShdw blurRad="63500" dist="38099" dir="2700000" algn="ctr" rotWithShape="0">
                     <a:srgbClr val="000000">
@@ -17056,12 +17064,12 @@
           <a:effectLst/>
           <a:extLst>
             <a:ext uri="{909E8E84-426E-40dd-AFC4-6F175D3DCCD1}">
-              <a14:hiddenFill xmlns="" xmlns:a14="http://schemas.microsoft.com/office/drawing/2010/main">
+              <a14:hiddenFill xmlns:a14="http://schemas.microsoft.com/office/drawing/2010/main" xmlns="">
                 <a:noFill/>
               </a14:hiddenFill>
             </a:ext>
             <a:ext uri="{AF507438-7753-43e0-B8FC-AC1667EBCBE1}">
-              <a14:hiddenEffects xmlns="" xmlns:a14="http://schemas.microsoft.com/office/drawing/2010/main">
+              <a14:hiddenEffects xmlns:a14="http://schemas.microsoft.com/office/drawing/2010/main" xmlns="">
                 <a:effectLst>
                   <a:outerShdw blurRad="63500" dist="38099" dir="2700000" algn="ctr" rotWithShape="0">
                     <a:srgbClr val="000000">
@@ -17116,12 +17124,12 @@
           <a:effectLst/>
           <a:extLst>
             <a:ext uri="{909E8E84-426E-40dd-AFC4-6F175D3DCCD1}">
-              <a14:hiddenFill xmlns="" xmlns:a14="http://schemas.microsoft.com/office/drawing/2010/main">
+              <a14:hiddenFill xmlns:a14="http://schemas.microsoft.com/office/drawing/2010/main" xmlns="">
                 <a:noFill/>
               </a14:hiddenFill>
             </a:ext>
             <a:ext uri="{AF507438-7753-43e0-B8FC-AC1667EBCBE1}">
-              <a14:hiddenEffects xmlns="" xmlns:a14="http://schemas.microsoft.com/office/drawing/2010/main">
+              <a14:hiddenEffects xmlns:a14="http://schemas.microsoft.com/office/drawing/2010/main" xmlns="">
                 <a:effectLst>
                   <a:outerShdw blurRad="63500" dist="38099" dir="2700000" algn="ctr" rotWithShape="0">
                     <a:srgbClr val="000000">
@@ -17176,12 +17184,12 @@
           <a:effectLst/>
           <a:extLst>
             <a:ext uri="{909E8E84-426E-40dd-AFC4-6F175D3DCCD1}">
-              <a14:hiddenFill xmlns="" xmlns:a14="http://schemas.microsoft.com/office/drawing/2010/main">
+              <a14:hiddenFill xmlns:a14="http://schemas.microsoft.com/office/drawing/2010/main" xmlns="">
                 <a:noFill/>
               </a14:hiddenFill>
             </a:ext>
             <a:ext uri="{AF507438-7753-43e0-B8FC-AC1667EBCBE1}">
-              <a14:hiddenEffects xmlns="" xmlns:a14="http://schemas.microsoft.com/office/drawing/2010/main">
+              <a14:hiddenEffects xmlns:a14="http://schemas.microsoft.com/office/drawing/2010/main" xmlns="">
                 <a:effectLst>
                   <a:outerShdw blurRad="63500" dist="38099" dir="2700000" algn="ctr" rotWithShape="0">
                     <a:srgbClr val="000000">
@@ -17236,12 +17244,12 @@
           <a:effectLst/>
           <a:extLst>
             <a:ext uri="{909E8E84-426E-40dd-AFC4-6F175D3DCCD1}">
-              <a14:hiddenFill xmlns="" xmlns:a14="http://schemas.microsoft.com/office/drawing/2010/main">
+              <a14:hiddenFill xmlns:a14="http://schemas.microsoft.com/office/drawing/2010/main" xmlns="">
                 <a:noFill/>
               </a14:hiddenFill>
             </a:ext>
             <a:ext uri="{AF507438-7753-43e0-B8FC-AC1667EBCBE1}">
-              <a14:hiddenEffects xmlns="" xmlns:a14="http://schemas.microsoft.com/office/drawing/2010/main">
+              <a14:hiddenEffects xmlns:a14="http://schemas.microsoft.com/office/drawing/2010/main" xmlns="">
                 <a:effectLst>
                   <a:outerShdw blurRad="63500" dist="38099" dir="2700000" algn="ctr" rotWithShape="0">
                     <a:srgbClr val="000000">
@@ -17296,12 +17304,12 @@
           <a:effectLst/>
           <a:extLst>
             <a:ext uri="{909E8E84-426E-40dd-AFC4-6F175D3DCCD1}">
-              <a14:hiddenFill xmlns="" xmlns:a14="http://schemas.microsoft.com/office/drawing/2010/main">
+              <a14:hiddenFill xmlns:a14="http://schemas.microsoft.com/office/drawing/2010/main" xmlns="">
                 <a:noFill/>
               </a14:hiddenFill>
             </a:ext>
             <a:ext uri="{AF507438-7753-43e0-B8FC-AC1667EBCBE1}">
-              <a14:hiddenEffects xmlns="" xmlns:a14="http://schemas.microsoft.com/office/drawing/2010/main">
+              <a14:hiddenEffects xmlns:a14="http://schemas.microsoft.com/office/drawing/2010/main" xmlns="">
                 <a:effectLst>
                   <a:outerShdw blurRad="63500" dist="38099" dir="2700000" algn="ctr" rotWithShape="0">
                     <a:srgbClr val="000000">
@@ -17351,14 +17359,14 @@
           <a:effectLst/>
           <a:extLst>
             <a:ext uri="{909E8E84-426E-40dd-AFC4-6F175D3DCCD1}">
-              <a14:hiddenFill xmlns="" xmlns:a14="http://schemas.microsoft.com/office/drawing/2010/main">
+              <a14:hiddenFill xmlns:a14="http://schemas.microsoft.com/office/drawing/2010/main" xmlns="">
                 <a:solidFill>
                   <a:srgbClr val="FFFFFF"/>
                 </a:solidFill>
               </a14:hiddenFill>
             </a:ext>
             <a:ext uri="{91240B29-F687-4f45-9708-019B960494DF}">
-              <a14:hiddenLine xmlns="" xmlns:a14="http://schemas.microsoft.com/office/drawing/2010/main" w="9525" cap="flat">
+              <a14:hiddenLine xmlns:a14="http://schemas.microsoft.com/office/drawing/2010/main" xmlns="" w="9525" cap="flat">
                 <a:solidFill>
                   <a:srgbClr val="000000"/>
                 </a:solidFill>
@@ -17368,7 +17376,7 @@
               </a14:hiddenLine>
             </a:ext>
             <a:ext uri="{AF507438-7753-43e0-B8FC-AC1667EBCBE1}">
-              <a14:hiddenEffects xmlns="" xmlns:a14="http://schemas.microsoft.com/office/drawing/2010/main">
+              <a14:hiddenEffects xmlns:a14="http://schemas.microsoft.com/office/drawing/2010/main" xmlns="">
                 <a:effectLst>
                   <a:outerShdw blurRad="63500" dist="38099" dir="2700000" algn="ctr" rotWithShape="0">
                     <a:srgbClr val="000000">
@@ -17607,14 +17615,14 @@
           <a:effectLst/>
           <a:extLst>
             <a:ext uri="{909E8E84-426E-40dd-AFC4-6F175D3DCCD1}">
-              <a14:hiddenFill xmlns="" xmlns:a14="http://schemas.microsoft.com/office/drawing/2010/main">
+              <a14:hiddenFill xmlns:a14="http://schemas.microsoft.com/office/drawing/2010/main" xmlns="">
                 <a:solidFill>
                   <a:srgbClr val="FFFFFF"/>
                 </a:solidFill>
               </a14:hiddenFill>
             </a:ext>
             <a:ext uri="{91240B29-F687-4f45-9708-019B960494DF}">
-              <a14:hiddenLine xmlns="" xmlns:a14="http://schemas.microsoft.com/office/drawing/2010/main" w="9525" cap="flat">
+              <a14:hiddenLine xmlns:a14="http://schemas.microsoft.com/office/drawing/2010/main" xmlns="" w="9525" cap="flat">
                 <a:solidFill>
                   <a:srgbClr val="000000"/>
                 </a:solidFill>
@@ -17624,7 +17632,7 @@
               </a14:hiddenLine>
             </a:ext>
             <a:ext uri="{AF507438-7753-43e0-B8FC-AC1667EBCBE1}">
-              <a14:hiddenEffects xmlns="" xmlns:a14="http://schemas.microsoft.com/office/drawing/2010/main">
+              <a14:hiddenEffects xmlns:a14="http://schemas.microsoft.com/office/drawing/2010/main" xmlns="">
                 <a:effectLst>
                   <a:outerShdw blurRad="63500" dist="38099" dir="2700000" algn="ctr" rotWithShape="0">
                     <a:srgbClr val="000000">
@@ -17863,14 +17871,14 @@
           <a:effectLst/>
           <a:extLst>
             <a:ext uri="{909E8E84-426E-40dd-AFC4-6F175D3DCCD1}">
-              <a14:hiddenFill xmlns="" xmlns:a14="http://schemas.microsoft.com/office/drawing/2010/main">
+              <a14:hiddenFill xmlns:a14="http://schemas.microsoft.com/office/drawing/2010/main" xmlns="">
                 <a:solidFill>
                   <a:srgbClr val="FFFFFF"/>
                 </a:solidFill>
               </a14:hiddenFill>
             </a:ext>
             <a:ext uri="{91240B29-F687-4f45-9708-019B960494DF}">
-              <a14:hiddenLine xmlns="" xmlns:a14="http://schemas.microsoft.com/office/drawing/2010/main" w="9525" cap="flat">
+              <a14:hiddenLine xmlns:a14="http://schemas.microsoft.com/office/drawing/2010/main" xmlns="" w="9525" cap="flat">
                 <a:solidFill>
                   <a:srgbClr val="000000"/>
                 </a:solidFill>
@@ -17880,7 +17888,7 @@
               </a14:hiddenLine>
             </a:ext>
             <a:ext uri="{AF507438-7753-43e0-B8FC-AC1667EBCBE1}">
-              <a14:hiddenEffects xmlns="" xmlns:a14="http://schemas.microsoft.com/office/drawing/2010/main">
+              <a14:hiddenEffects xmlns:a14="http://schemas.microsoft.com/office/drawing/2010/main" xmlns="">
                 <a:effectLst>
                   <a:outerShdw blurRad="63500" dist="38099" dir="2700000" algn="ctr" rotWithShape="0">
                     <a:srgbClr val="000000">
@@ -18119,14 +18127,14 @@
           <a:effectLst/>
           <a:extLst>
             <a:ext uri="{909E8E84-426E-40dd-AFC4-6F175D3DCCD1}">
-              <a14:hiddenFill xmlns="" xmlns:a14="http://schemas.microsoft.com/office/drawing/2010/main">
+              <a14:hiddenFill xmlns:a14="http://schemas.microsoft.com/office/drawing/2010/main" xmlns="">
                 <a:solidFill>
                   <a:srgbClr val="FFFFFF"/>
                 </a:solidFill>
               </a14:hiddenFill>
             </a:ext>
             <a:ext uri="{91240B29-F687-4f45-9708-019B960494DF}">
-              <a14:hiddenLine xmlns="" xmlns:a14="http://schemas.microsoft.com/office/drawing/2010/main" w="9525" cap="flat">
+              <a14:hiddenLine xmlns:a14="http://schemas.microsoft.com/office/drawing/2010/main" xmlns="" w="9525" cap="flat">
                 <a:solidFill>
                   <a:srgbClr val="000000"/>
                 </a:solidFill>
@@ -18136,7 +18144,7 @@
               </a14:hiddenLine>
             </a:ext>
             <a:ext uri="{AF507438-7753-43e0-B8FC-AC1667EBCBE1}">
-              <a14:hiddenEffects xmlns="" xmlns:a14="http://schemas.microsoft.com/office/drawing/2010/main">
+              <a14:hiddenEffects xmlns:a14="http://schemas.microsoft.com/office/drawing/2010/main" xmlns="">
                 <a:effectLst>
                   <a:outerShdw blurRad="63500" dist="38099" dir="2700000" algn="ctr" rotWithShape="0">
                     <a:srgbClr val="000000">
@@ -18657,12 +18665,12 @@
           <a:effectLst/>
           <a:extLst>
             <a:ext uri="{909E8E84-426E-40dd-AFC4-6F175D3DCCD1}">
-              <a14:hiddenFill xmlns="" xmlns:a14="http://schemas.microsoft.com/office/drawing/2010/main">
+              <a14:hiddenFill xmlns:a14="http://schemas.microsoft.com/office/drawing/2010/main" xmlns="">
                 <a:noFill/>
               </a14:hiddenFill>
             </a:ext>
             <a:ext uri="{AF507438-7753-43e0-B8FC-AC1667EBCBE1}">
-              <a14:hiddenEffects xmlns="" xmlns:a14="http://schemas.microsoft.com/office/drawing/2010/main">
+              <a14:hiddenEffects xmlns:a14="http://schemas.microsoft.com/office/drawing/2010/main" xmlns="">
                 <a:effectLst>
                   <a:outerShdw blurRad="63500" dist="38099" dir="2700000" algn="ctr" rotWithShape="0">
                     <a:srgbClr val="000000">
@@ -18715,12 +18723,12 @@
           <a:effectLst/>
           <a:extLst>
             <a:ext uri="{909E8E84-426E-40dd-AFC4-6F175D3DCCD1}">
-              <a14:hiddenFill xmlns="" xmlns:a14="http://schemas.microsoft.com/office/drawing/2010/main">
+              <a14:hiddenFill xmlns:a14="http://schemas.microsoft.com/office/drawing/2010/main" xmlns="">
                 <a:noFill/>
               </a14:hiddenFill>
             </a:ext>
             <a:ext uri="{AF507438-7753-43e0-B8FC-AC1667EBCBE1}">
-              <a14:hiddenEffects xmlns="" xmlns:a14="http://schemas.microsoft.com/office/drawing/2010/main">
+              <a14:hiddenEffects xmlns:a14="http://schemas.microsoft.com/office/drawing/2010/main" xmlns="">
                 <a:effectLst>
                   <a:outerShdw blurRad="63500" dist="38099" dir="2700000" algn="ctr" rotWithShape="0">
                     <a:srgbClr val="000000">
@@ -18775,7 +18783,7 @@
           <a:effectLst/>
           <a:extLst>
             <a:ext uri="{AF507438-7753-43e0-B8FC-AC1667EBCBE1}">
-              <a14:hiddenEffects xmlns="" xmlns:a14="http://schemas.microsoft.com/office/drawing/2010/main">
+              <a14:hiddenEffects xmlns:a14="http://schemas.microsoft.com/office/drawing/2010/main" xmlns="">
                 <a:effectLst>
                   <a:outerShdw blurRad="63500" dist="38099" dir="2700000" algn="ctr" rotWithShape="0">
                     <a:srgbClr val="000000">
@@ -19022,7 +19030,7 @@
           <a:effectLst/>
           <a:extLst>
             <a:ext uri="{AF507438-7753-43e0-B8FC-AC1667EBCBE1}">
-              <a14:hiddenEffects xmlns="" xmlns:a14="http://schemas.microsoft.com/office/drawing/2010/main">
+              <a14:hiddenEffects xmlns:a14="http://schemas.microsoft.com/office/drawing/2010/main" xmlns="">
                 <a:effectLst>
                   <a:outerShdw blurRad="63500" dist="38099" dir="2700000" algn="ctr" rotWithShape="0">
                     <a:srgbClr val="000000">
@@ -19268,7 +19276,7 @@
           <a:graphicData uri="http://schemas.openxmlformats.org/presentationml/2006/ole">
             <mc:AlternateContent xmlns:mc="http://schemas.openxmlformats.org/markup-compatibility/2006">
               <mc:Choice xmlns:v="urn:schemas-microsoft-com:vml" Requires="v">
-                <p:oleObj spid="_x0000_s2320" r:id="rId4" imgW="254000" imgH="406400" progId="">
+                <p:oleObj spid="_x0000_s2329" r:id="rId4" imgW="254000" imgH="406400" progId="">
                   <p:embed/>
                 </p:oleObj>
               </mc:Choice>
@@ -19367,7 +19375,7 @@
           <a:graphicData uri="http://schemas.openxmlformats.org/presentationml/2006/ole">
             <mc:AlternateContent xmlns:mc="http://schemas.openxmlformats.org/markup-compatibility/2006">
               <mc:Choice xmlns:v="urn:schemas-microsoft-com:vml" Requires="v">
-                <p:oleObj spid="_x0000_s2321" r:id="rId6" imgW="342900" imgH="406400" progId="">
+                <p:oleObj spid="_x0000_s2330" r:id="rId6" imgW="342900" imgH="406400" progId="">
                   <p:embed/>
                 </p:oleObj>
               </mc:Choice>
@@ -19478,12 +19486,12 @@
           <a:effectLst/>
           <a:extLst>
             <a:ext uri="{909E8E84-426E-40dd-AFC4-6F175D3DCCD1}">
-              <a14:hiddenFill xmlns="" xmlns:a14="http://schemas.microsoft.com/office/drawing/2010/main">
+              <a14:hiddenFill xmlns:a14="http://schemas.microsoft.com/office/drawing/2010/main" xmlns="">
                 <a:noFill/>
               </a14:hiddenFill>
             </a:ext>
             <a:ext uri="{AF507438-7753-43e0-B8FC-AC1667EBCBE1}">
-              <a14:hiddenEffects xmlns="" xmlns:a14="http://schemas.microsoft.com/office/drawing/2010/main">
+              <a14:hiddenEffects xmlns:a14="http://schemas.microsoft.com/office/drawing/2010/main" xmlns="">
                 <a:effectLst>
                   <a:outerShdw blurRad="63500" dist="38099" dir="2700000" algn="ctr" rotWithShape="0">
                     <a:srgbClr val="000000">
@@ -19538,7 +19546,7 @@
           <a:effectLst/>
           <a:extLst>
             <a:ext uri="{AF507438-7753-43e0-B8FC-AC1667EBCBE1}">
-              <a14:hiddenEffects xmlns="" xmlns:a14="http://schemas.microsoft.com/office/drawing/2010/main">
+              <a14:hiddenEffects xmlns:a14="http://schemas.microsoft.com/office/drawing/2010/main" xmlns="">
                 <a:effectLst>
                   <a:outerShdw blurRad="63500" dist="38099" dir="2700000" algn="ctr" rotWithShape="0">
                     <a:srgbClr val="000000">
@@ -19781,7 +19789,7 @@
           <a:graphicData uri="http://schemas.openxmlformats.org/presentationml/2006/ole">
             <mc:AlternateContent xmlns:mc="http://schemas.openxmlformats.org/markup-compatibility/2006">
               <mc:Choice xmlns:v="urn:schemas-microsoft-com:vml" Requires="v">
-                <p:oleObj spid="_x0000_s2322" r:id="rId8" imgW="76200" imgH="1447800" progId="">
+                <p:oleObj spid="_x0000_s2331" r:id="rId8" imgW="76200" imgH="1447800" progId="">
                   <p:embed/>
                 </p:oleObj>
               </mc:Choice>
@@ -19880,7 +19888,7 @@
           <a:graphicData uri="http://schemas.openxmlformats.org/presentationml/2006/ole">
             <mc:AlternateContent xmlns:mc="http://schemas.openxmlformats.org/markup-compatibility/2006">
               <mc:Choice xmlns:v="urn:schemas-microsoft-com:vml" Requires="v">
-                <p:oleObj spid="_x0000_s2323" r:id="rId10" imgW="723900" imgH="368300" progId="">
+                <p:oleObj spid="_x0000_s2332" r:id="rId10" imgW="723900" imgH="368300" progId="">
                   <p:embed/>
                 </p:oleObj>
               </mc:Choice>
@@ -20223,12 +20231,12 @@
           <a:effectLst/>
           <a:extLst>
             <a:ext uri="{909E8E84-426E-40dd-AFC4-6F175D3DCCD1}">
-              <a14:hiddenFill xmlns="" xmlns:a14="http://schemas.microsoft.com/office/drawing/2010/main">
+              <a14:hiddenFill xmlns:a14="http://schemas.microsoft.com/office/drawing/2010/main" xmlns="">
                 <a:noFill/>
               </a14:hiddenFill>
             </a:ext>
             <a:ext uri="{AF507438-7753-43e0-B8FC-AC1667EBCBE1}">
-              <a14:hiddenEffects xmlns="" xmlns:a14="http://schemas.microsoft.com/office/drawing/2010/main">
+              <a14:hiddenEffects xmlns:a14="http://schemas.microsoft.com/office/drawing/2010/main" xmlns="">
                 <a:effectLst>
                   <a:outerShdw blurRad="63500" dist="38099" dir="2700000" algn="ctr" rotWithShape="0">
                     <a:srgbClr val="000000">
@@ -20281,12 +20289,12 @@
           <a:effectLst/>
           <a:extLst>
             <a:ext uri="{909E8E84-426E-40dd-AFC4-6F175D3DCCD1}">
-              <a14:hiddenFill xmlns="" xmlns:a14="http://schemas.microsoft.com/office/drawing/2010/main">
+              <a14:hiddenFill xmlns:a14="http://schemas.microsoft.com/office/drawing/2010/main" xmlns="">
                 <a:noFill/>
               </a14:hiddenFill>
             </a:ext>
             <a:ext uri="{AF507438-7753-43e0-B8FC-AC1667EBCBE1}">
-              <a14:hiddenEffects xmlns="" xmlns:a14="http://schemas.microsoft.com/office/drawing/2010/main">
+              <a14:hiddenEffects xmlns:a14="http://schemas.microsoft.com/office/drawing/2010/main" xmlns="">
                 <a:effectLst>
                   <a:outerShdw blurRad="63500" dist="38099" dir="2700000" algn="ctr" rotWithShape="0">
                     <a:srgbClr val="000000">
@@ -20341,7 +20349,7 @@
           <a:effectLst/>
           <a:extLst>
             <a:ext uri="{AF507438-7753-43e0-B8FC-AC1667EBCBE1}">
-              <a14:hiddenEffects xmlns="" xmlns:a14="http://schemas.microsoft.com/office/drawing/2010/main">
+              <a14:hiddenEffects xmlns:a14="http://schemas.microsoft.com/office/drawing/2010/main" xmlns="">
                 <a:effectLst>
                   <a:outerShdw blurRad="63500" dist="38099" dir="2700000" algn="ctr" rotWithShape="0">
                     <a:srgbClr val="000000">
@@ -20588,7 +20596,7 @@
           <a:effectLst/>
           <a:extLst>
             <a:ext uri="{AF507438-7753-43e0-B8FC-AC1667EBCBE1}">
-              <a14:hiddenEffects xmlns="" xmlns:a14="http://schemas.microsoft.com/office/drawing/2010/main">
+              <a14:hiddenEffects xmlns:a14="http://schemas.microsoft.com/office/drawing/2010/main" xmlns="">
                 <a:effectLst>
                   <a:outerShdw blurRad="63500" dist="38099" dir="2700000" algn="ctr" rotWithShape="0">
                     <a:srgbClr val="000000">
@@ -20834,7 +20842,7 @@
           <a:graphicData uri="http://schemas.openxmlformats.org/presentationml/2006/ole">
             <mc:AlternateContent xmlns:mc="http://schemas.openxmlformats.org/markup-compatibility/2006">
               <mc:Choice xmlns:v="urn:schemas-microsoft-com:vml" Requires="v">
-                <p:oleObj spid="_x0000_s4364" r:id="rId4" imgW="254000" imgH="406400" progId="">
+                <p:oleObj spid="_x0000_s4373" r:id="rId4" imgW="254000" imgH="406400" progId="">
                   <p:embed/>
                 </p:oleObj>
               </mc:Choice>
@@ -20933,7 +20941,7 @@
           <a:graphicData uri="http://schemas.openxmlformats.org/presentationml/2006/ole">
             <mc:AlternateContent xmlns:mc="http://schemas.openxmlformats.org/markup-compatibility/2006">
               <mc:Choice xmlns:v="urn:schemas-microsoft-com:vml" Requires="v">
-                <p:oleObj spid="_x0000_s4365" r:id="rId6" imgW="342900" imgH="406400" progId="">
+                <p:oleObj spid="_x0000_s4374" r:id="rId6" imgW="342900" imgH="406400" progId="">
                   <p:embed/>
                 </p:oleObj>
               </mc:Choice>
@@ -21044,12 +21052,12 @@
           <a:effectLst/>
           <a:extLst>
             <a:ext uri="{909E8E84-426E-40dd-AFC4-6F175D3DCCD1}">
-              <a14:hiddenFill xmlns="" xmlns:a14="http://schemas.microsoft.com/office/drawing/2010/main">
+              <a14:hiddenFill xmlns:a14="http://schemas.microsoft.com/office/drawing/2010/main" xmlns="">
                 <a:noFill/>
               </a14:hiddenFill>
             </a:ext>
             <a:ext uri="{AF507438-7753-43e0-B8FC-AC1667EBCBE1}">
-              <a14:hiddenEffects xmlns="" xmlns:a14="http://schemas.microsoft.com/office/drawing/2010/main">
+              <a14:hiddenEffects xmlns:a14="http://schemas.microsoft.com/office/drawing/2010/main" xmlns="">
                 <a:effectLst>
                   <a:outerShdw blurRad="63500" dist="38099" dir="2700000" algn="ctr" rotWithShape="0">
                     <a:srgbClr val="000000">
@@ -21104,7 +21112,7 @@
           <a:effectLst/>
           <a:extLst>
             <a:ext uri="{AF507438-7753-43e0-B8FC-AC1667EBCBE1}">
-              <a14:hiddenEffects xmlns="" xmlns:a14="http://schemas.microsoft.com/office/drawing/2010/main">
+              <a14:hiddenEffects xmlns:a14="http://schemas.microsoft.com/office/drawing/2010/main" xmlns="">
                 <a:effectLst>
                   <a:outerShdw blurRad="63500" dist="38099" dir="2700000" algn="ctr" rotWithShape="0">
                     <a:srgbClr val="000000">
@@ -21347,7 +21355,7 @@
           <a:graphicData uri="http://schemas.openxmlformats.org/presentationml/2006/ole">
             <mc:AlternateContent xmlns:mc="http://schemas.openxmlformats.org/markup-compatibility/2006">
               <mc:Choice xmlns:v="urn:schemas-microsoft-com:vml" Requires="v">
-                <p:oleObj spid="_x0000_s4366" r:id="rId8" imgW="76200" imgH="1447800" progId="">
+                <p:oleObj spid="_x0000_s4375" r:id="rId8" imgW="76200" imgH="1447800" progId="">
                   <p:embed/>
                 </p:oleObj>
               </mc:Choice>
@@ -21446,7 +21454,7 @@
           <a:graphicData uri="http://schemas.openxmlformats.org/presentationml/2006/ole">
             <mc:AlternateContent xmlns:mc="http://schemas.openxmlformats.org/markup-compatibility/2006">
               <mc:Choice xmlns:v="urn:schemas-microsoft-com:vml" Requires="v">
-                <p:oleObj spid="_x0000_s4367" r:id="rId10" imgW="723900" imgH="368300" progId="">
+                <p:oleObj spid="_x0000_s4376" r:id="rId10" imgW="723900" imgH="368300" progId="">
                   <p:embed/>
                 </p:oleObj>
               </mc:Choice>

--- a/slides/WSTA_L20_machine_translation_word.pptx
+++ b/slides/WSTA_L20_machine_translation_word.pptx
@@ -239,7 +239,7 @@
           <a:p>
             <a:fld id="{50A97A5B-EA5E-9E4E-B952-F7E0D0C1A3D8}" type="datetimeFigureOut">
               <a:rPr lang="en-US" smtClean="0"/>
-              <a:t>5/12/17</a:t>
+              <a:t>5/16/17</a:t>
             </a:fld>
             <a:endParaRPr lang="en-US"/>
           </a:p>
@@ -802,6 +802,90 @@
 <file path=ppt/notesSlides/notesSlide11.xml><?xml version="1.0" encoding="utf-8"?>
 <p:notes xmlns:a="http://schemas.openxmlformats.org/drawingml/2006/main" xmlns:r="http://schemas.openxmlformats.org/officeDocument/2006/relationships" xmlns:p="http://schemas.openxmlformats.org/presentationml/2006/main">
   <p:cSld>
+    <p:spTree>
+      <p:nvGrpSpPr>
+        <p:cNvPr id="1" name=""/>
+        <p:cNvGrpSpPr/>
+        <p:nvPr/>
+      </p:nvGrpSpPr>
+      <p:grpSpPr>
+        <a:xfrm>
+          <a:off x="0" y="0"/>
+          <a:ext cx="0" cy="0"/>
+          <a:chOff x="0" y="0"/>
+          <a:chExt cx="0" cy="0"/>
+        </a:xfrm>
+      </p:grpSpPr>
+      <p:sp>
+        <p:nvSpPr>
+          <p:cNvPr id="2" name="Slide Image Placeholder 1"/>
+          <p:cNvSpPr>
+            <a:spLocks noGrp="1" noRot="1" noChangeAspect="1"/>
+          </p:cNvSpPr>
+          <p:nvPr>
+            <p:ph type="sldImg"/>
+          </p:nvPr>
+        </p:nvSpPr>
+        <p:spPr/>
+      </p:sp>
+      <p:sp>
+        <p:nvSpPr>
+          <p:cNvPr id="3" name="Notes Placeholder 2"/>
+          <p:cNvSpPr>
+            <a:spLocks noGrp="1"/>
+          </p:cNvSpPr>
+          <p:nvPr>
+            <p:ph type="body" idx="1"/>
+          </p:nvPr>
+        </p:nvSpPr>
+        <p:spPr/>
+        <p:txBody>
+          <a:bodyPr/>
+          <a:lstStyle/>
+          <a:p>
+            <a:endParaRPr lang="en-AU" dirty="0"/>
+          </a:p>
+        </p:txBody>
+      </p:sp>
+      <p:sp>
+        <p:nvSpPr>
+          <p:cNvPr id="4" name="Slide Number Placeholder 3"/>
+          <p:cNvSpPr>
+            <a:spLocks noGrp="1"/>
+          </p:cNvSpPr>
+          <p:nvPr>
+            <p:ph type="sldNum" sz="quarter" idx="10"/>
+          </p:nvPr>
+        </p:nvSpPr>
+        <p:spPr/>
+        <p:txBody>
+          <a:bodyPr/>
+          <a:lstStyle/>
+          <a:p>
+            <a:fld id="{EB142DFD-E891-9644-AE8A-31EC826A325E}" type="slidenum">
+              <a:rPr lang="en-US" smtClean="0"/>
+              <a:t>18</a:t>
+            </a:fld>
+            <a:endParaRPr lang="en-US"/>
+          </a:p>
+        </p:txBody>
+      </p:sp>
+    </p:spTree>
+    <p:extLst>
+      <p:ext uri="{BB962C8B-B14F-4D97-AF65-F5344CB8AC3E}">
+        <p14:creationId xmlns:p14="http://schemas.microsoft.com/office/powerpoint/2010/main" val="1632105853"/>
+      </p:ext>
+    </p:extLst>
+  </p:cSld>
+  <p:clrMapOvr>
+    <a:masterClrMapping/>
+  </p:clrMapOvr>
+</p:notes>
+</file>
+
+<file path=ppt/notesSlides/notesSlide12.xml><?xml version="1.0" encoding="utf-8"?>
+<p:notes xmlns:a="http://schemas.openxmlformats.org/drawingml/2006/main" xmlns:r="http://schemas.openxmlformats.org/officeDocument/2006/relationships" xmlns:p="http://schemas.openxmlformats.org/presentationml/2006/main">
+  <p:cSld>
     <p:bg>
       <p:bgPr>
         <a:solidFill>
@@ -852,7 +936,7 @@
           </a:ln>
           <a:extLst>
             <a:ext uri="{AF507438-7753-43e0-B8FC-AC1667EBCBE1}">
-              <a14:hiddenEffects xmlns:a14="http://schemas.microsoft.com/office/drawing/2010/main" xmlns="">
+              <a14:hiddenEffects xmlns="" xmlns:a14="http://schemas.microsoft.com/office/drawing/2010/main">
                 <a:effectLst>
                   <a:outerShdw blurRad="63500" dist="38099" dir="2700000" algn="ctr" rotWithShape="0">
                     <a:srgbClr val="000000">
@@ -883,7 +967,7 @@
           <a:ln/>
           <a:extLst>
             <a:ext uri="{AF507438-7753-43e0-B8FC-AC1667EBCBE1}">
-              <a14:hiddenEffects xmlns:a14="http://schemas.microsoft.com/office/drawing/2010/main" xmlns="">
+              <a14:hiddenEffects xmlns="" xmlns:a14="http://schemas.microsoft.com/office/drawing/2010/main">
                 <a:effectLst>
                   <a:outerShdw blurRad="63500" dist="38099" dir="2700000" algn="ctr" rotWithShape="0">
                     <a:srgbClr val="000000">
@@ -973,128 +1057,6 @@
     <p:extLst>
       <p:ext uri="{BB962C8B-B14F-4D97-AF65-F5344CB8AC3E}">
         <p14:creationId xmlns:p14="http://schemas.microsoft.com/office/powerpoint/2010/main" val="1006607866"/>
-      </p:ext>
-    </p:extLst>
-  </p:cSld>
-  <p:clrMapOvr>
-    <a:masterClrMapping/>
-  </p:clrMapOvr>
-</p:notes>
-</file>
-
-<file path=ppt/notesSlides/notesSlide12.xml><?xml version="1.0" encoding="utf-8"?>
-<p:notes xmlns:a="http://schemas.openxmlformats.org/drawingml/2006/main" xmlns:r="http://schemas.openxmlformats.org/officeDocument/2006/relationships" xmlns:p="http://schemas.openxmlformats.org/presentationml/2006/main">
-  <p:cSld>
-    <p:spTree>
-      <p:nvGrpSpPr>
-        <p:cNvPr id="1" name=""/>
-        <p:cNvGrpSpPr/>
-        <p:nvPr/>
-      </p:nvGrpSpPr>
-      <p:grpSpPr>
-        <a:xfrm>
-          <a:off x="0" y="0"/>
-          <a:ext cx="0" cy="0"/>
-          <a:chOff x="0" y="0"/>
-          <a:chExt cx="0" cy="0"/>
-        </a:xfrm>
-      </p:grpSpPr>
-      <p:sp>
-        <p:nvSpPr>
-          <p:cNvPr id="2" name="Slide Image Placeholder 1"/>
-          <p:cNvSpPr>
-            <a:spLocks noGrp="1" noRot="1" noChangeAspect="1"/>
-          </p:cNvSpPr>
-          <p:nvPr>
-            <p:ph type="sldImg"/>
-          </p:nvPr>
-        </p:nvSpPr>
-        <p:spPr>
-          <a:xfrm>
-            <a:off x="1371600" y="1143000"/>
-            <a:ext cx="4114800" cy="3086100"/>
-          </a:xfrm>
-        </p:spPr>
-      </p:sp>
-      <p:sp>
-        <p:nvSpPr>
-          <p:cNvPr id="3" name="Notes Placeholder 2"/>
-          <p:cNvSpPr>
-            <a:spLocks noGrp="1"/>
-          </p:cNvSpPr>
-          <p:nvPr>
-            <p:ph type="body" idx="1"/>
-          </p:nvPr>
-        </p:nvSpPr>
-        <p:spPr/>
-        <p:txBody>
-          <a:bodyPr/>
-          <a:lstStyle/>
-          <a:p>
-            <a:r>
-              <a:rPr lang="en-US" sz="1200" kern="1200" dirty="0" smtClean="0">
-                <a:solidFill>
-                  <a:schemeClr val="tx1"/>
-                </a:solidFill>
-                <a:latin typeface="+mn-lt"/>
-                <a:ea typeface="+mn-ea"/>
-                <a:cs typeface="+mn-cs"/>
-              </a:rPr>
-              <a:t>P( A|E,F) &amp;= \</a:t>
-            </a:r>
-            <a:r>
-              <a:rPr lang="en-US" sz="1200" kern="1200" dirty="0" err="1" smtClean="0">
-                <a:solidFill>
-                  <a:schemeClr val="tx1"/>
-                </a:solidFill>
-                <a:latin typeface="+mn-lt"/>
-                <a:ea typeface="+mn-ea"/>
-                <a:cs typeface="+mn-cs"/>
-              </a:rPr>
-              <a:t>frac</a:t>
-            </a:r>
-            <a:r>
-              <a:rPr lang="en-US" sz="1200" kern="1200" dirty="0" smtClean="0">
-                <a:solidFill>
-                  <a:schemeClr val="tx1"/>
-                </a:solidFill>
-                <a:latin typeface="+mn-lt"/>
-                <a:ea typeface="+mn-ea"/>
-                <a:cs typeface="+mn-cs"/>
-              </a:rPr>
-              <a:t>{P(F,A|E)}{P(F|E)}</a:t>
-            </a:r>
-            <a:endParaRPr lang="en-US" dirty="0"/>
-          </a:p>
-        </p:txBody>
-      </p:sp>
-      <p:sp>
-        <p:nvSpPr>
-          <p:cNvPr id="4" name="Slide Number Placeholder 3"/>
-          <p:cNvSpPr>
-            <a:spLocks noGrp="1"/>
-          </p:cNvSpPr>
-          <p:nvPr>
-            <p:ph type="sldNum" sz="quarter" idx="10"/>
-          </p:nvPr>
-        </p:nvSpPr>
-        <p:spPr/>
-        <p:txBody>
-          <a:bodyPr/>
-          <a:lstStyle/>
-          <a:p>
-            <a:fld id="{EB142DFD-E891-9644-AE8A-31EC826A325E}" type="slidenum">
-              <a:rPr lang="en-US" smtClean="0"/>
-              <a:t>20</a:t>
-            </a:fld>
-            <a:endParaRPr lang="en-US"/>
-          </a:p>
-        </p:txBody>
-      </p:sp>
-    </p:spTree>
-    <p:extLst>
-      <p:ext uri="{BB962C8B-B14F-4D97-AF65-F5344CB8AC3E}">
-        <p14:creationId xmlns:p14="http://schemas.microsoft.com/office/powerpoint/2010/main" val="398055153"/>
       </p:ext>
     </p:extLst>
   </p:cSld>
@@ -1162,7 +1124,7 @@
                 <a:ea typeface="+mn-ea"/>
                 <a:cs typeface="+mn-cs"/>
               </a:rPr>
-              <a:t>Mention </a:t>
+              <a:t>P( A|E,F) &amp;= \</a:t>
             </a:r>
             <a:r>
               <a:rPr lang="en-US" sz="1200" kern="1200" dirty="0" err="1" smtClean="0">
@@ -1173,10 +1135,10 @@
                 <a:ea typeface="+mn-ea"/>
                 <a:cs typeface="+mn-cs"/>
               </a:rPr>
-              <a:t>factorisation</a:t>
-            </a:r>
-            <a:r>
-              <a:rPr lang="en-US" sz="1200" kern="1200" baseline="0" dirty="0" smtClean="0">
+              <a:t>frac</a:t>
+            </a:r>
+            <a:r>
+              <a:rPr lang="en-US" sz="1200" kern="1200" dirty="0" smtClean="0">
                 <a:solidFill>
                   <a:schemeClr val="tx1"/>
                 </a:solidFill>
@@ -1184,726 +1146,9 @@
                 <a:ea typeface="+mn-ea"/>
                 <a:cs typeface="+mn-cs"/>
               </a:rPr>
-              <a:t> of </a:t>
-            </a:r>
-            <a:r>
-              <a:rPr lang="en-US" sz="1200" kern="1200" dirty="0" err="1" smtClean="0">
-                <a:solidFill>
-                  <a:schemeClr val="tx1"/>
-                </a:solidFill>
-                <a:latin typeface="+mn-lt"/>
-                <a:ea typeface="+mn-ea"/>
-                <a:cs typeface="+mn-cs"/>
-              </a:rPr>
-              <a:t>sum_x</a:t>
-            </a:r>
-            <a:r>
-              <a:rPr lang="en-US" sz="1200" kern="1200" dirty="0" smtClean="0">
-                <a:solidFill>
-                  <a:schemeClr val="tx1"/>
-                </a:solidFill>
-                <a:latin typeface="+mn-lt"/>
-                <a:ea typeface="+mn-ea"/>
-                <a:cs typeface="+mn-cs"/>
-              </a:rPr>
-              <a:t> </a:t>
-            </a:r>
-            <a:r>
-              <a:rPr lang="en-US" sz="1200" kern="1200" dirty="0" err="1" smtClean="0">
-                <a:solidFill>
-                  <a:schemeClr val="tx1"/>
-                </a:solidFill>
-                <a:latin typeface="+mn-lt"/>
-                <a:ea typeface="+mn-ea"/>
-                <a:cs typeface="+mn-cs"/>
-              </a:rPr>
-              <a:t>sum_y</a:t>
-            </a:r>
-            <a:r>
-              <a:rPr lang="en-US" sz="1200" kern="1200" baseline="0" dirty="0" smtClean="0">
-                <a:solidFill>
-                  <a:schemeClr val="tx1"/>
-                </a:solidFill>
-                <a:latin typeface="+mn-lt"/>
-                <a:ea typeface="+mn-ea"/>
-                <a:cs typeface="+mn-cs"/>
-              </a:rPr>
-              <a:t> </a:t>
-            </a:r>
-            <a:r>
-              <a:rPr lang="en-US" sz="1200" kern="1200" baseline="0" dirty="0" err="1" smtClean="0">
-                <a:solidFill>
-                  <a:schemeClr val="tx1"/>
-                </a:solidFill>
-                <a:latin typeface="+mn-lt"/>
-                <a:ea typeface="+mn-ea"/>
-                <a:cs typeface="+mn-cs"/>
-              </a:rPr>
-              <a:t>sum_z</a:t>
-            </a:r>
-            <a:r>
-              <a:rPr lang="en-US" sz="1200" kern="1200" baseline="0" dirty="0" smtClean="0">
-                <a:solidFill>
-                  <a:schemeClr val="tx1"/>
-                </a:solidFill>
-                <a:latin typeface="+mn-lt"/>
-                <a:ea typeface="+mn-ea"/>
-                <a:cs typeface="+mn-cs"/>
-              </a:rPr>
-              <a:t> f(x) g(y) h(z) </a:t>
-            </a:r>
-          </a:p>
-          <a:p>
-            <a:endParaRPr lang="en-US" sz="1200" kern="1200" baseline="0" dirty="0" smtClean="0">
-              <a:solidFill>
-                <a:schemeClr val="tx1"/>
-              </a:solidFill>
-              <a:latin typeface="+mn-lt"/>
-              <a:ea typeface="+mn-ea"/>
-              <a:cs typeface="+mn-cs"/>
-            </a:endParaRPr>
-          </a:p>
-          <a:p>
-            <a:r>
-              <a:rPr lang="hr-HR" sz="1200" kern="1200" dirty="0" smtClean="0">
-                <a:solidFill>
-                  <a:schemeClr val="tx1"/>
-                </a:solidFill>
-                <a:latin typeface="+mn-lt"/>
-                <a:ea typeface="+mn-ea"/>
-                <a:cs typeface="+mn-cs"/>
-              </a:rPr>
-              <a:t>P(F| E) &amp;= \</a:t>
-            </a:r>
-            <a:r>
-              <a:rPr lang="hr-HR" sz="1200" kern="1200" dirty="0" err="1" smtClean="0">
-                <a:solidFill>
-                  <a:schemeClr val="tx1"/>
-                </a:solidFill>
-                <a:latin typeface="+mn-lt"/>
-                <a:ea typeface="+mn-ea"/>
-                <a:cs typeface="+mn-cs"/>
-              </a:rPr>
-              <a:t>sum_A</a:t>
-            </a:r>
-            <a:r>
-              <a:rPr lang="hr-HR" sz="1200" kern="1200" dirty="0" smtClean="0">
-                <a:solidFill>
-                  <a:schemeClr val="tx1"/>
-                </a:solidFill>
-                <a:latin typeface="+mn-lt"/>
-                <a:ea typeface="+mn-ea"/>
-                <a:cs typeface="+mn-cs"/>
-              </a:rPr>
-              <a:t> P(F,A|E) \\</a:t>
-            </a:r>
-          </a:p>
-          <a:p>
-            <a:r>
-              <a:rPr lang="de-DE" sz="1200" kern="1200" dirty="0" smtClean="0">
-                <a:solidFill>
-                  <a:schemeClr val="tx1"/>
-                </a:solidFill>
-                <a:latin typeface="+mn-lt"/>
-                <a:ea typeface="+mn-ea"/>
-                <a:cs typeface="+mn-cs"/>
-              </a:rPr>
-              <a:t>        &amp;= \</a:t>
-            </a:r>
-            <a:r>
-              <a:rPr lang="de-DE" sz="1200" kern="1200" dirty="0" err="1" smtClean="0">
-                <a:solidFill>
-                  <a:schemeClr val="tx1"/>
-                </a:solidFill>
-                <a:latin typeface="+mn-lt"/>
-                <a:ea typeface="+mn-ea"/>
-                <a:cs typeface="+mn-cs"/>
-              </a:rPr>
-              <a:t>sum</a:t>
-            </a:r>
-            <a:r>
-              <a:rPr lang="de-DE" sz="1200" kern="1200" dirty="0" smtClean="0">
-                <a:solidFill>
-                  <a:schemeClr val="tx1"/>
-                </a:solidFill>
-                <a:latin typeface="+mn-lt"/>
-                <a:ea typeface="+mn-ea"/>
-                <a:cs typeface="+mn-cs"/>
-              </a:rPr>
-              <a:t>_{a_1}</a:t>
-            </a:r>
-          </a:p>
-          <a:p>
-            <a:r>
-              <a:rPr lang="en-US" sz="1200" kern="1200" dirty="0" smtClean="0">
-                <a:solidFill>
-                  <a:schemeClr val="tx1"/>
-                </a:solidFill>
-                <a:latin typeface="+mn-lt"/>
-                <a:ea typeface="+mn-ea"/>
-                <a:cs typeface="+mn-cs"/>
-              </a:rPr>
-              <a:t>\sum_{a_2} \</a:t>
-            </a:r>
-            <a:r>
-              <a:rPr lang="en-US" sz="1200" kern="1200" dirty="0" err="1" smtClean="0">
-                <a:solidFill>
-                  <a:schemeClr val="tx1"/>
-                </a:solidFill>
-                <a:latin typeface="+mn-lt"/>
-                <a:ea typeface="+mn-ea"/>
-                <a:cs typeface="+mn-cs"/>
-              </a:rPr>
-              <a:t>cdots</a:t>
-            </a:r>
-            <a:r>
-              <a:rPr lang="en-US" sz="1200" kern="1200" dirty="0" smtClean="0">
-                <a:solidFill>
-                  <a:schemeClr val="tx1"/>
-                </a:solidFill>
-                <a:latin typeface="+mn-lt"/>
-                <a:ea typeface="+mn-ea"/>
-                <a:cs typeface="+mn-cs"/>
-              </a:rPr>
-              <a:t> \sum_{</a:t>
-            </a:r>
-            <a:r>
-              <a:rPr lang="en-US" sz="1200" kern="1200" dirty="0" err="1" smtClean="0">
-                <a:solidFill>
-                  <a:schemeClr val="tx1"/>
-                </a:solidFill>
-                <a:latin typeface="+mn-lt"/>
-                <a:ea typeface="+mn-ea"/>
-                <a:cs typeface="+mn-cs"/>
-              </a:rPr>
-              <a:t>a_J</a:t>
-            </a:r>
-            <a:r>
-              <a:rPr lang="en-US" sz="1200" kern="1200" dirty="0" smtClean="0">
-                <a:solidFill>
-                  <a:schemeClr val="tx1"/>
-                </a:solidFill>
-                <a:latin typeface="+mn-lt"/>
-                <a:ea typeface="+mn-ea"/>
-                <a:cs typeface="+mn-cs"/>
-              </a:rPr>
-              <a:t>} P(F, A|E) \\</a:t>
-            </a:r>
-          </a:p>
-          <a:p>
-            <a:r>
-              <a:rPr lang="de-DE" sz="1200" kern="1200" dirty="0" smtClean="0">
-                <a:solidFill>
-                  <a:schemeClr val="tx1"/>
-                </a:solidFill>
-                <a:latin typeface="+mn-lt"/>
-                <a:ea typeface="+mn-ea"/>
-                <a:cs typeface="+mn-cs"/>
-              </a:rPr>
-              <a:t>        &amp;= \</a:t>
-            </a:r>
-            <a:r>
-              <a:rPr lang="de-DE" sz="1200" kern="1200" dirty="0" err="1" smtClean="0">
-                <a:solidFill>
-                  <a:schemeClr val="tx1"/>
-                </a:solidFill>
-                <a:latin typeface="+mn-lt"/>
-                <a:ea typeface="+mn-ea"/>
-                <a:cs typeface="+mn-cs"/>
-              </a:rPr>
-              <a:t>sum</a:t>
-            </a:r>
-            <a:r>
-              <a:rPr lang="de-DE" sz="1200" kern="1200" dirty="0" smtClean="0">
-                <a:solidFill>
-                  <a:schemeClr val="tx1"/>
-                </a:solidFill>
-                <a:latin typeface="+mn-lt"/>
-                <a:ea typeface="+mn-ea"/>
-                <a:cs typeface="+mn-cs"/>
-              </a:rPr>
-              <a:t>_{a_1}</a:t>
-            </a:r>
-          </a:p>
-          <a:p>
-            <a:r>
-              <a:rPr lang="es-ES_tradnl" sz="1200" kern="1200" dirty="0" smtClean="0">
-                <a:solidFill>
-                  <a:schemeClr val="tx1"/>
-                </a:solidFill>
-                <a:latin typeface="+mn-lt"/>
-                <a:ea typeface="+mn-ea"/>
-                <a:cs typeface="+mn-cs"/>
-              </a:rPr>
-              <a:t>\sum_{a_2} \</a:t>
-            </a:r>
-            <a:r>
-              <a:rPr lang="es-ES_tradnl" sz="1200" kern="1200" dirty="0" err="1" smtClean="0">
-                <a:solidFill>
-                  <a:schemeClr val="tx1"/>
-                </a:solidFill>
-                <a:latin typeface="+mn-lt"/>
-                <a:ea typeface="+mn-ea"/>
-                <a:cs typeface="+mn-cs"/>
-              </a:rPr>
-              <a:t>cdots</a:t>
-            </a:r>
-            <a:r>
-              <a:rPr lang="es-ES_tradnl" sz="1200" kern="1200" dirty="0" smtClean="0">
-                <a:solidFill>
-                  <a:schemeClr val="tx1"/>
-                </a:solidFill>
-                <a:latin typeface="+mn-lt"/>
-                <a:ea typeface="+mn-ea"/>
-                <a:cs typeface="+mn-cs"/>
-              </a:rPr>
-              <a:t> \sum_{</a:t>
-            </a:r>
-            <a:r>
-              <a:rPr lang="es-ES_tradnl" sz="1200" kern="1200" dirty="0" err="1" smtClean="0">
-                <a:solidFill>
-                  <a:schemeClr val="tx1"/>
-                </a:solidFill>
-                <a:latin typeface="+mn-lt"/>
-                <a:ea typeface="+mn-ea"/>
-                <a:cs typeface="+mn-cs"/>
-              </a:rPr>
-              <a:t>a_J</a:t>
-            </a:r>
-            <a:r>
-              <a:rPr lang="es-ES_tradnl" sz="1200" kern="1200" dirty="0" smtClean="0">
-                <a:solidFill>
-                  <a:schemeClr val="tx1"/>
-                </a:solidFill>
-                <a:latin typeface="+mn-lt"/>
-                <a:ea typeface="+mn-ea"/>
-                <a:cs typeface="+mn-cs"/>
-              </a:rPr>
-              <a:t>} \frac{\</a:t>
-            </a:r>
-            <a:r>
-              <a:rPr lang="es-ES_tradnl" sz="1200" kern="1200" dirty="0" err="1" smtClean="0">
-                <a:solidFill>
-                  <a:schemeClr val="tx1"/>
-                </a:solidFill>
-                <a:latin typeface="+mn-lt"/>
-                <a:ea typeface="+mn-ea"/>
-                <a:cs typeface="+mn-cs"/>
-              </a:rPr>
-              <a:t>epsilon</a:t>
-            </a:r>
-            <a:r>
-              <a:rPr lang="es-ES_tradnl" sz="1200" kern="1200" dirty="0" smtClean="0">
-                <a:solidFill>
-                  <a:schemeClr val="tx1"/>
-                </a:solidFill>
-                <a:latin typeface="+mn-lt"/>
-                <a:ea typeface="+mn-ea"/>
-                <a:cs typeface="+mn-cs"/>
-              </a:rPr>
-              <a:t>}{(I+1)^J} \</a:t>
-            </a:r>
-            <a:r>
-              <a:rPr lang="es-ES_tradnl" sz="1200" kern="1200" dirty="0" err="1" smtClean="0">
-                <a:solidFill>
-                  <a:schemeClr val="tx1"/>
-                </a:solidFill>
-                <a:latin typeface="+mn-lt"/>
-                <a:ea typeface="+mn-ea"/>
-                <a:cs typeface="+mn-cs"/>
-              </a:rPr>
-              <a:t>prod</a:t>
-            </a:r>
-            <a:r>
-              <a:rPr lang="es-ES_tradnl" sz="1200" kern="1200" dirty="0" smtClean="0">
-                <a:solidFill>
-                  <a:schemeClr val="tx1"/>
-                </a:solidFill>
-                <a:latin typeface="+mn-lt"/>
-                <a:ea typeface="+mn-ea"/>
-                <a:cs typeface="+mn-cs"/>
-              </a:rPr>
-              <a:t>_{j=1}^{J} t(</a:t>
-            </a:r>
-            <a:r>
-              <a:rPr lang="es-ES_tradnl" sz="1200" kern="1200" dirty="0" err="1" smtClean="0">
-                <a:solidFill>
-                  <a:schemeClr val="tx1"/>
-                </a:solidFill>
-                <a:latin typeface="+mn-lt"/>
-                <a:ea typeface="+mn-ea"/>
-                <a:cs typeface="+mn-cs"/>
-              </a:rPr>
-              <a:t>f_j</a:t>
-            </a:r>
-            <a:r>
-              <a:rPr lang="es-ES_tradnl" sz="1200" kern="1200" dirty="0" smtClean="0">
-                <a:solidFill>
-                  <a:schemeClr val="tx1"/>
-                </a:solidFill>
-                <a:latin typeface="+mn-lt"/>
-                <a:ea typeface="+mn-ea"/>
-                <a:cs typeface="+mn-cs"/>
-              </a:rPr>
-              <a:t> | e_{</a:t>
-            </a:r>
-            <a:r>
-              <a:rPr lang="es-ES_tradnl" sz="1200" kern="1200" dirty="0" err="1" smtClean="0">
-                <a:solidFill>
-                  <a:schemeClr val="tx1"/>
-                </a:solidFill>
-                <a:latin typeface="+mn-lt"/>
-                <a:ea typeface="+mn-ea"/>
-                <a:cs typeface="+mn-cs"/>
-              </a:rPr>
-              <a:t>a_j</a:t>
-            </a:r>
-            <a:r>
-              <a:rPr lang="es-ES_tradnl" sz="1200" kern="1200" dirty="0" smtClean="0">
-                <a:solidFill>
-                  <a:schemeClr val="tx1"/>
-                </a:solidFill>
-                <a:latin typeface="+mn-lt"/>
-                <a:ea typeface="+mn-ea"/>
-                <a:cs typeface="+mn-cs"/>
-              </a:rPr>
-              <a:t>}) \\</a:t>
-            </a:r>
-          </a:p>
-          <a:p>
-            <a:r>
-              <a:rPr lang="de-DE" sz="1200" kern="1200" dirty="0" smtClean="0">
-                <a:solidFill>
-                  <a:schemeClr val="tx1"/>
-                </a:solidFill>
-                <a:latin typeface="+mn-lt"/>
-                <a:ea typeface="+mn-ea"/>
-                <a:cs typeface="+mn-cs"/>
-              </a:rPr>
-              <a:t>        &amp;= \</a:t>
-            </a:r>
-            <a:r>
-              <a:rPr lang="de-DE" sz="1200" kern="1200" dirty="0" err="1" smtClean="0">
-                <a:solidFill>
-                  <a:schemeClr val="tx1"/>
-                </a:solidFill>
-                <a:latin typeface="+mn-lt"/>
-                <a:ea typeface="+mn-ea"/>
-                <a:cs typeface="+mn-cs"/>
-              </a:rPr>
-              <a:t>frac</a:t>
-            </a:r>
-            <a:r>
-              <a:rPr lang="de-DE" sz="1200" kern="1200" dirty="0" smtClean="0">
-                <a:solidFill>
-                  <a:schemeClr val="tx1"/>
-                </a:solidFill>
-                <a:latin typeface="+mn-lt"/>
-                <a:ea typeface="+mn-ea"/>
-                <a:cs typeface="+mn-cs"/>
-              </a:rPr>
-              <a:t>{\</a:t>
-            </a:r>
-            <a:r>
-              <a:rPr lang="de-DE" sz="1200" kern="1200" dirty="0" err="1" smtClean="0">
-                <a:solidFill>
-                  <a:schemeClr val="tx1"/>
-                </a:solidFill>
-                <a:latin typeface="+mn-lt"/>
-                <a:ea typeface="+mn-ea"/>
-                <a:cs typeface="+mn-cs"/>
-              </a:rPr>
-              <a:t>epsilon</a:t>
-            </a:r>
-            <a:r>
-              <a:rPr lang="de-DE" sz="1200" kern="1200" dirty="0" smtClean="0">
-                <a:solidFill>
-                  <a:schemeClr val="tx1"/>
-                </a:solidFill>
-                <a:latin typeface="+mn-lt"/>
-                <a:ea typeface="+mn-ea"/>
-                <a:cs typeface="+mn-cs"/>
-              </a:rPr>
-              <a:t>}{(I+1)^J} \</a:t>
-            </a:r>
-            <a:r>
-              <a:rPr lang="de-DE" sz="1200" kern="1200" dirty="0" err="1" smtClean="0">
-                <a:solidFill>
-                  <a:schemeClr val="tx1"/>
-                </a:solidFill>
-                <a:latin typeface="+mn-lt"/>
-                <a:ea typeface="+mn-ea"/>
-                <a:cs typeface="+mn-cs"/>
-              </a:rPr>
-              <a:t>sum</a:t>
-            </a:r>
-            <a:r>
-              <a:rPr lang="de-DE" sz="1200" kern="1200" dirty="0" smtClean="0">
-                <a:solidFill>
-                  <a:schemeClr val="tx1"/>
-                </a:solidFill>
-                <a:latin typeface="+mn-lt"/>
-                <a:ea typeface="+mn-ea"/>
-                <a:cs typeface="+mn-cs"/>
-              </a:rPr>
-              <a:t>_{a_1}</a:t>
-            </a:r>
-          </a:p>
-          <a:p>
-            <a:r>
-              <a:rPr lang="es-ES_tradnl" sz="1200" kern="1200" dirty="0" smtClean="0">
-                <a:solidFill>
-                  <a:schemeClr val="tx1"/>
-                </a:solidFill>
-                <a:latin typeface="+mn-lt"/>
-                <a:ea typeface="+mn-ea"/>
-                <a:cs typeface="+mn-cs"/>
-              </a:rPr>
-              <a:t>\sum_{a_2} \</a:t>
-            </a:r>
-            <a:r>
-              <a:rPr lang="es-ES_tradnl" sz="1200" kern="1200" dirty="0" err="1" smtClean="0">
-                <a:solidFill>
-                  <a:schemeClr val="tx1"/>
-                </a:solidFill>
-                <a:latin typeface="+mn-lt"/>
-                <a:ea typeface="+mn-ea"/>
-                <a:cs typeface="+mn-cs"/>
-              </a:rPr>
-              <a:t>cdots</a:t>
-            </a:r>
-            <a:r>
-              <a:rPr lang="es-ES_tradnl" sz="1200" kern="1200" dirty="0" smtClean="0">
-                <a:solidFill>
-                  <a:schemeClr val="tx1"/>
-                </a:solidFill>
-                <a:latin typeface="+mn-lt"/>
-                <a:ea typeface="+mn-ea"/>
-                <a:cs typeface="+mn-cs"/>
-              </a:rPr>
-              <a:t> \sum_{</a:t>
-            </a:r>
-            <a:r>
-              <a:rPr lang="es-ES_tradnl" sz="1200" kern="1200" dirty="0" err="1" smtClean="0">
-                <a:solidFill>
-                  <a:schemeClr val="tx1"/>
-                </a:solidFill>
-                <a:latin typeface="+mn-lt"/>
-                <a:ea typeface="+mn-ea"/>
-                <a:cs typeface="+mn-cs"/>
-              </a:rPr>
-              <a:t>a_J</a:t>
-            </a:r>
-            <a:r>
-              <a:rPr lang="es-ES_tradnl" sz="1200" kern="1200" dirty="0" smtClean="0">
-                <a:solidFill>
-                  <a:schemeClr val="tx1"/>
-                </a:solidFill>
-                <a:latin typeface="+mn-lt"/>
-                <a:ea typeface="+mn-ea"/>
-                <a:cs typeface="+mn-cs"/>
-              </a:rPr>
-              <a:t>} \</a:t>
-            </a:r>
-            <a:r>
-              <a:rPr lang="es-ES_tradnl" sz="1200" kern="1200" dirty="0" err="1" smtClean="0">
-                <a:solidFill>
-                  <a:schemeClr val="tx1"/>
-                </a:solidFill>
-                <a:latin typeface="+mn-lt"/>
-                <a:ea typeface="+mn-ea"/>
-                <a:cs typeface="+mn-cs"/>
-              </a:rPr>
-              <a:t>prod</a:t>
-            </a:r>
-            <a:r>
-              <a:rPr lang="es-ES_tradnl" sz="1200" kern="1200" dirty="0" smtClean="0">
-                <a:solidFill>
-                  <a:schemeClr val="tx1"/>
-                </a:solidFill>
-                <a:latin typeface="+mn-lt"/>
-                <a:ea typeface="+mn-ea"/>
-                <a:cs typeface="+mn-cs"/>
-              </a:rPr>
-              <a:t>_{j=1}^{l} t(</a:t>
-            </a:r>
-            <a:r>
-              <a:rPr lang="es-ES_tradnl" sz="1200" kern="1200" dirty="0" err="1" smtClean="0">
-                <a:solidFill>
-                  <a:schemeClr val="tx1"/>
-                </a:solidFill>
-                <a:latin typeface="+mn-lt"/>
-                <a:ea typeface="+mn-ea"/>
-                <a:cs typeface="+mn-cs"/>
-              </a:rPr>
-              <a:t>f_j</a:t>
-            </a:r>
-            <a:r>
-              <a:rPr lang="es-ES_tradnl" sz="1200" kern="1200" dirty="0" smtClean="0">
-                <a:solidFill>
-                  <a:schemeClr val="tx1"/>
-                </a:solidFill>
-                <a:latin typeface="+mn-lt"/>
-                <a:ea typeface="+mn-ea"/>
-                <a:cs typeface="+mn-cs"/>
-              </a:rPr>
-              <a:t> | e_{</a:t>
-            </a:r>
-            <a:r>
-              <a:rPr lang="es-ES_tradnl" sz="1200" kern="1200" dirty="0" err="1" smtClean="0">
-                <a:solidFill>
-                  <a:schemeClr val="tx1"/>
-                </a:solidFill>
-                <a:latin typeface="+mn-lt"/>
-                <a:ea typeface="+mn-ea"/>
-                <a:cs typeface="+mn-cs"/>
-              </a:rPr>
-              <a:t>a_j</a:t>
-            </a:r>
-            <a:r>
-              <a:rPr lang="es-ES_tradnl" sz="1200" kern="1200" dirty="0" smtClean="0">
-                <a:solidFill>
-                  <a:schemeClr val="tx1"/>
-                </a:solidFill>
-                <a:latin typeface="+mn-lt"/>
-                <a:ea typeface="+mn-ea"/>
-                <a:cs typeface="+mn-cs"/>
-              </a:rPr>
-              <a:t>}) \\</a:t>
-            </a:r>
-          </a:p>
-          <a:p>
-            <a:r>
-              <a:rPr lang="es-ES_tradnl" sz="1200" kern="1200" dirty="0" smtClean="0">
-                <a:solidFill>
-                  <a:schemeClr val="tx1"/>
-                </a:solidFill>
-                <a:latin typeface="+mn-lt"/>
-                <a:ea typeface="+mn-ea"/>
-                <a:cs typeface="+mn-cs"/>
-              </a:rPr>
-              <a:t>        &amp;= \frac{\</a:t>
-            </a:r>
-            <a:r>
-              <a:rPr lang="es-ES_tradnl" sz="1200" kern="1200" dirty="0" err="1" smtClean="0">
-                <a:solidFill>
-                  <a:schemeClr val="tx1"/>
-                </a:solidFill>
-                <a:latin typeface="+mn-lt"/>
-                <a:ea typeface="+mn-ea"/>
-                <a:cs typeface="+mn-cs"/>
-              </a:rPr>
-              <a:t>epsilon</a:t>
-            </a:r>
-            <a:r>
-              <a:rPr lang="es-ES_tradnl" sz="1200" kern="1200" dirty="0" smtClean="0">
-                <a:solidFill>
-                  <a:schemeClr val="tx1"/>
-                </a:solidFill>
-                <a:latin typeface="+mn-lt"/>
-                <a:ea typeface="+mn-ea"/>
-                <a:cs typeface="+mn-cs"/>
-              </a:rPr>
-              <a:t>}{(I+1)^J} \</a:t>
-            </a:r>
-            <a:r>
-              <a:rPr lang="es-ES_tradnl" sz="1200" kern="1200" dirty="0" err="1" smtClean="0">
-                <a:solidFill>
-                  <a:schemeClr val="tx1"/>
-                </a:solidFill>
-                <a:latin typeface="+mn-lt"/>
-                <a:ea typeface="+mn-ea"/>
-                <a:cs typeface="+mn-cs"/>
-              </a:rPr>
-              <a:t>prod</a:t>
-            </a:r>
-            <a:r>
-              <a:rPr lang="es-ES_tradnl" sz="1200" kern="1200" dirty="0" smtClean="0">
-                <a:solidFill>
-                  <a:schemeClr val="tx1"/>
-                </a:solidFill>
-                <a:latin typeface="+mn-lt"/>
-                <a:ea typeface="+mn-ea"/>
-                <a:cs typeface="+mn-cs"/>
-              </a:rPr>
-              <a:t>_{j=1}^{J} \sum_{</a:t>
-            </a:r>
-            <a:r>
-              <a:rPr lang="es-ES_tradnl" sz="1200" kern="1200" dirty="0" err="1" smtClean="0">
-                <a:solidFill>
-                  <a:schemeClr val="tx1"/>
-                </a:solidFill>
-                <a:latin typeface="+mn-lt"/>
-                <a:ea typeface="+mn-ea"/>
-                <a:cs typeface="+mn-cs"/>
-              </a:rPr>
-              <a:t>a_j</a:t>
-            </a:r>
-            <a:r>
-              <a:rPr lang="es-ES_tradnl" sz="1200" kern="1200" dirty="0" smtClean="0">
-                <a:solidFill>
-                  <a:schemeClr val="tx1"/>
-                </a:solidFill>
-                <a:latin typeface="+mn-lt"/>
-                <a:ea typeface="+mn-ea"/>
-                <a:cs typeface="+mn-cs"/>
-              </a:rPr>
-              <a:t>} t(</a:t>
-            </a:r>
-            <a:r>
-              <a:rPr lang="es-ES_tradnl" sz="1200" kern="1200" dirty="0" err="1" smtClean="0">
-                <a:solidFill>
-                  <a:schemeClr val="tx1"/>
-                </a:solidFill>
-                <a:latin typeface="+mn-lt"/>
-                <a:ea typeface="+mn-ea"/>
-                <a:cs typeface="+mn-cs"/>
-              </a:rPr>
-              <a:t>f_j</a:t>
-            </a:r>
-            <a:r>
-              <a:rPr lang="es-ES_tradnl" sz="1200" kern="1200" dirty="0" smtClean="0">
-                <a:solidFill>
-                  <a:schemeClr val="tx1"/>
-                </a:solidFill>
-                <a:latin typeface="+mn-lt"/>
-                <a:ea typeface="+mn-ea"/>
-                <a:cs typeface="+mn-cs"/>
-              </a:rPr>
-              <a:t> | e_{</a:t>
-            </a:r>
-            <a:r>
-              <a:rPr lang="es-ES_tradnl" sz="1200" kern="1200" dirty="0" err="1" smtClean="0">
-                <a:solidFill>
-                  <a:schemeClr val="tx1"/>
-                </a:solidFill>
-                <a:latin typeface="+mn-lt"/>
-                <a:ea typeface="+mn-ea"/>
-                <a:cs typeface="+mn-cs"/>
-              </a:rPr>
-              <a:t>a_j</a:t>
-            </a:r>
-            <a:r>
-              <a:rPr lang="es-ES_tradnl" sz="1200" kern="1200" dirty="0" smtClean="0">
-                <a:solidFill>
-                  <a:schemeClr val="tx1"/>
-                </a:solidFill>
-                <a:latin typeface="+mn-lt"/>
-                <a:ea typeface="+mn-ea"/>
-                <a:cs typeface="+mn-cs"/>
-              </a:rPr>
-              <a:t>})</a:t>
-            </a:r>
-          </a:p>
-          <a:p>
-            <a:endParaRPr lang="en-US" sz="1200" kern="1200" dirty="0" smtClean="0">
-              <a:solidFill>
-                <a:schemeClr val="tx1"/>
-              </a:solidFill>
-              <a:latin typeface="+mn-lt"/>
-              <a:ea typeface="+mn-ea"/>
-              <a:cs typeface="+mn-cs"/>
-            </a:endParaRPr>
+              <a:t>{P(F,A|E)}{P(F|E)}</a:t>
+            </a:r>
+            <a:endParaRPr lang="en-US" dirty="0"/>
           </a:p>
         </p:txBody>
       </p:sp>
@@ -1924,7 +1169,7 @@
           <a:p>
             <a:fld id="{EB142DFD-E891-9644-AE8A-31EC826A325E}" type="slidenum">
               <a:rPr lang="en-US" smtClean="0"/>
-              <a:t>21</a:t>
+              <a:t>20</a:t>
             </a:fld>
             <a:endParaRPr lang="en-US"/>
           </a:p>
@@ -1933,7 +1178,7 @@
     </p:spTree>
     <p:extLst>
       <p:ext uri="{BB962C8B-B14F-4D97-AF65-F5344CB8AC3E}">
-        <p14:creationId xmlns:p14="http://schemas.microsoft.com/office/powerpoint/2010/main" val="940933738"/>
+        <p14:creationId xmlns:p14="http://schemas.microsoft.com/office/powerpoint/2010/main" val="398055153"/>
       </p:ext>
     </p:extLst>
   </p:cSld>
@@ -2001,6 +1246,867 @@
                 <a:ea typeface="+mn-ea"/>
                 <a:cs typeface="+mn-cs"/>
               </a:rPr>
+              <a:t>Mention </a:t>
+            </a:r>
+            <a:r>
+              <a:rPr lang="en-US" sz="1200" kern="1200" dirty="0" err="1" smtClean="0">
+                <a:solidFill>
+                  <a:schemeClr val="tx1"/>
+                </a:solidFill>
+                <a:latin typeface="+mn-lt"/>
+                <a:ea typeface="+mn-ea"/>
+                <a:cs typeface="+mn-cs"/>
+              </a:rPr>
+              <a:t>factorisation</a:t>
+            </a:r>
+            <a:r>
+              <a:rPr lang="en-US" sz="1200" kern="1200" baseline="0" dirty="0" smtClean="0">
+                <a:solidFill>
+                  <a:schemeClr val="tx1"/>
+                </a:solidFill>
+                <a:latin typeface="+mn-lt"/>
+                <a:ea typeface="+mn-ea"/>
+                <a:cs typeface="+mn-cs"/>
+              </a:rPr>
+              <a:t> of </a:t>
+            </a:r>
+            <a:r>
+              <a:rPr lang="en-US" sz="1200" kern="1200" dirty="0" err="1" smtClean="0">
+                <a:solidFill>
+                  <a:schemeClr val="tx1"/>
+                </a:solidFill>
+                <a:latin typeface="+mn-lt"/>
+                <a:ea typeface="+mn-ea"/>
+                <a:cs typeface="+mn-cs"/>
+              </a:rPr>
+              <a:t>sum_x</a:t>
+            </a:r>
+            <a:r>
+              <a:rPr lang="en-US" sz="1200" kern="1200" dirty="0" smtClean="0">
+                <a:solidFill>
+                  <a:schemeClr val="tx1"/>
+                </a:solidFill>
+                <a:latin typeface="+mn-lt"/>
+                <a:ea typeface="+mn-ea"/>
+                <a:cs typeface="+mn-cs"/>
+              </a:rPr>
+              <a:t> </a:t>
+            </a:r>
+            <a:r>
+              <a:rPr lang="en-US" sz="1200" kern="1200" dirty="0" err="1" smtClean="0">
+                <a:solidFill>
+                  <a:schemeClr val="tx1"/>
+                </a:solidFill>
+                <a:latin typeface="+mn-lt"/>
+                <a:ea typeface="+mn-ea"/>
+                <a:cs typeface="+mn-cs"/>
+              </a:rPr>
+              <a:t>sum_y</a:t>
+            </a:r>
+            <a:r>
+              <a:rPr lang="en-US" sz="1200" kern="1200" baseline="0" dirty="0" smtClean="0">
+                <a:solidFill>
+                  <a:schemeClr val="tx1"/>
+                </a:solidFill>
+                <a:latin typeface="+mn-lt"/>
+                <a:ea typeface="+mn-ea"/>
+                <a:cs typeface="+mn-cs"/>
+              </a:rPr>
+              <a:t> </a:t>
+            </a:r>
+            <a:r>
+              <a:rPr lang="en-US" sz="1200" kern="1200" baseline="0" dirty="0" err="1" smtClean="0">
+                <a:solidFill>
+                  <a:schemeClr val="tx1"/>
+                </a:solidFill>
+                <a:latin typeface="+mn-lt"/>
+                <a:ea typeface="+mn-ea"/>
+                <a:cs typeface="+mn-cs"/>
+              </a:rPr>
+              <a:t>sum_z</a:t>
+            </a:r>
+            <a:r>
+              <a:rPr lang="en-US" sz="1200" kern="1200" baseline="0" dirty="0" smtClean="0">
+                <a:solidFill>
+                  <a:schemeClr val="tx1"/>
+                </a:solidFill>
+                <a:latin typeface="+mn-lt"/>
+                <a:ea typeface="+mn-ea"/>
+                <a:cs typeface="+mn-cs"/>
+              </a:rPr>
+              <a:t> f(x) g(y) h(z) </a:t>
+            </a:r>
+          </a:p>
+          <a:p>
+            <a:endParaRPr lang="en-US" sz="1200" kern="1200" baseline="0" dirty="0" smtClean="0">
+              <a:solidFill>
+                <a:schemeClr val="tx1"/>
+              </a:solidFill>
+              <a:latin typeface="+mn-lt"/>
+              <a:ea typeface="+mn-ea"/>
+              <a:cs typeface="+mn-cs"/>
+            </a:endParaRPr>
+          </a:p>
+          <a:p>
+            <a:r>
+              <a:rPr lang="hr-HR" sz="1200" kern="1200" dirty="0" smtClean="0">
+                <a:solidFill>
+                  <a:schemeClr val="tx1"/>
+                </a:solidFill>
+                <a:latin typeface="+mn-lt"/>
+                <a:ea typeface="+mn-ea"/>
+                <a:cs typeface="+mn-cs"/>
+              </a:rPr>
+              <a:t>P(F| E) &amp;= \</a:t>
+            </a:r>
+            <a:r>
+              <a:rPr lang="hr-HR" sz="1200" kern="1200" dirty="0" err="1" smtClean="0">
+                <a:solidFill>
+                  <a:schemeClr val="tx1"/>
+                </a:solidFill>
+                <a:latin typeface="+mn-lt"/>
+                <a:ea typeface="+mn-ea"/>
+                <a:cs typeface="+mn-cs"/>
+              </a:rPr>
+              <a:t>sum_A</a:t>
+            </a:r>
+            <a:r>
+              <a:rPr lang="hr-HR" sz="1200" kern="1200" dirty="0" smtClean="0">
+                <a:solidFill>
+                  <a:schemeClr val="tx1"/>
+                </a:solidFill>
+                <a:latin typeface="+mn-lt"/>
+                <a:ea typeface="+mn-ea"/>
+                <a:cs typeface="+mn-cs"/>
+              </a:rPr>
+              <a:t> P(F,A|E) \\</a:t>
+            </a:r>
+          </a:p>
+          <a:p>
+            <a:r>
+              <a:rPr lang="de-DE" sz="1200" kern="1200" dirty="0" smtClean="0">
+                <a:solidFill>
+                  <a:schemeClr val="tx1"/>
+                </a:solidFill>
+                <a:latin typeface="+mn-lt"/>
+                <a:ea typeface="+mn-ea"/>
+                <a:cs typeface="+mn-cs"/>
+              </a:rPr>
+              <a:t>        &amp;= \</a:t>
+            </a:r>
+            <a:r>
+              <a:rPr lang="de-DE" sz="1200" kern="1200" dirty="0" err="1" smtClean="0">
+                <a:solidFill>
+                  <a:schemeClr val="tx1"/>
+                </a:solidFill>
+                <a:latin typeface="+mn-lt"/>
+                <a:ea typeface="+mn-ea"/>
+                <a:cs typeface="+mn-cs"/>
+              </a:rPr>
+              <a:t>sum</a:t>
+            </a:r>
+            <a:r>
+              <a:rPr lang="de-DE" sz="1200" kern="1200" dirty="0" smtClean="0">
+                <a:solidFill>
+                  <a:schemeClr val="tx1"/>
+                </a:solidFill>
+                <a:latin typeface="+mn-lt"/>
+                <a:ea typeface="+mn-ea"/>
+                <a:cs typeface="+mn-cs"/>
+              </a:rPr>
+              <a:t>_{a_1}</a:t>
+            </a:r>
+          </a:p>
+          <a:p>
+            <a:r>
+              <a:rPr lang="en-US" sz="1200" kern="1200" dirty="0" smtClean="0">
+                <a:solidFill>
+                  <a:schemeClr val="tx1"/>
+                </a:solidFill>
+                <a:latin typeface="+mn-lt"/>
+                <a:ea typeface="+mn-ea"/>
+                <a:cs typeface="+mn-cs"/>
+              </a:rPr>
+              <a:t>\sum_{a_2} \</a:t>
+            </a:r>
+            <a:r>
+              <a:rPr lang="en-US" sz="1200" kern="1200" dirty="0" err="1" smtClean="0">
+                <a:solidFill>
+                  <a:schemeClr val="tx1"/>
+                </a:solidFill>
+                <a:latin typeface="+mn-lt"/>
+                <a:ea typeface="+mn-ea"/>
+                <a:cs typeface="+mn-cs"/>
+              </a:rPr>
+              <a:t>cdots</a:t>
+            </a:r>
+            <a:r>
+              <a:rPr lang="en-US" sz="1200" kern="1200" dirty="0" smtClean="0">
+                <a:solidFill>
+                  <a:schemeClr val="tx1"/>
+                </a:solidFill>
+                <a:latin typeface="+mn-lt"/>
+                <a:ea typeface="+mn-ea"/>
+                <a:cs typeface="+mn-cs"/>
+              </a:rPr>
+              <a:t> \sum_{</a:t>
+            </a:r>
+            <a:r>
+              <a:rPr lang="en-US" sz="1200" kern="1200" dirty="0" err="1" smtClean="0">
+                <a:solidFill>
+                  <a:schemeClr val="tx1"/>
+                </a:solidFill>
+                <a:latin typeface="+mn-lt"/>
+                <a:ea typeface="+mn-ea"/>
+                <a:cs typeface="+mn-cs"/>
+              </a:rPr>
+              <a:t>a_J</a:t>
+            </a:r>
+            <a:r>
+              <a:rPr lang="en-US" sz="1200" kern="1200" dirty="0" smtClean="0">
+                <a:solidFill>
+                  <a:schemeClr val="tx1"/>
+                </a:solidFill>
+                <a:latin typeface="+mn-lt"/>
+                <a:ea typeface="+mn-ea"/>
+                <a:cs typeface="+mn-cs"/>
+              </a:rPr>
+              <a:t>} P(F, A|E) \\</a:t>
+            </a:r>
+          </a:p>
+          <a:p>
+            <a:r>
+              <a:rPr lang="de-DE" sz="1200" kern="1200" dirty="0" smtClean="0">
+                <a:solidFill>
+                  <a:schemeClr val="tx1"/>
+                </a:solidFill>
+                <a:latin typeface="+mn-lt"/>
+                <a:ea typeface="+mn-ea"/>
+                <a:cs typeface="+mn-cs"/>
+              </a:rPr>
+              <a:t>        &amp;= \</a:t>
+            </a:r>
+            <a:r>
+              <a:rPr lang="de-DE" sz="1200" kern="1200" dirty="0" err="1" smtClean="0">
+                <a:solidFill>
+                  <a:schemeClr val="tx1"/>
+                </a:solidFill>
+                <a:latin typeface="+mn-lt"/>
+                <a:ea typeface="+mn-ea"/>
+                <a:cs typeface="+mn-cs"/>
+              </a:rPr>
+              <a:t>sum</a:t>
+            </a:r>
+            <a:r>
+              <a:rPr lang="de-DE" sz="1200" kern="1200" dirty="0" smtClean="0">
+                <a:solidFill>
+                  <a:schemeClr val="tx1"/>
+                </a:solidFill>
+                <a:latin typeface="+mn-lt"/>
+                <a:ea typeface="+mn-ea"/>
+                <a:cs typeface="+mn-cs"/>
+              </a:rPr>
+              <a:t>_{a_1}</a:t>
+            </a:r>
+          </a:p>
+          <a:p>
+            <a:r>
+              <a:rPr lang="es-ES_tradnl" sz="1200" kern="1200" dirty="0" smtClean="0">
+                <a:solidFill>
+                  <a:schemeClr val="tx1"/>
+                </a:solidFill>
+                <a:latin typeface="+mn-lt"/>
+                <a:ea typeface="+mn-ea"/>
+                <a:cs typeface="+mn-cs"/>
+              </a:rPr>
+              <a:t>\sum_{a_2} \</a:t>
+            </a:r>
+            <a:r>
+              <a:rPr lang="es-ES_tradnl" sz="1200" kern="1200" dirty="0" err="1" smtClean="0">
+                <a:solidFill>
+                  <a:schemeClr val="tx1"/>
+                </a:solidFill>
+                <a:latin typeface="+mn-lt"/>
+                <a:ea typeface="+mn-ea"/>
+                <a:cs typeface="+mn-cs"/>
+              </a:rPr>
+              <a:t>cdots</a:t>
+            </a:r>
+            <a:r>
+              <a:rPr lang="es-ES_tradnl" sz="1200" kern="1200" dirty="0" smtClean="0">
+                <a:solidFill>
+                  <a:schemeClr val="tx1"/>
+                </a:solidFill>
+                <a:latin typeface="+mn-lt"/>
+                <a:ea typeface="+mn-ea"/>
+                <a:cs typeface="+mn-cs"/>
+              </a:rPr>
+              <a:t> \sum_{</a:t>
+            </a:r>
+            <a:r>
+              <a:rPr lang="es-ES_tradnl" sz="1200" kern="1200" dirty="0" err="1" smtClean="0">
+                <a:solidFill>
+                  <a:schemeClr val="tx1"/>
+                </a:solidFill>
+                <a:latin typeface="+mn-lt"/>
+                <a:ea typeface="+mn-ea"/>
+                <a:cs typeface="+mn-cs"/>
+              </a:rPr>
+              <a:t>a_J</a:t>
+            </a:r>
+            <a:r>
+              <a:rPr lang="es-ES_tradnl" sz="1200" kern="1200" dirty="0" smtClean="0">
+                <a:solidFill>
+                  <a:schemeClr val="tx1"/>
+                </a:solidFill>
+                <a:latin typeface="+mn-lt"/>
+                <a:ea typeface="+mn-ea"/>
+                <a:cs typeface="+mn-cs"/>
+              </a:rPr>
+              <a:t>} \frac{\</a:t>
+            </a:r>
+            <a:r>
+              <a:rPr lang="es-ES_tradnl" sz="1200" kern="1200" dirty="0" err="1" smtClean="0">
+                <a:solidFill>
+                  <a:schemeClr val="tx1"/>
+                </a:solidFill>
+                <a:latin typeface="+mn-lt"/>
+                <a:ea typeface="+mn-ea"/>
+                <a:cs typeface="+mn-cs"/>
+              </a:rPr>
+              <a:t>epsilon</a:t>
+            </a:r>
+            <a:r>
+              <a:rPr lang="es-ES_tradnl" sz="1200" kern="1200" dirty="0" smtClean="0">
+                <a:solidFill>
+                  <a:schemeClr val="tx1"/>
+                </a:solidFill>
+                <a:latin typeface="+mn-lt"/>
+                <a:ea typeface="+mn-ea"/>
+                <a:cs typeface="+mn-cs"/>
+              </a:rPr>
+              <a:t>}{(I+1)^J} \</a:t>
+            </a:r>
+            <a:r>
+              <a:rPr lang="es-ES_tradnl" sz="1200" kern="1200" dirty="0" err="1" smtClean="0">
+                <a:solidFill>
+                  <a:schemeClr val="tx1"/>
+                </a:solidFill>
+                <a:latin typeface="+mn-lt"/>
+                <a:ea typeface="+mn-ea"/>
+                <a:cs typeface="+mn-cs"/>
+              </a:rPr>
+              <a:t>prod</a:t>
+            </a:r>
+            <a:r>
+              <a:rPr lang="es-ES_tradnl" sz="1200" kern="1200" dirty="0" smtClean="0">
+                <a:solidFill>
+                  <a:schemeClr val="tx1"/>
+                </a:solidFill>
+                <a:latin typeface="+mn-lt"/>
+                <a:ea typeface="+mn-ea"/>
+                <a:cs typeface="+mn-cs"/>
+              </a:rPr>
+              <a:t>_{j=1}^{J} t(</a:t>
+            </a:r>
+            <a:r>
+              <a:rPr lang="es-ES_tradnl" sz="1200" kern="1200" dirty="0" err="1" smtClean="0">
+                <a:solidFill>
+                  <a:schemeClr val="tx1"/>
+                </a:solidFill>
+                <a:latin typeface="+mn-lt"/>
+                <a:ea typeface="+mn-ea"/>
+                <a:cs typeface="+mn-cs"/>
+              </a:rPr>
+              <a:t>f_j</a:t>
+            </a:r>
+            <a:r>
+              <a:rPr lang="es-ES_tradnl" sz="1200" kern="1200" dirty="0" smtClean="0">
+                <a:solidFill>
+                  <a:schemeClr val="tx1"/>
+                </a:solidFill>
+                <a:latin typeface="+mn-lt"/>
+                <a:ea typeface="+mn-ea"/>
+                <a:cs typeface="+mn-cs"/>
+              </a:rPr>
+              <a:t> | e_{</a:t>
+            </a:r>
+            <a:r>
+              <a:rPr lang="es-ES_tradnl" sz="1200" kern="1200" dirty="0" err="1" smtClean="0">
+                <a:solidFill>
+                  <a:schemeClr val="tx1"/>
+                </a:solidFill>
+                <a:latin typeface="+mn-lt"/>
+                <a:ea typeface="+mn-ea"/>
+                <a:cs typeface="+mn-cs"/>
+              </a:rPr>
+              <a:t>a_j</a:t>
+            </a:r>
+            <a:r>
+              <a:rPr lang="es-ES_tradnl" sz="1200" kern="1200" dirty="0" smtClean="0">
+                <a:solidFill>
+                  <a:schemeClr val="tx1"/>
+                </a:solidFill>
+                <a:latin typeface="+mn-lt"/>
+                <a:ea typeface="+mn-ea"/>
+                <a:cs typeface="+mn-cs"/>
+              </a:rPr>
+              <a:t>}) \\</a:t>
+            </a:r>
+          </a:p>
+          <a:p>
+            <a:r>
+              <a:rPr lang="de-DE" sz="1200" kern="1200" dirty="0" smtClean="0">
+                <a:solidFill>
+                  <a:schemeClr val="tx1"/>
+                </a:solidFill>
+                <a:latin typeface="+mn-lt"/>
+                <a:ea typeface="+mn-ea"/>
+                <a:cs typeface="+mn-cs"/>
+              </a:rPr>
+              <a:t>        &amp;= \</a:t>
+            </a:r>
+            <a:r>
+              <a:rPr lang="de-DE" sz="1200" kern="1200" dirty="0" err="1" smtClean="0">
+                <a:solidFill>
+                  <a:schemeClr val="tx1"/>
+                </a:solidFill>
+                <a:latin typeface="+mn-lt"/>
+                <a:ea typeface="+mn-ea"/>
+                <a:cs typeface="+mn-cs"/>
+              </a:rPr>
+              <a:t>frac</a:t>
+            </a:r>
+            <a:r>
+              <a:rPr lang="de-DE" sz="1200" kern="1200" dirty="0" smtClean="0">
+                <a:solidFill>
+                  <a:schemeClr val="tx1"/>
+                </a:solidFill>
+                <a:latin typeface="+mn-lt"/>
+                <a:ea typeface="+mn-ea"/>
+                <a:cs typeface="+mn-cs"/>
+              </a:rPr>
+              <a:t>{\</a:t>
+            </a:r>
+            <a:r>
+              <a:rPr lang="de-DE" sz="1200" kern="1200" dirty="0" err="1" smtClean="0">
+                <a:solidFill>
+                  <a:schemeClr val="tx1"/>
+                </a:solidFill>
+                <a:latin typeface="+mn-lt"/>
+                <a:ea typeface="+mn-ea"/>
+                <a:cs typeface="+mn-cs"/>
+              </a:rPr>
+              <a:t>epsilon</a:t>
+            </a:r>
+            <a:r>
+              <a:rPr lang="de-DE" sz="1200" kern="1200" dirty="0" smtClean="0">
+                <a:solidFill>
+                  <a:schemeClr val="tx1"/>
+                </a:solidFill>
+                <a:latin typeface="+mn-lt"/>
+                <a:ea typeface="+mn-ea"/>
+                <a:cs typeface="+mn-cs"/>
+              </a:rPr>
+              <a:t>}{(I+1)^J} \</a:t>
+            </a:r>
+            <a:r>
+              <a:rPr lang="de-DE" sz="1200" kern="1200" dirty="0" err="1" smtClean="0">
+                <a:solidFill>
+                  <a:schemeClr val="tx1"/>
+                </a:solidFill>
+                <a:latin typeface="+mn-lt"/>
+                <a:ea typeface="+mn-ea"/>
+                <a:cs typeface="+mn-cs"/>
+              </a:rPr>
+              <a:t>sum</a:t>
+            </a:r>
+            <a:r>
+              <a:rPr lang="de-DE" sz="1200" kern="1200" dirty="0" smtClean="0">
+                <a:solidFill>
+                  <a:schemeClr val="tx1"/>
+                </a:solidFill>
+                <a:latin typeface="+mn-lt"/>
+                <a:ea typeface="+mn-ea"/>
+                <a:cs typeface="+mn-cs"/>
+              </a:rPr>
+              <a:t>_{a_1}</a:t>
+            </a:r>
+          </a:p>
+          <a:p>
+            <a:r>
+              <a:rPr lang="es-ES_tradnl" sz="1200" kern="1200" dirty="0" smtClean="0">
+                <a:solidFill>
+                  <a:schemeClr val="tx1"/>
+                </a:solidFill>
+                <a:latin typeface="+mn-lt"/>
+                <a:ea typeface="+mn-ea"/>
+                <a:cs typeface="+mn-cs"/>
+              </a:rPr>
+              <a:t>\sum_{a_2} \</a:t>
+            </a:r>
+            <a:r>
+              <a:rPr lang="es-ES_tradnl" sz="1200" kern="1200" dirty="0" err="1" smtClean="0">
+                <a:solidFill>
+                  <a:schemeClr val="tx1"/>
+                </a:solidFill>
+                <a:latin typeface="+mn-lt"/>
+                <a:ea typeface="+mn-ea"/>
+                <a:cs typeface="+mn-cs"/>
+              </a:rPr>
+              <a:t>cdots</a:t>
+            </a:r>
+            <a:r>
+              <a:rPr lang="es-ES_tradnl" sz="1200" kern="1200" dirty="0" smtClean="0">
+                <a:solidFill>
+                  <a:schemeClr val="tx1"/>
+                </a:solidFill>
+                <a:latin typeface="+mn-lt"/>
+                <a:ea typeface="+mn-ea"/>
+                <a:cs typeface="+mn-cs"/>
+              </a:rPr>
+              <a:t> \sum_{</a:t>
+            </a:r>
+            <a:r>
+              <a:rPr lang="es-ES_tradnl" sz="1200" kern="1200" dirty="0" err="1" smtClean="0">
+                <a:solidFill>
+                  <a:schemeClr val="tx1"/>
+                </a:solidFill>
+                <a:latin typeface="+mn-lt"/>
+                <a:ea typeface="+mn-ea"/>
+                <a:cs typeface="+mn-cs"/>
+              </a:rPr>
+              <a:t>a_J</a:t>
+            </a:r>
+            <a:r>
+              <a:rPr lang="es-ES_tradnl" sz="1200" kern="1200" dirty="0" smtClean="0">
+                <a:solidFill>
+                  <a:schemeClr val="tx1"/>
+                </a:solidFill>
+                <a:latin typeface="+mn-lt"/>
+                <a:ea typeface="+mn-ea"/>
+                <a:cs typeface="+mn-cs"/>
+              </a:rPr>
+              <a:t>} \</a:t>
+            </a:r>
+            <a:r>
+              <a:rPr lang="es-ES_tradnl" sz="1200" kern="1200" dirty="0" err="1" smtClean="0">
+                <a:solidFill>
+                  <a:schemeClr val="tx1"/>
+                </a:solidFill>
+                <a:latin typeface="+mn-lt"/>
+                <a:ea typeface="+mn-ea"/>
+                <a:cs typeface="+mn-cs"/>
+              </a:rPr>
+              <a:t>prod</a:t>
+            </a:r>
+            <a:r>
+              <a:rPr lang="es-ES_tradnl" sz="1200" kern="1200" dirty="0" smtClean="0">
+                <a:solidFill>
+                  <a:schemeClr val="tx1"/>
+                </a:solidFill>
+                <a:latin typeface="+mn-lt"/>
+                <a:ea typeface="+mn-ea"/>
+                <a:cs typeface="+mn-cs"/>
+              </a:rPr>
+              <a:t>_{j=1</a:t>
+            </a:r>
+            <a:r>
+              <a:rPr lang="es-ES_tradnl" sz="1200" kern="1200" dirty="0" smtClean="0">
+                <a:solidFill>
+                  <a:schemeClr val="tx1"/>
+                </a:solidFill>
+                <a:latin typeface="+mn-lt"/>
+                <a:ea typeface="+mn-ea"/>
+                <a:cs typeface="+mn-cs"/>
+              </a:rPr>
+              <a:t>}^{J} </a:t>
+            </a:r>
+            <a:r>
+              <a:rPr lang="es-ES_tradnl" sz="1200" kern="1200" dirty="0" smtClean="0">
+                <a:solidFill>
+                  <a:schemeClr val="tx1"/>
+                </a:solidFill>
+                <a:latin typeface="+mn-lt"/>
+                <a:ea typeface="+mn-ea"/>
+                <a:cs typeface="+mn-cs"/>
+              </a:rPr>
+              <a:t>t(</a:t>
+            </a:r>
+            <a:r>
+              <a:rPr lang="es-ES_tradnl" sz="1200" kern="1200" dirty="0" err="1" smtClean="0">
+                <a:solidFill>
+                  <a:schemeClr val="tx1"/>
+                </a:solidFill>
+                <a:latin typeface="+mn-lt"/>
+                <a:ea typeface="+mn-ea"/>
+                <a:cs typeface="+mn-cs"/>
+              </a:rPr>
+              <a:t>f_j</a:t>
+            </a:r>
+            <a:r>
+              <a:rPr lang="es-ES_tradnl" sz="1200" kern="1200" dirty="0" smtClean="0">
+                <a:solidFill>
+                  <a:schemeClr val="tx1"/>
+                </a:solidFill>
+                <a:latin typeface="+mn-lt"/>
+                <a:ea typeface="+mn-ea"/>
+                <a:cs typeface="+mn-cs"/>
+              </a:rPr>
+              <a:t> | e_{</a:t>
+            </a:r>
+            <a:r>
+              <a:rPr lang="es-ES_tradnl" sz="1200" kern="1200" dirty="0" err="1" smtClean="0">
+                <a:solidFill>
+                  <a:schemeClr val="tx1"/>
+                </a:solidFill>
+                <a:latin typeface="+mn-lt"/>
+                <a:ea typeface="+mn-ea"/>
+                <a:cs typeface="+mn-cs"/>
+              </a:rPr>
+              <a:t>a_j</a:t>
+            </a:r>
+            <a:r>
+              <a:rPr lang="es-ES_tradnl" sz="1200" kern="1200" dirty="0" smtClean="0">
+                <a:solidFill>
+                  <a:schemeClr val="tx1"/>
+                </a:solidFill>
+                <a:latin typeface="+mn-lt"/>
+                <a:ea typeface="+mn-ea"/>
+                <a:cs typeface="+mn-cs"/>
+              </a:rPr>
+              <a:t>}) \\</a:t>
+            </a:r>
+          </a:p>
+          <a:p>
+            <a:r>
+              <a:rPr lang="es-ES_tradnl" sz="1200" kern="1200" dirty="0" smtClean="0">
+                <a:solidFill>
+                  <a:schemeClr val="tx1"/>
+                </a:solidFill>
+                <a:latin typeface="+mn-lt"/>
+                <a:ea typeface="+mn-ea"/>
+                <a:cs typeface="+mn-cs"/>
+              </a:rPr>
+              <a:t>        &amp;= \frac{\</a:t>
+            </a:r>
+            <a:r>
+              <a:rPr lang="es-ES_tradnl" sz="1200" kern="1200" dirty="0" err="1" smtClean="0">
+                <a:solidFill>
+                  <a:schemeClr val="tx1"/>
+                </a:solidFill>
+                <a:latin typeface="+mn-lt"/>
+                <a:ea typeface="+mn-ea"/>
+                <a:cs typeface="+mn-cs"/>
+              </a:rPr>
+              <a:t>epsilon</a:t>
+            </a:r>
+            <a:r>
+              <a:rPr lang="es-ES_tradnl" sz="1200" kern="1200" dirty="0" smtClean="0">
+                <a:solidFill>
+                  <a:schemeClr val="tx1"/>
+                </a:solidFill>
+                <a:latin typeface="+mn-lt"/>
+                <a:ea typeface="+mn-ea"/>
+                <a:cs typeface="+mn-cs"/>
+              </a:rPr>
+              <a:t>}{(I+1)^J} \</a:t>
+            </a:r>
+            <a:r>
+              <a:rPr lang="es-ES_tradnl" sz="1200" kern="1200" dirty="0" err="1" smtClean="0">
+                <a:solidFill>
+                  <a:schemeClr val="tx1"/>
+                </a:solidFill>
+                <a:latin typeface="+mn-lt"/>
+                <a:ea typeface="+mn-ea"/>
+                <a:cs typeface="+mn-cs"/>
+              </a:rPr>
+              <a:t>prod</a:t>
+            </a:r>
+            <a:r>
+              <a:rPr lang="es-ES_tradnl" sz="1200" kern="1200" dirty="0" smtClean="0">
+                <a:solidFill>
+                  <a:schemeClr val="tx1"/>
+                </a:solidFill>
+                <a:latin typeface="+mn-lt"/>
+                <a:ea typeface="+mn-ea"/>
+                <a:cs typeface="+mn-cs"/>
+              </a:rPr>
+              <a:t>_{j=1}^{J} \sum_{</a:t>
+            </a:r>
+            <a:r>
+              <a:rPr lang="es-ES_tradnl" sz="1200" kern="1200" dirty="0" err="1" smtClean="0">
+                <a:solidFill>
+                  <a:schemeClr val="tx1"/>
+                </a:solidFill>
+                <a:latin typeface="+mn-lt"/>
+                <a:ea typeface="+mn-ea"/>
+                <a:cs typeface="+mn-cs"/>
+              </a:rPr>
+              <a:t>a_j</a:t>
+            </a:r>
+            <a:r>
+              <a:rPr lang="es-ES_tradnl" sz="1200" kern="1200" dirty="0" smtClean="0">
+                <a:solidFill>
+                  <a:schemeClr val="tx1"/>
+                </a:solidFill>
+                <a:latin typeface="+mn-lt"/>
+                <a:ea typeface="+mn-ea"/>
+                <a:cs typeface="+mn-cs"/>
+              </a:rPr>
+              <a:t>} t(</a:t>
+            </a:r>
+            <a:r>
+              <a:rPr lang="es-ES_tradnl" sz="1200" kern="1200" dirty="0" err="1" smtClean="0">
+                <a:solidFill>
+                  <a:schemeClr val="tx1"/>
+                </a:solidFill>
+                <a:latin typeface="+mn-lt"/>
+                <a:ea typeface="+mn-ea"/>
+                <a:cs typeface="+mn-cs"/>
+              </a:rPr>
+              <a:t>f_j</a:t>
+            </a:r>
+            <a:r>
+              <a:rPr lang="es-ES_tradnl" sz="1200" kern="1200" dirty="0" smtClean="0">
+                <a:solidFill>
+                  <a:schemeClr val="tx1"/>
+                </a:solidFill>
+                <a:latin typeface="+mn-lt"/>
+                <a:ea typeface="+mn-ea"/>
+                <a:cs typeface="+mn-cs"/>
+              </a:rPr>
+              <a:t> | e_{</a:t>
+            </a:r>
+            <a:r>
+              <a:rPr lang="es-ES_tradnl" sz="1200" kern="1200" dirty="0" err="1" smtClean="0">
+                <a:solidFill>
+                  <a:schemeClr val="tx1"/>
+                </a:solidFill>
+                <a:latin typeface="+mn-lt"/>
+                <a:ea typeface="+mn-ea"/>
+                <a:cs typeface="+mn-cs"/>
+              </a:rPr>
+              <a:t>a_j</a:t>
+            </a:r>
+            <a:r>
+              <a:rPr lang="es-ES_tradnl" sz="1200" kern="1200" dirty="0" smtClean="0">
+                <a:solidFill>
+                  <a:schemeClr val="tx1"/>
+                </a:solidFill>
+                <a:latin typeface="+mn-lt"/>
+                <a:ea typeface="+mn-ea"/>
+                <a:cs typeface="+mn-cs"/>
+              </a:rPr>
+              <a:t>})</a:t>
+            </a:r>
+          </a:p>
+          <a:p>
+            <a:endParaRPr lang="en-US" sz="1200" kern="1200" dirty="0" smtClean="0">
+              <a:solidFill>
+                <a:schemeClr val="tx1"/>
+              </a:solidFill>
+              <a:latin typeface="+mn-lt"/>
+              <a:ea typeface="+mn-ea"/>
+              <a:cs typeface="+mn-cs"/>
+            </a:endParaRPr>
+          </a:p>
+        </p:txBody>
+      </p:sp>
+      <p:sp>
+        <p:nvSpPr>
+          <p:cNvPr id="4" name="Slide Number Placeholder 3"/>
+          <p:cNvSpPr>
+            <a:spLocks noGrp="1"/>
+          </p:cNvSpPr>
+          <p:nvPr>
+            <p:ph type="sldNum" sz="quarter" idx="10"/>
+          </p:nvPr>
+        </p:nvSpPr>
+        <p:spPr/>
+        <p:txBody>
+          <a:bodyPr/>
+          <a:lstStyle/>
+          <a:p>
+            <a:fld id="{EB142DFD-E891-9644-AE8A-31EC826A325E}" type="slidenum">
+              <a:rPr lang="en-US" smtClean="0"/>
+              <a:t>21</a:t>
+            </a:fld>
+            <a:endParaRPr lang="en-US"/>
+          </a:p>
+        </p:txBody>
+      </p:sp>
+    </p:spTree>
+    <p:extLst>
+      <p:ext uri="{BB962C8B-B14F-4D97-AF65-F5344CB8AC3E}">
+        <p14:creationId xmlns:p14="http://schemas.microsoft.com/office/powerpoint/2010/main" val="940933738"/>
+      </p:ext>
+    </p:extLst>
+  </p:cSld>
+  <p:clrMapOvr>
+    <a:masterClrMapping/>
+  </p:clrMapOvr>
+</p:notes>
+</file>
+
+<file path=ppt/notesSlides/notesSlide15.xml><?xml version="1.0" encoding="utf-8"?>
+<p:notes xmlns:a="http://schemas.openxmlformats.org/drawingml/2006/main" xmlns:r="http://schemas.openxmlformats.org/officeDocument/2006/relationships" xmlns:p="http://schemas.openxmlformats.org/presentationml/2006/main">
+  <p:cSld>
+    <p:spTree>
+      <p:nvGrpSpPr>
+        <p:cNvPr id="1" name=""/>
+        <p:cNvGrpSpPr/>
+        <p:nvPr/>
+      </p:nvGrpSpPr>
+      <p:grpSpPr>
+        <a:xfrm>
+          <a:off x="0" y="0"/>
+          <a:ext cx="0" cy="0"/>
+          <a:chOff x="0" y="0"/>
+          <a:chExt cx="0" cy="0"/>
+        </a:xfrm>
+      </p:grpSpPr>
+      <p:sp>
+        <p:nvSpPr>
+          <p:cNvPr id="2" name="Slide Image Placeholder 1"/>
+          <p:cNvSpPr>
+            <a:spLocks noGrp="1" noRot="1" noChangeAspect="1"/>
+          </p:cNvSpPr>
+          <p:nvPr>
+            <p:ph type="sldImg"/>
+          </p:nvPr>
+        </p:nvSpPr>
+        <p:spPr>
+          <a:xfrm>
+            <a:off x="1371600" y="1143000"/>
+            <a:ext cx="4114800" cy="3086100"/>
+          </a:xfrm>
+        </p:spPr>
+      </p:sp>
+      <p:sp>
+        <p:nvSpPr>
+          <p:cNvPr id="3" name="Notes Placeholder 2"/>
+          <p:cNvSpPr>
+            <a:spLocks noGrp="1"/>
+          </p:cNvSpPr>
+          <p:nvPr>
+            <p:ph type="body" idx="1"/>
+          </p:nvPr>
+        </p:nvSpPr>
+        <p:spPr/>
+        <p:txBody>
+          <a:bodyPr/>
+          <a:lstStyle/>
+          <a:p>
+            <a:r>
+              <a:rPr lang="en-US" sz="1200" kern="1200" dirty="0" smtClean="0">
+                <a:solidFill>
+                  <a:schemeClr val="tx1"/>
+                </a:solidFill>
+                <a:latin typeface="+mn-lt"/>
+                <a:ea typeface="+mn-ea"/>
+                <a:cs typeface="+mn-cs"/>
+              </a:rPr>
               <a:t>P(A | E, F) &amp;= \</a:t>
             </a:r>
             <a:r>
@@ -2605,7 +2711,7 @@
 </p:notes>
 </file>
 
-<file path=ppt/notesSlides/notesSlide15.xml><?xml version="1.0" encoding="utf-8"?>
+<file path=ppt/notesSlides/notesSlide16.xml><?xml version="1.0" encoding="utf-8"?>
 <p:notes xmlns:a="http://schemas.openxmlformats.org/drawingml/2006/main" xmlns:r="http://schemas.openxmlformats.org/officeDocument/2006/relationships" xmlns:p="http://schemas.openxmlformats.org/presentationml/2006/main">
   <p:cSld>
     <p:bg>
@@ -2658,7 +2764,7 @@
           </a:ln>
           <a:extLst>
             <a:ext uri="{AF507438-7753-43e0-B8FC-AC1667EBCBE1}">
-              <a14:hiddenEffects xmlns:a14="http://schemas.microsoft.com/office/drawing/2010/main" xmlns="">
+              <a14:hiddenEffects xmlns="" xmlns:a14="http://schemas.microsoft.com/office/drawing/2010/main">
                 <a:effectLst>
                   <a:outerShdw blurRad="63500" dist="38099" dir="2700000" algn="ctr" rotWithShape="0">
                     <a:srgbClr val="000000">
@@ -2689,7 +2795,7 @@
           <a:ln/>
           <a:extLst>
             <a:ext uri="{AF507438-7753-43e0-B8FC-AC1667EBCBE1}">
-              <a14:hiddenEffects xmlns:a14="http://schemas.microsoft.com/office/drawing/2010/main" xmlns="">
+              <a14:hiddenEffects xmlns="" xmlns:a14="http://schemas.microsoft.com/office/drawing/2010/main">
                 <a:effectLst>
                   <a:outerShdw blurRad="63500" dist="38099" dir="2700000" algn="ctr" rotWithShape="0">
                     <a:srgbClr val="000000">
@@ -2788,7 +2894,7 @@
 </p:notes>
 </file>
 
-<file path=ppt/notesSlides/notesSlide16.xml><?xml version="1.0" encoding="utf-8"?>
+<file path=ppt/notesSlides/notesSlide17.xml><?xml version="1.0" encoding="utf-8"?>
 <p:notes xmlns:a="http://schemas.openxmlformats.org/drawingml/2006/main" xmlns:r="http://schemas.openxmlformats.org/officeDocument/2006/relationships" xmlns:p="http://schemas.openxmlformats.org/presentationml/2006/main">
   <p:cSld>
     <p:bg>
@@ -2841,7 +2947,7 @@
           </a:ln>
           <a:extLst>
             <a:ext uri="{AF507438-7753-43e0-B8FC-AC1667EBCBE1}">
-              <a14:hiddenEffects xmlns:a14="http://schemas.microsoft.com/office/drawing/2010/main" xmlns="">
+              <a14:hiddenEffects xmlns="" xmlns:a14="http://schemas.microsoft.com/office/drawing/2010/main">
                 <a:effectLst>
                   <a:outerShdw blurRad="63500" dist="38099" dir="2700000" algn="ctr" rotWithShape="0">
                     <a:srgbClr val="000000">
@@ -2872,7 +2978,7 @@
           <a:ln/>
           <a:extLst>
             <a:ext uri="{AF507438-7753-43e0-B8FC-AC1667EBCBE1}">
-              <a14:hiddenEffects xmlns:a14="http://schemas.microsoft.com/office/drawing/2010/main" xmlns="">
+              <a14:hiddenEffects xmlns="" xmlns:a14="http://schemas.microsoft.com/office/drawing/2010/main">
                 <a:effectLst>
                   <a:outerShdw blurRad="63500" dist="38099" dir="2700000" algn="ctr" rotWithShape="0">
                     <a:srgbClr val="000000">
@@ -2901,149 +3007,6 @@
     <p:extLst>
       <p:ext uri="{BB962C8B-B14F-4D97-AF65-F5344CB8AC3E}">
         <p14:creationId xmlns:p14="http://schemas.microsoft.com/office/powerpoint/2010/main" val="474921750"/>
-      </p:ext>
-    </p:extLst>
-  </p:cSld>
-  <p:clrMapOvr>
-    <a:masterClrMapping/>
-  </p:clrMapOvr>
-</p:notes>
-</file>
-
-<file path=ppt/notesSlides/notesSlide17.xml><?xml version="1.0" encoding="utf-8"?>
-<p:notes xmlns:a="http://schemas.openxmlformats.org/drawingml/2006/main" xmlns:r="http://schemas.openxmlformats.org/officeDocument/2006/relationships" xmlns:p="http://schemas.openxmlformats.org/presentationml/2006/main">
-  <p:cSld>
-    <p:spTree>
-      <p:nvGrpSpPr>
-        <p:cNvPr id="1" name=""/>
-        <p:cNvGrpSpPr/>
-        <p:nvPr/>
-      </p:nvGrpSpPr>
-      <p:grpSpPr>
-        <a:xfrm>
-          <a:off x="0" y="0"/>
-          <a:ext cx="0" cy="0"/>
-          <a:chOff x="0" y="0"/>
-          <a:chExt cx="0" cy="0"/>
-        </a:xfrm>
-      </p:grpSpPr>
-      <p:sp>
-        <p:nvSpPr>
-          <p:cNvPr id="2" name="Slide Image Placeholder 1"/>
-          <p:cNvSpPr>
-            <a:spLocks noGrp="1" noRot="1" noChangeAspect="1"/>
-          </p:cNvSpPr>
-          <p:nvPr>
-            <p:ph type="sldImg"/>
-          </p:nvPr>
-        </p:nvSpPr>
-        <p:spPr>
-          <a:xfrm>
-            <a:off x="1371600" y="1143000"/>
-            <a:ext cx="4114800" cy="3086100"/>
-          </a:xfrm>
-        </p:spPr>
-      </p:sp>
-      <p:sp>
-        <p:nvSpPr>
-          <p:cNvPr id="3" name="Notes Placeholder 2"/>
-          <p:cNvSpPr>
-            <a:spLocks noGrp="1"/>
-          </p:cNvSpPr>
-          <p:nvPr>
-            <p:ph type="body" idx="1"/>
-          </p:nvPr>
-        </p:nvSpPr>
-        <p:spPr/>
-        <p:txBody>
-          <a:bodyPr/>
-          <a:lstStyle/>
-          <a:p>
-            <a:r>
-              <a:rPr lang="en-US" sz="1200" kern="1200" dirty="0" smtClean="0">
-                <a:solidFill>
-                  <a:schemeClr val="tx1"/>
-                </a:solidFill>
-                <a:latin typeface="+mn-lt"/>
-                <a:ea typeface="+mn-ea"/>
-                <a:cs typeface="+mn-cs"/>
-              </a:rPr>
-              <a:t>P(A) &amp;= P(a_1) P(a_2 | a_1) P(a_3 | a_2) \</a:t>
-            </a:r>
-            <a:r>
-              <a:rPr lang="en-US" sz="1200" kern="1200" dirty="0" err="1" smtClean="0">
-                <a:solidFill>
-                  <a:schemeClr val="tx1"/>
-                </a:solidFill>
-                <a:latin typeface="+mn-lt"/>
-                <a:ea typeface="+mn-ea"/>
-                <a:cs typeface="+mn-cs"/>
-              </a:rPr>
-              <a:t>ldots</a:t>
-            </a:r>
-            <a:r>
-              <a:rPr lang="en-US" sz="1200" kern="1200" dirty="0" smtClean="0">
-                <a:solidFill>
-                  <a:schemeClr val="tx1"/>
-                </a:solidFill>
-                <a:latin typeface="+mn-lt"/>
-                <a:ea typeface="+mn-ea"/>
-                <a:cs typeface="+mn-cs"/>
-              </a:rPr>
-              <a:t> P(</a:t>
-            </a:r>
-            <a:r>
-              <a:rPr lang="en-US" sz="1200" kern="1200" dirty="0" err="1" smtClean="0">
-                <a:solidFill>
-                  <a:schemeClr val="tx1"/>
-                </a:solidFill>
-                <a:latin typeface="+mn-lt"/>
-                <a:ea typeface="+mn-ea"/>
-                <a:cs typeface="+mn-cs"/>
-              </a:rPr>
-              <a:t>a_l</a:t>
-            </a:r>
-            <a:r>
-              <a:rPr lang="en-US" sz="1200" kern="1200" dirty="0" smtClean="0">
-                <a:solidFill>
-                  <a:schemeClr val="tx1"/>
-                </a:solidFill>
-                <a:latin typeface="+mn-lt"/>
-                <a:ea typeface="+mn-ea"/>
-                <a:cs typeface="+mn-cs"/>
-              </a:rPr>
-              <a:t> | a_{l-1})</a:t>
-            </a:r>
-          </a:p>
-        </p:txBody>
-      </p:sp>
-      <p:sp>
-        <p:nvSpPr>
-          <p:cNvPr id="4" name="Slide Number Placeholder 3"/>
-          <p:cNvSpPr>
-            <a:spLocks noGrp="1"/>
-          </p:cNvSpPr>
-          <p:nvPr>
-            <p:ph type="sldNum" sz="quarter" idx="10"/>
-          </p:nvPr>
-        </p:nvSpPr>
-        <p:spPr/>
-        <p:txBody>
-          <a:bodyPr/>
-          <a:lstStyle/>
-          <a:p>
-            <a:fld id="{EB142DFD-E891-9644-AE8A-31EC826A325E}" type="slidenum">
-              <a:rPr lang="en-US" smtClean="0"/>
-              <a:t>27</a:t>
-            </a:fld>
-            <a:endParaRPr lang="en-US"/>
-          </a:p>
-        </p:txBody>
-      </p:sp>
-    </p:spTree>
-    <p:extLst>
-      <p:ext uri="{BB962C8B-B14F-4D97-AF65-F5344CB8AC3E}">
-        <p14:creationId xmlns:p14="http://schemas.microsoft.com/office/powerpoint/2010/main" val="1856354880"/>
       </p:ext>
     </p:extLst>
   </p:cSld>
@@ -3102,23 +3065,6 @@
           <a:bodyPr/>
           <a:lstStyle/>
           <a:p>
-            <a:pPr marL="0" marR="0" indent="0" algn="l" defTabSz="914400" rtl="0" eaLnBrk="1" fontAlgn="auto" latinLnBrk="0" hangingPunct="1">
-              <a:lnSpc>
-                <a:spcPct val="100000"/>
-              </a:lnSpc>
-              <a:spcBef>
-                <a:spcPts val="0"/>
-              </a:spcBef>
-              <a:spcAft>
-                <a:spcPts val="0"/>
-              </a:spcAft>
-              <a:buClrTx/>
-              <a:buSzTx/>
-              <a:buFontTx/>
-              <a:buNone/>
-              <a:tabLst/>
-              <a:defRPr/>
-            </a:pPr>
             <a:r>
               <a:rPr lang="en-US" sz="1200" kern="1200" dirty="0" smtClean="0">
                 <a:solidFill>
@@ -3128,10 +3074,10 @@
                 <a:ea typeface="+mn-ea"/>
                 <a:cs typeface="+mn-cs"/>
               </a:rPr>
-              <a:t>P(F, A | E) &amp;= P(J|I)</a:t>
-            </a:r>
-            <a:r>
-              <a:rPr lang="en-US" sz="1200" kern="1200" baseline="0" dirty="0" smtClean="0">
+              <a:t>P(A) &amp;= P(a_1) P(a_2 | a_1) P(a_3 | a_2) \</a:t>
+            </a:r>
+            <a:r>
+              <a:rPr lang="en-US" sz="1200" kern="1200" dirty="0" err="1" smtClean="0">
                 <a:solidFill>
                   <a:schemeClr val="tx1"/>
                 </a:solidFill>
@@ -3139,7 +3085,7 @@
                 <a:ea typeface="+mn-ea"/>
                 <a:cs typeface="+mn-cs"/>
               </a:rPr>
-              <a:t> </a:t>
+              <a:t>ldots</a:t>
             </a:r>
             <a:r>
               <a:rPr lang="en-US" sz="1200" kern="1200" dirty="0" smtClean="0">
@@ -3150,7 +3096,7 @@
                 <a:ea typeface="+mn-ea"/>
                 <a:cs typeface="+mn-cs"/>
               </a:rPr>
-              <a:t>\times \</a:t>
+              <a:t> P(</a:t>
             </a:r>
             <a:r>
               <a:rPr lang="en-US" sz="1200" kern="1200" dirty="0" err="1" smtClean="0">
@@ -3161,7 +3107,7 @@
                 <a:ea typeface="+mn-ea"/>
                 <a:cs typeface="+mn-cs"/>
               </a:rPr>
-              <a:t>prod_j</a:t>
+              <a:t>a_l</a:t>
             </a:r>
             <a:r>
               <a:rPr lang="en-US" sz="1200" kern="1200" dirty="0" smtClean="0">
@@ -3172,78 +3118,8 @@
                 <a:ea typeface="+mn-ea"/>
                 <a:cs typeface="+mn-cs"/>
               </a:rPr>
-              <a:t> P(</a:t>
-            </a:r>
-            <a:r>
-              <a:rPr lang="en-US" sz="1200" kern="1200" dirty="0" err="1" smtClean="0">
-                <a:solidFill>
-                  <a:schemeClr val="tx1"/>
-                </a:solidFill>
-                <a:latin typeface="+mn-lt"/>
-                <a:ea typeface="+mn-ea"/>
-                <a:cs typeface="+mn-cs"/>
-              </a:rPr>
-              <a:t>a_j</a:t>
-            </a:r>
-            <a:r>
-              <a:rPr lang="en-US" sz="1200" kern="1200" dirty="0" smtClean="0">
-                <a:solidFill>
-                  <a:schemeClr val="tx1"/>
-                </a:solidFill>
-                <a:latin typeface="+mn-lt"/>
-                <a:ea typeface="+mn-ea"/>
-                <a:cs typeface="+mn-cs"/>
-              </a:rPr>
-              <a:t> | a_{j-1}, I) P(</a:t>
-            </a:r>
-            <a:r>
-              <a:rPr lang="en-US" sz="1200" kern="1200" dirty="0" err="1" smtClean="0">
-                <a:solidFill>
-                  <a:schemeClr val="tx1"/>
-                </a:solidFill>
-                <a:latin typeface="+mn-lt"/>
-                <a:ea typeface="+mn-ea"/>
-                <a:cs typeface="+mn-cs"/>
-              </a:rPr>
-              <a:t>f_j</a:t>
-            </a:r>
-            <a:r>
-              <a:rPr lang="en-US" sz="1200" kern="1200" dirty="0" smtClean="0">
-                <a:solidFill>
-                  <a:schemeClr val="tx1"/>
-                </a:solidFill>
-                <a:latin typeface="+mn-lt"/>
-                <a:ea typeface="+mn-ea"/>
-                <a:cs typeface="+mn-cs"/>
-              </a:rPr>
-              <a:t> | e_{</a:t>
-            </a:r>
-            <a:r>
-              <a:rPr lang="en-US" sz="1200" kern="1200" dirty="0" err="1" smtClean="0">
-                <a:solidFill>
-                  <a:schemeClr val="tx1"/>
-                </a:solidFill>
-                <a:latin typeface="+mn-lt"/>
-                <a:ea typeface="+mn-ea"/>
-                <a:cs typeface="+mn-cs"/>
-              </a:rPr>
-              <a:t>a_j</a:t>
-            </a:r>
-            <a:r>
-              <a:rPr lang="en-US" sz="1200" kern="1200" dirty="0" smtClean="0">
-                <a:solidFill>
-                  <a:schemeClr val="tx1"/>
-                </a:solidFill>
-                <a:latin typeface="+mn-lt"/>
-                <a:ea typeface="+mn-ea"/>
-                <a:cs typeface="+mn-cs"/>
-              </a:rPr>
-              <a:t>})</a:t>
-            </a:r>
-            <a:endParaRPr lang="en-US" dirty="0" smtClean="0"/>
-          </a:p>
-          <a:p>
-            <a:endParaRPr lang="en-US" dirty="0"/>
+              <a:t> | a_{l-1})</a:t>
+            </a:r>
           </a:p>
         </p:txBody>
       </p:sp>
@@ -3264,7 +3140,7 @@
           <a:p>
             <a:fld id="{EB142DFD-E891-9644-AE8A-31EC826A325E}" type="slidenum">
               <a:rPr lang="en-US" smtClean="0"/>
-              <a:t>28</a:t>
+              <a:t>27</a:t>
             </a:fld>
             <a:endParaRPr lang="en-US"/>
           </a:p>
@@ -3273,7 +3149,7 @@
     </p:spTree>
     <p:extLst>
       <p:ext uri="{BB962C8B-B14F-4D97-AF65-F5344CB8AC3E}">
-        <p14:creationId xmlns:p14="http://schemas.microsoft.com/office/powerpoint/2010/main" val="65905080"/>
+        <p14:creationId xmlns:p14="http://schemas.microsoft.com/office/powerpoint/2010/main" val="1856354880"/>
       </p:ext>
     </p:extLst>
   </p:cSld>
@@ -3332,6 +3208,23 @@
           <a:bodyPr/>
           <a:lstStyle/>
           <a:p>
+            <a:pPr marL="0" marR="0" indent="0" algn="l" defTabSz="914400" rtl="0" eaLnBrk="1" fontAlgn="auto" latinLnBrk="0" hangingPunct="1">
+              <a:lnSpc>
+                <a:spcPct val="100000"/>
+              </a:lnSpc>
+              <a:spcBef>
+                <a:spcPts val="0"/>
+              </a:spcBef>
+              <a:spcAft>
+                <a:spcPts val="0"/>
+              </a:spcAft>
+              <a:buClrTx/>
+              <a:buSzTx/>
+              <a:buFontTx/>
+              <a:buNone/>
+              <a:tabLst/>
+              <a:defRPr/>
+            </a:pPr>
             <a:r>
               <a:rPr lang="en-US" sz="1200" kern="1200" dirty="0" smtClean="0">
                 <a:solidFill>
@@ -3341,10 +3234,10 @@
                 <a:ea typeface="+mn-ea"/>
                 <a:cs typeface="+mn-cs"/>
               </a:rPr>
-              <a:t>P(E, A | F) &amp;= \epsilon \times \</a:t>
-            </a:r>
-            <a:r>
-              <a:rPr lang="en-US" sz="1200" kern="1200" dirty="0" err="1" smtClean="0">
+              <a:t>P(F, A | E) &amp;= P(J|I)</a:t>
+            </a:r>
+            <a:r>
+              <a:rPr lang="en-US" sz="1200" kern="1200" baseline="0" dirty="0" smtClean="0">
                 <a:solidFill>
                   <a:schemeClr val="tx1"/>
                 </a:solidFill>
@@ -3352,7 +3245,7 @@
                 <a:ea typeface="+mn-ea"/>
                 <a:cs typeface="+mn-cs"/>
               </a:rPr>
-              <a:t>prod_j</a:t>
+              <a:t> </a:t>
             </a:r>
             <a:r>
               <a:rPr lang="en-US" sz="1200" kern="1200" dirty="0" smtClean="0">
@@ -3363,7 +3256,7 @@
                 <a:ea typeface="+mn-ea"/>
                 <a:cs typeface="+mn-cs"/>
               </a:rPr>
-              <a:t> P(</a:t>
+              <a:t>\times \</a:t>
             </a:r>
             <a:r>
               <a:rPr lang="en-US" sz="1200" kern="1200" dirty="0" err="1" smtClean="0">
@@ -3374,7 +3267,7 @@
                 <a:ea typeface="+mn-ea"/>
                 <a:cs typeface="+mn-cs"/>
               </a:rPr>
-              <a:t>a_j</a:t>
+              <a:t>prod_j</a:t>
             </a:r>
             <a:r>
               <a:rPr lang="en-US" sz="1200" kern="1200" dirty="0" smtClean="0">
@@ -3385,7 +3278,7 @@
                 <a:ea typeface="+mn-ea"/>
                 <a:cs typeface="+mn-cs"/>
               </a:rPr>
-              <a:t> | a_{j-1}) P(</a:t>
+              <a:t> P(</a:t>
             </a:r>
             <a:r>
               <a:rPr lang="en-US" sz="1200" kern="1200" dirty="0" err="1" smtClean="0">
@@ -3396,7 +3289,7 @@
                 <a:ea typeface="+mn-ea"/>
                 <a:cs typeface="+mn-cs"/>
               </a:rPr>
-              <a:t>e_j</a:t>
+              <a:t>a_j</a:t>
             </a:r>
             <a:r>
               <a:rPr lang="en-US" sz="1200" kern="1200" dirty="0" smtClean="0">
@@ -3407,7 +3300,7 @@
                 <a:ea typeface="+mn-ea"/>
                 <a:cs typeface="+mn-cs"/>
               </a:rPr>
-              <a:t> | f_{</a:t>
+              <a:t> | a_{j-1}, I) P(</a:t>
             </a:r>
             <a:r>
               <a:rPr lang="en-US" sz="1200" kern="1200" dirty="0" err="1" smtClean="0">
@@ -3418,7 +3311,7 @@
                 <a:ea typeface="+mn-ea"/>
                 <a:cs typeface="+mn-cs"/>
               </a:rPr>
-              <a:t>a_j</a:t>
+              <a:t>f_j</a:t>
             </a:r>
             <a:r>
               <a:rPr lang="en-US" sz="1200" kern="1200" dirty="0" smtClean="0">
@@ -3429,8 +3322,33 @@
                 <a:ea typeface="+mn-ea"/>
                 <a:cs typeface="+mn-cs"/>
               </a:rPr>
+              <a:t> | e_{</a:t>
+            </a:r>
+            <a:r>
+              <a:rPr lang="en-US" sz="1200" kern="1200" dirty="0" err="1" smtClean="0">
+                <a:solidFill>
+                  <a:schemeClr val="tx1"/>
+                </a:solidFill>
+                <a:latin typeface="+mn-lt"/>
+                <a:ea typeface="+mn-ea"/>
+                <a:cs typeface="+mn-cs"/>
+              </a:rPr>
+              <a:t>a_j</a:t>
+            </a:r>
+            <a:r>
+              <a:rPr lang="en-US" sz="1200" kern="1200" dirty="0" smtClean="0">
+                <a:solidFill>
+                  <a:schemeClr val="tx1"/>
+                </a:solidFill>
+                <a:latin typeface="+mn-lt"/>
+                <a:ea typeface="+mn-ea"/>
+                <a:cs typeface="+mn-cs"/>
+              </a:rPr>
               <a:t>})</a:t>
             </a:r>
+            <a:endParaRPr lang="en-US" dirty="0" smtClean="0"/>
+          </a:p>
+          <a:p>
             <a:endParaRPr lang="en-US" dirty="0"/>
           </a:p>
         </p:txBody>
@@ -3452,7 +3370,7 @@
           <a:p>
             <a:fld id="{EB142DFD-E891-9644-AE8A-31EC826A325E}" type="slidenum">
               <a:rPr lang="en-US" smtClean="0"/>
-              <a:t>29</a:t>
+              <a:t>28</a:t>
             </a:fld>
             <a:endParaRPr lang="en-US"/>
           </a:p>
@@ -3461,7 +3379,7 @@
     </p:spTree>
     <p:extLst>
       <p:ext uri="{BB962C8B-B14F-4D97-AF65-F5344CB8AC3E}">
-        <p14:creationId xmlns:p14="http://schemas.microsoft.com/office/powerpoint/2010/main" val="1801761651"/>
+        <p14:creationId xmlns:p14="http://schemas.microsoft.com/office/powerpoint/2010/main" val="65905080"/>
       </p:ext>
     </p:extLst>
   </p:cSld>
@@ -3515,6 +3433,26 @@
           <a:bodyPr/>
           <a:lstStyle/>
           <a:p>
+            <a:r>
+              <a:rPr lang="en-AU" dirty="0" smtClean="0"/>
+              <a:t>‘60s-’90s = semantic</a:t>
+            </a:r>
+            <a:r>
+              <a:rPr lang="en-AU" baseline="0" dirty="0" smtClean="0"/>
+              <a:t> / interlingua</a:t>
+            </a:r>
+          </a:p>
+          <a:p>
+            <a:r>
+              <a:rPr lang="en-AU" baseline="0" dirty="0" smtClean="0"/>
+              <a:t>‘90s-’00s = word and some syntax</a:t>
+            </a:r>
+          </a:p>
+          <a:p>
+            <a:r>
+              <a:rPr lang="en-AU" baseline="0" dirty="0" smtClean="0"/>
+              <a:t>‘10s = still word based!</a:t>
+            </a:r>
             <a:endParaRPr lang="en-AU" dirty="0"/>
           </a:p>
         </p:txBody>
@@ -3582,6 +3520,194 @@
             <p:ph type="sldImg"/>
           </p:nvPr>
         </p:nvSpPr>
+        <p:spPr>
+          <a:xfrm>
+            <a:off x="1371600" y="1143000"/>
+            <a:ext cx="4114800" cy="3086100"/>
+          </a:xfrm>
+        </p:spPr>
+      </p:sp>
+      <p:sp>
+        <p:nvSpPr>
+          <p:cNvPr id="3" name="Notes Placeholder 2"/>
+          <p:cNvSpPr>
+            <a:spLocks noGrp="1"/>
+          </p:cNvSpPr>
+          <p:nvPr>
+            <p:ph type="body" idx="1"/>
+          </p:nvPr>
+        </p:nvSpPr>
+        <p:spPr/>
+        <p:txBody>
+          <a:bodyPr/>
+          <a:lstStyle/>
+          <a:p>
+            <a:r>
+              <a:rPr lang="en-US" sz="1200" kern="1200" dirty="0" smtClean="0">
+                <a:solidFill>
+                  <a:schemeClr val="tx1"/>
+                </a:solidFill>
+                <a:latin typeface="+mn-lt"/>
+                <a:ea typeface="+mn-ea"/>
+                <a:cs typeface="+mn-cs"/>
+              </a:rPr>
+              <a:t>P(E, A | F) &amp;= \epsilon \times \</a:t>
+            </a:r>
+            <a:r>
+              <a:rPr lang="en-US" sz="1200" kern="1200" dirty="0" err="1" smtClean="0">
+                <a:solidFill>
+                  <a:schemeClr val="tx1"/>
+                </a:solidFill>
+                <a:latin typeface="+mn-lt"/>
+                <a:ea typeface="+mn-ea"/>
+                <a:cs typeface="+mn-cs"/>
+              </a:rPr>
+              <a:t>prod_j</a:t>
+            </a:r>
+            <a:r>
+              <a:rPr lang="en-US" sz="1200" kern="1200" dirty="0" smtClean="0">
+                <a:solidFill>
+                  <a:schemeClr val="tx1"/>
+                </a:solidFill>
+                <a:latin typeface="+mn-lt"/>
+                <a:ea typeface="+mn-ea"/>
+                <a:cs typeface="+mn-cs"/>
+              </a:rPr>
+              <a:t> P(</a:t>
+            </a:r>
+            <a:r>
+              <a:rPr lang="en-US" sz="1200" kern="1200" dirty="0" err="1" smtClean="0">
+                <a:solidFill>
+                  <a:schemeClr val="tx1"/>
+                </a:solidFill>
+                <a:latin typeface="+mn-lt"/>
+                <a:ea typeface="+mn-ea"/>
+                <a:cs typeface="+mn-cs"/>
+              </a:rPr>
+              <a:t>a_j</a:t>
+            </a:r>
+            <a:r>
+              <a:rPr lang="en-US" sz="1200" kern="1200" dirty="0" smtClean="0">
+                <a:solidFill>
+                  <a:schemeClr val="tx1"/>
+                </a:solidFill>
+                <a:latin typeface="+mn-lt"/>
+                <a:ea typeface="+mn-ea"/>
+                <a:cs typeface="+mn-cs"/>
+              </a:rPr>
+              <a:t> | a_{j-1}) P(</a:t>
+            </a:r>
+            <a:r>
+              <a:rPr lang="en-US" sz="1200" kern="1200" dirty="0" err="1" smtClean="0">
+                <a:solidFill>
+                  <a:schemeClr val="tx1"/>
+                </a:solidFill>
+                <a:latin typeface="+mn-lt"/>
+                <a:ea typeface="+mn-ea"/>
+                <a:cs typeface="+mn-cs"/>
+              </a:rPr>
+              <a:t>e_j</a:t>
+            </a:r>
+            <a:r>
+              <a:rPr lang="en-US" sz="1200" kern="1200" dirty="0" smtClean="0">
+                <a:solidFill>
+                  <a:schemeClr val="tx1"/>
+                </a:solidFill>
+                <a:latin typeface="+mn-lt"/>
+                <a:ea typeface="+mn-ea"/>
+                <a:cs typeface="+mn-cs"/>
+              </a:rPr>
+              <a:t> | f_{</a:t>
+            </a:r>
+            <a:r>
+              <a:rPr lang="en-US" sz="1200" kern="1200" dirty="0" err="1" smtClean="0">
+                <a:solidFill>
+                  <a:schemeClr val="tx1"/>
+                </a:solidFill>
+                <a:latin typeface="+mn-lt"/>
+                <a:ea typeface="+mn-ea"/>
+                <a:cs typeface="+mn-cs"/>
+              </a:rPr>
+              <a:t>a_j</a:t>
+            </a:r>
+            <a:r>
+              <a:rPr lang="en-US" sz="1200" kern="1200" dirty="0" smtClean="0">
+                <a:solidFill>
+                  <a:schemeClr val="tx1"/>
+                </a:solidFill>
+                <a:latin typeface="+mn-lt"/>
+                <a:ea typeface="+mn-ea"/>
+                <a:cs typeface="+mn-cs"/>
+              </a:rPr>
+              <a:t>})</a:t>
+            </a:r>
+            <a:endParaRPr lang="en-US" dirty="0"/>
+          </a:p>
+        </p:txBody>
+      </p:sp>
+      <p:sp>
+        <p:nvSpPr>
+          <p:cNvPr id="4" name="Slide Number Placeholder 3"/>
+          <p:cNvSpPr>
+            <a:spLocks noGrp="1"/>
+          </p:cNvSpPr>
+          <p:nvPr>
+            <p:ph type="sldNum" sz="quarter" idx="10"/>
+          </p:nvPr>
+        </p:nvSpPr>
+        <p:spPr/>
+        <p:txBody>
+          <a:bodyPr/>
+          <a:lstStyle/>
+          <a:p>
+            <a:fld id="{EB142DFD-E891-9644-AE8A-31EC826A325E}" type="slidenum">
+              <a:rPr lang="en-US" smtClean="0"/>
+              <a:t>29</a:t>
+            </a:fld>
+            <a:endParaRPr lang="en-US"/>
+          </a:p>
+        </p:txBody>
+      </p:sp>
+    </p:spTree>
+    <p:extLst>
+      <p:ext uri="{BB962C8B-B14F-4D97-AF65-F5344CB8AC3E}">
+        <p14:creationId xmlns:p14="http://schemas.microsoft.com/office/powerpoint/2010/main" val="1801761651"/>
+      </p:ext>
+    </p:extLst>
+  </p:cSld>
+  <p:clrMapOvr>
+    <a:masterClrMapping/>
+  </p:clrMapOvr>
+</p:notes>
+</file>
+
+<file path=ppt/notesSlides/notesSlide21.xml><?xml version="1.0" encoding="utf-8"?>
+<p:notes xmlns:a="http://schemas.openxmlformats.org/drawingml/2006/main" xmlns:r="http://schemas.openxmlformats.org/officeDocument/2006/relationships" xmlns:p="http://schemas.openxmlformats.org/presentationml/2006/main">
+  <p:cSld>
+    <p:spTree>
+      <p:nvGrpSpPr>
+        <p:cNvPr id="1" name=""/>
+        <p:cNvGrpSpPr/>
+        <p:nvPr/>
+      </p:nvGrpSpPr>
+      <p:grpSpPr>
+        <a:xfrm>
+          <a:off x="0" y="0"/>
+          <a:ext cx="0" cy="0"/>
+          <a:chOff x="0" y="0"/>
+          <a:chExt cx="0" cy="0"/>
+        </a:xfrm>
+      </p:grpSpPr>
+      <p:sp>
+        <p:nvSpPr>
+          <p:cNvPr id="2" name="Slide Image Placeholder 1"/>
+          <p:cNvSpPr>
+            <a:spLocks noGrp="1" noRot="1" noChangeAspect="1"/>
+          </p:cNvSpPr>
+          <p:nvPr>
+            <p:ph type="sldImg"/>
+          </p:nvPr>
+        </p:nvSpPr>
         <p:spPr/>
       </p:sp>
       <p:sp>
@@ -3639,7 +3765,7 @@
 </p:notes>
 </file>
 
-<file path=ppt/notesSlides/notesSlide21.xml><?xml version="1.0" encoding="utf-8"?>
+<file path=ppt/notesSlides/notesSlide22.xml><?xml version="1.0" encoding="utf-8"?>
 <p:notes xmlns:a="http://schemas.openxmlformats.org/drawingml/2006/main" xmlns:r="http://schemas.openxmlformats.org/officeDocument/2006/relationships" xmlns:p="http://schemas.openxmlformats.org/presentationml/2006/main">
   <p:cSld>
     <p:spTree>
@@ -3781,7 +3907,7 @@
           </a:ln>
           <a:extLst>
             <a:ext uri="{AF507438-7753-43e0-B8FC-AC1667EBCBE1}">
-              <a14:hiddenEffects xmlns:a14="http://schemas.microsoft.com/office/drawing/2010/main" xmlns="">
+              <a14:hiddenEffects xmlns="" xmlns:a14="http://schemas.microsoft.com/office/drawing/2010/main">
                 <a:effectLst>
                   <a:outerShdw blurRad="63500" dist="38099" dir="2700000" algn="ctr" rotWithShape="0">
                     <a:srgbClr val="000000">
@@ -3812,7 +3938,7 @@
           <a:ln/>
           <a:extLst>
             <a:ext uri="{AF507438-7753-43e0-B8FC-AC1667EBCBE1}">
-              <a14:hiddenEffects xmlns:a14="http://schemas.microsoft.com/office/drawing/2010/main" xmlns="">
+              <a14:hiddenEffects xmlns="" xmlns:a14="http://schemas.microsoft.com/office/drawing/2010/main">
                 <a:effectLst>
                   <a:outerShdw blurRad="63500" dist="38099" dir="2700000" algn="ctr" rotWithShape="0">
                     <a:srgbClr val="000000">
@@ -3964,7 +4090,7 @@
           </a:ln>
           <a:extLst>
             <a:ext uri="{AF507438-7753-43e0-B8FC-AC1667EBCBE1}">
-              <a14:hiddenEffects xmlns:a14="http://schemas.microsoft.com/office/drawing/2010/main" xmlns="">
+              <a14:hiddenEffects xmlns="" xmlns:a14="http://schemas.microsoft.com/office/drawing/2010/main">
                 <a:effectLst>
                   <a:outerShdw blurRad="63500" dist="38099" dir="2700000" algn="ctr" rotWithShape="0">
                     <a:srgbClr val="000000">
@@ -3995,7 +4121,7 @@
           <a:ln/>
           <a:extLst>
             <a:ext uri="{AF507438-7753-43e0-B8FC-AC1667EBCBE1}">
-              <a14:hiddenEffects xmlns:a14="http://schemas.microsoft.com/office/drawing/2010/main" xmlns="">
+              <a14:hiddenEffects xmlns="" xmlns:a14="http://schemas.microsoft.com/office/drawing/2010/main">
                 <a:effectLst>
                   <a:outerShdw blurRad="63500" dist="38099" dir="2700000" algn="ctr" rotWithShape="0">
                     <a:srgbClr val="000000">
@@ -4147,7 +4273,7 @@
           </a:ln>
           <a:extLst>
             <a:ext uri="{AF507438-7753-43e0-B8FC-AC1667EBCBE1}">
-              <a14:hiddenEffects xmlns:a14="http://schemas.microsoft.com/office/drawing/2010/main" xmlns="">
+              <a14:hiddenEffects xmlns="" xmlns:a14="http://schemas.microsoft.com/office/drawing/2010/main">
                 <a:effectLst>
                   <a:outerShdw blurRad="63500" dist="38099" dir="2700000" algn="ctr" rotWithShape="0">
                     <a:srgbClr val="000000">
@@ -4178,7 +4304,7 @@
           <a:ln/>
           <a:extLst>
             <a:ext uri="{AF507438-7753-43e0-B8FC-AC1667EBCBE1}">
-              <a14:hiddenEffects xmlns:a14="http://schemas.microsoft.com/office/drawing/2010/main" xmlns="">
+              <a14:hiddenEffects xmlns="" xmlns:a14="http://schemas.microsoft.com/office/drawing/2010/main">
                 <a:effectLst>
                   <a:outerShdw blurRad="63500" dist="38099" dir="2700000" algn="ctr" rotWithShape="0">
                     <a:srgbClr val="000000">
@@ -4353,7 +4479,7 @@
           </a:ln>
           <a:extLst>
             <a:ext uri="{AF507438-7753-43e0-B8FC-AC1667EBCBE1}">
-              <a14:hiddenEffects xmlns:a14="http://schemas.microsoft.com/office/drawing/2010/main" xmlns="">
+              <a14:hiddenEffects xmlns="" xmlns:a14="http://schemas.microsoft.com/office/drawing/2010/main">
                 <a:effectLst>
                   <a:outerShdw blurRad="63500" dist="38099" dir="2700000" algn="ctr" rotWithShape="0">
                     <a:srgbClr val="000000">
@@ -4384,7 +4510,7 @@
           <a:ln/>
           <a:extLst>
             <a:ext uri="{AF507438-7753-43e0-B8FC-AC1667EBCBE1}">
-              <a14:hiddenEffects xmlns:a14="http://schemas.microsoft.com/office/drawing/2010/main" xmlns="">
+              <a14:hiddenEffects xmlns="" xmlns:a14="http://schemas.microsoft.com/office/drawing/2010/main">
                 <a:effectLst>
                   <a:outerShdw blurRad="63500" dist="38099" dir="2700000" algn="ctr" rotWithShape="0">
                     <a:srgbClr val="000000">
@@ -8109,7 +8235,7 @@
           <a:effectLst/>
           <a:extLst>
             <a:ext uri="{909E8E84-426E-40dd-AFC4-6F175D3DCCD1}">
-              <a14:hiddenFill xmlns:a14="http://schemas.microsoft.com/office/drawing/2010/main" xmlns="">
+              <a14:hiddenFill xmlns="" xmlns:a14="http://schemas.microsoft.com/office/drawing/2010/main">
                 <a:blipFill dpi="0" rotWithShape="0">
                   <a:blip xmlns:r="http://schemas.openxmlformats.org/officeDocument/2006/relationships"/>
                   <a:srcRect/>
@@ -8120,7 +8246,7 @@
               </a14:hiddenFill>
             </a:ext>
             <a:ext uri="{91240B29-F687-4f45-9708-019B960494DF}">
-              <a14:hiddenLine xmlns:a14="http://schemas.microsoft.com/office/drawing/2010/main" xmlns="" w="9525" cap="flat">
+              <a14:hiddenLine xmlns="" xmlns:a14="http://schemas.microsoft.com/office/drawing/2010/main" w="9525" cap="flat">
                 <a:solidFill>
                   <a:srgbClr val="000000"/>
                 </a:solidFill>
@@ -8130,7 +8256,7 @@
               </a14:hiddenLine>
             </a:ext>
             <a:ext uri="{AF507438-7753-43e0-B8FC-AC1667EBCBE1}">
-              <a14:hiddenEffects xmlns:a14="http://schemas.microsoft.com/office/drawing/2010/main" xmlns="">
+              <a14:hiddenEffects xmlns="" xmlns:a14="http://schemas.microsoft.com/office/drawing/2010/main">
                 <a:effectLst>
                   <a:outerShdw blurRad="63500" dist="38099" dir="2700000" algn="ctr" rotWithShape="0">
                     <a:srgbClr val="000000">
@@ -8199,66 +8325,70 @@
           <a:lstStyle/>
           <a:p>
             <a:r>
-              <a:rPr lang="en-AU" smtClean="0"/>
-              <a:t>Statistical machine translation learns translations from bitexts</a:t>
-            </a:r>
+              <a:rPr lang="en-AU" dirty="0" smtClean="0"/>
+              <a:t>Statistical machine translation learns translations from </a:t>
+            </a:r>
+            <a:r>
+              <a:rPr lang="en-AU" dirty="0" err="1" smtClean="0"/>
+              <a:t>bitexts</a:t>
+            </a:r>
+            <a:endParaRPr lang="en-AU" dirty="0" smtClean="0"/>
           </a:p>
           <a:p>
             <a:pPr lvl="1"/>
             <a:r>
-              <a:rPr lang="en-AU" smtClean="0"/>
+              <a:rPr lang="en-AU" dirty="0" smtClean="0"/>
               <a:t>requires separate sentence alignment process</a:t>
             </a:r>
             <a:br>
-              <a:rPr lang="en-AU" smtClean="0"/>
+              <a:rPr lang="en-AU" dirty="0" smtClean="0"/>
             </a:br>
             <a:r>
-              <a:rPr lang="en-AU" sz="2000" smtClean="0"/>
+              <a:rPr lang="en-AU" sz="2000" dirty="0" smtClean="0"/>
               <a:t>	→ fairly easy if sentences in similar order, can use length in chars</a:t>
             </a:r>
           </a:p>
           <a:p>
             <a:pPr lvl="1"/>
             <a:r>
-              <a:rPr lang="en-AU" smtClean="0"/>
+              <a:rPr lang="en-AU" dirty="0" smtClean="0"/>
               <a:t>key questions are:</a:t>
             </a:r>
           </a:p>
           <a:p>
             <a:pPr lvl="2"/>
             <a:r>
-              <a:rPr lang="en-AU" smtClean="0"/>
+              <a:rPr lang="en-AU" dirty="0" smtClean="0"/>
               <a:t>how to formulate process of translation?</a:t>
             </a:r>
           </a:p>
           <a:p>
             <a:pPr lvl="2"/>
             <a:r>
-              <a:rPr lang="en-AU" smtClean="0"/>
+              <a:rPr lang="en-AU" dirty="0" smtClean="0"/>
               <a:t>how can we learn without explicit word-level instruction?</a:t>
             </a:r>
             <a:br>
-              <a:rPr lang="en-AU" smtClean="0"/>
+              <a:rPr lang="en-AU" dirty="0" smtClean="0"/>
             </a:br>
             <a:r>
-              <a:rPr lang="en-AU" smtClean="0"/>
+              <a:rPr lang="en-AU" dirty="0" smtClean="0"/>
               <a:t>	→ 	just have sentence pairs, but no indication of what </a:t>
             </a:r>
             <a:br>
-              <a:rPr lang="en-AU" smtClean="0"/>
+              <a:rPr lang="en-AU" dirty="0" smtClean="0"/>
             </a:br>
             <a:r>
-              <a:rPr lang="en-AU" smtClean="0"/>
+              <a:rPr lang="en-AU" dirty="0" smtClean="0"/>
               <a:t>    		words translate one another</a:t>
             </a:r>
           </a:p>
           <a:p>
             <a:pPr lvl="2"/>
             <a:r>
-              <a:rPr lang="en-AU" smtClean="0"/>
+              <a:rPr lang="en-AU" dirty="0" smtClean="0"/>
               <a:t>how can we produce new translations?</a:t>
             </a:r>
-            <a:endParaRPr lang="en-AU" dirty="0" smtClean="0"/>
           </a:p>
         </p:txBody>
       </p:sp>
@@ -8336,7 +8466,7 @@
         <p:spPr/>
         <p:txBody>
           <a:bodyPr>
-            <a:normAutofit fontScale="92500" lnSpcReduction="20000"/>
+            <a:normAutofit fontScale="92500" lnSpcReduction="10000"/>
           </a:bodyPr>
           <a:lstStyle/>
           <a:p>
@@ -8355,9 +8485,6 @@
           </a:p>
           <a:p>
             <a:endParaRPr lang="en-AU" dirty="0"/>
-          </a:p>
-          <a:p>
-            <a:endParaRPr lang="en-AU" dirty="0" smtClean="0"/>
           </a:p>
           <a:p>
             <a:endParaRPr lang="en-AU" dirty="0" smtClean="0"/>
@@ -8433,8 +8560,8 @@
         </p:nvSpPr>
         <p:spPr>
           <a:xfrm>
-            <a:off x="0" y="1917470"/>
-            <a:ext cx="9581745" cy="2760756"/>
+            <a:off x="0" y="2061054"/>
+            <a:ext cx="9581745" cy="2554545"/>
           </a:xfrm>
           <a:prstGeom prst="rect">
             <a:avLst/>
@@ -8723,8 +8850,48 @@
               <a:buFont typeface="Arial" charset="0"/>
               <a:buChar char="•"/>
             </a:pPr>
-            <a:r>
-              <a:rPr lang="en-AU" sz="2000" i="1" dirty="0">
+            <a:endParaRPr lang="en-AU" sz="2000" i="1" dirty="0" smtClean="0">
+              <a:solidFill>
+                <a:schemeClr val="accent3">
+                  <a:lumMod val="50000"/>
+                </a:schemeClr>
+              </a:solidFill>
+              <a:latin typeface="Century Schoolbook" panose="02040604050505020304" pitchFamily="18" charset="0"/>
+              <a:ea typeface="Century Schoolbook" panose="02040604050505020304" pitchFamily="18" charset="0"/>
+              <a:cs typeface="Century Schoolbook" panose="02040604050505020304" pitchFamily="18" charset="0"/>
+              <a:sym typeface="Avenir Next Medium"/>
+            </a:endParaRPr>
+          </a:p>
+          <a:p>
+            <a:pPr marL="800100" lvl="1" indent="-342900">
+              <a:spcAft>
+                <a:spcPts val="1200"/>
+              </a:spcAft>
+              <a:buFont typeface="Arial" charset="0"/>
+              <a:buChar char="•"/>
+            </a:pPr>
+            <a:endParaRPr lang="en-AU" sz="2000" i="1" dirty="0">
+              <a:solidFill>
+                <a:schemeClr val="accent3">
+                  <a:lumMod val="50000"/>
+                </a:schemeClr>
+              </a:solidFill>
+              <a:latin typeface="Century Schoolbook" panose="02040604050505020304" pitchFamily="18" charset="0"/>
+              <a:ea typeface="Century Schoolbook" panose="02040604050505020304" pitchFamily="18" charset="0"/>
+              <a:cs typeface="Century Schoolbook" panose="02040604050505020304" pitchFamily="18" charset="0"/>
+              <a:sym typeface="Avenir Next Medium"/>
+            </a:endParaRPr>
+          </a:p>
+          <a:p>
+            <a:pPr marL="800100" lvl="1" indent="-342900">
+              <a:spcAft>
+                <a:spcPts val="1200"/>
+              </a:spcAft>
+              <a:buFont typeface="Arial" charset="0"/>
+              <a:buChar char="•"/>
+            </a:pPr>
+            <a:r>
+              <a:rPr lang="en-AU" sz="2000" i="1" dirty="0" smtClean="0">
                 <a:solidFill>
                   <a:schemeClr val="accent3">
                     <a:lumMod val="50000"/>
@@ -8738,7 +8905,7 @@
               <a:t>das </a:t>
             </a:r>
             <a:r>
-              <a:rPr lang="en-AU" sz="2000" i="1" dirty="0" err="1">
+              <a:rPr lang="en-AU" sz="2000" i="1" dirty="0" err="1" smtClean="0">
                 <a:solidFill>
                   <a:schemeClr val="accent3">
                     <a:lumMod val="50000"/>
@@ -8752,7 +8919,7 @@
               <a:t>Haus</a:t>
             </a:r>
             <a:r>
-              <a:rPr lang="en-AU" sz="2000" i="1" dirty="0">
+              <a:rPr lang="en-AU" sz="2000" i="1" dirty="0" smtClean="0">
                 <a:solidFill>
                   <a:schemeClr val="accent3">
                     <a:lumMod val="50000"/>
@@ -8766,7 +8933,7 @@
               <a:t> </a:t>
             </a:r>
             <a:r>
-              <a:rPr lang="en-AU" sz="2000" i="1" dirty="0" err="1">
+              <a:rPr lang="en-AU" sz="2000" i="1" dirty="0" err="1" smtClean="0">
                 <a:solidFill>
                   <a:schemeClr val="accent3">
                     <a:lumMod val="50000"/>
@@ -8780,7 +8947,7 @@
               <a:t>ist</a:t>
             </a:r>
             <a:r>
-              <a:rPr lang="en-AU" sz="2000" i="1" dirty="0">
+              <a:rPr lang="en-AU" sz="2000" i="1" dirty="0" smtClean="0">
                 <a:solidFill>
                   <a:schemeClr val="accent3">
                     <a:lumMod val="50000"/>
@@ -8794,7 +8961,7 @@
               <a:t> </a:t>
             </a:r>
             <a:r>
-              <a:rPr lang="en-AU" sz="2000" i="1" dirty="0" err="1">
+              <a:rPr lang="en-AU" sz="2000" i="1" dirty="0" err="1" smtClean="0">
                 <a:solidFill>
                   <a:schemeClr val="accent3">
                     <a:lumMod val="50000"/>
@@ -8808,7 +8975,7 @@
               <a:t>klitzeklein</a:t>
             </a:r>
             <a:r>
-              <a:rPr lang="en-AU" sz="2000" i="1" dirty="0">
+              <a:rPr lang="en-AU" sz="2000" i="1" dirty="0" smtClean="0">
                 <a:solidFill>
                   <a:schemeClr val="accent3">
                     <a:lumMod val="50000"/>
@@ -8822,7 +8989,7 @@
               <a:t/>
             </a:r>
             <a:br>
-              <a:rPr lang="en-AU" sz="2000" i="1" dirty="0">
+              <a:rPr lang="en-AU" sz="2000" i="1" dirty="0" smtClean="0">
                 <a:solidFill>
                   <a:schemeClr val="accent3">
                     <a:lumMod val="50000"/>
@@ -8835,7 +9002,7 @@
               </a:rPr>
             </a:br>
             <a:r>
-              <a:rPr lang="en-AU" sz="2000" dirty="0">
+              <a:rPr lang="en-AU" sz="2000" dirty="0" smtClean="0">
                 <a:solidFill>
                   <a:schemeClr val="accent3">
                     <a:lumMod val="50000"/>
@@ -8848,19 +9015,6 @@
               </a:rPr>
               <a:t>the house is very small</a:t>
             </a:r>
-            <a:br>
-              <a:rPr lang="en-AU" sz="2000" dirty="0">
-                <a:solidFill>
-                  <a:schemeClr val="accent3">
-                    <a:lumMod val="50000"/>
-                  </a:schemeClr>
-                </a:solidFill>
-                <a:latin typeface="Century Schoolbook" panose="02040604050505020304" pitchFamily="18" charset="0"/>
-                <a:ea typeface="Century Schoolbook" panose="02040604050505020304" pitchFamily="18" charset="0"/>
-                <a:cs typeface="Century Schoolbook" panose="02040604050505020304" pitchFamily="18" charset="0"/>
-                <a:sym typeface="Avenir Next Medium"/>
-              </a:rPr>
-            </a:br>
             <a:endParaRPr lang="en-AU" sz="2000" dirty="0">
               <a:solidFill>
                 <a:schemeClr val="accent3">
@@ -9004,19 +9158,10 @@
                 <a:cs typeface="Century Schoolbook" panose="02040604050505020304" pitchFamily="18" charset="0"/>
                 <a:sym typeface="Avenir Next Medium"/>
               </a:rPr>
-              <a:t>the house is small</a:t>
-            </a:r>
-          </a:p>
-          <a:p>
-            <a:pPr marL="800100" lvl="1" indent="-342900">
-              <a:spcAft>
-                <a:spcPts val="1200"/>
-              </a:spcAft>
-              <a:buFont typeface="Arial" charset="0"/>
-              <a:buChar char="•"/>
-            </a:pPr>
-            <a:r>
-              <a:rPr lang="en-AU" sz="2000" dirty="0" err="1">
+              <a:t>the house is </a:t>
+            </a:r>
+            <a:r>
+              <a:rPr lang="en-AU" sz="2000" dirty="0" smtClean="0">
                 <a:solidFill>
                   <a:schemeClr val="accent3">
                     <a:lumMod val="50000"/>
@@ -9027,174 +9172,8 @@
                 <a:cs typeface="Century Schoolbook" panose="02040604050505020304" pitchFamily="18" charset="0"/>
                 <a:sym typeface="Avenir Next Medium"/>
               </a:rPr>
-              <a:t>ich</a:t>
-            </a:r>
-            <a:r>
-              <a:rPr lang="en-AU" sz="2000" dirty="0">
-                <a:solidFill>
-                  <a:schemeClr val="accent3">
-                    <a:lumMod val="50000"/>
-                  </a:schemeClr>
-                </a:solidFill>
-                <a:latin typeface="Century Schoolbook" panose="02040604050505020304" pitchFamily="18" charset="0"/>
-                <a:ea typeface="Century Schoolbook" panose="02040604050505020304" pitchFamily="18" charset="0"/>
-                <a:cs typeface="Century Schoolbook" panose="02040604050505020304" pitchFamily="18" charset="0"/>
-                <a:sym typeface="Avenir Next Medium"/>
-              </a:rPr>
-              <a:t> </a:t>
-            </a:r>
-            <a:r>
-              <a:rPr lang="en-AU" sz="2000" dirty="0" err="1">
-                <a:solidFill>
-                  <a:schemeClr val="accent3">
-                    <a:lumMod val="50000"/>
-                  </a:schemeClr>
-                </a:solidFill>
-                <a:latin typeface="Century Schoolbook" panose="02040604050505020304" pitchFamily="18" charset="0"/>
-                <a:ea typeface="Century Schoolbook" panose="02040604050505020304" pitchFamily="18" charset="0"/>
-                <a:cs typeface="Century Schoolbook" panose="02040604050505020304" pitchFamily="18" charset="0"/>
-                <a:sym typeface="Avenir Next Medium"/>
-              </a:rPr>
-              <a:t>gehe</a:t>
-            </a:r>
-            <a:r>
-              <a:rPr lang="en-AU" sz="2000" dirty="0">
-                <a:solidFill>
-                  <a:schemeClr val="accent3">
-                    <a:lumMod val="50000"/>
-                  </a:schemeClr>
-                </a:solidFill>
-                <a:latin typeface="Century Schoolbook" panose="02040604050505020304" pitchFamily="18" charset="0"/>
-                <a:ea typeface="Century Schoolbook" panose="02040604050505020304" pitchFamily="18" charset="0"/>
-                <a:cs typeface="Century Schoolbook" panose="02040604050505020304" pitchFamily="18" charset="0"/>
-                <a:sym typeface="Avenir Next Medium"/>
-              </a:rPr>
-              <a:t> ja </a:t>
-            </a:r>
-            <a:r>
-              <a:rPr lang="en-AU" sz="2000" dirty="0" err="1">
-                <a:solidFill>
-                  <a:schemeClr val="accent3">
-                    <a:lumMod val="50000"/>
-                  </a:schemeClr>
-                </a:solidFill>
-                <a:latin typeface="Century Schoolbook" panose="02040604050505020304" pitchFamily="18" charset="0"/>
-                <a:ea typeface="Century Schoolbook" panose="02040604050505020304" pitchFamily="18" charset="0"/>
-                <a:cs typeface="Century Schoolbook" panose="02040604050505020304" pitchFamily="18" charset="0"/>
-                <a:sym typeface="Avenir Next Medium"/>
-              </a:rPr>
-              <a:t>nicht</a:t>
-            </a:r>
-            <a:r>
-              <a:rPr lang="en-AU" sz="2000" dirty="0">
-                <a:solidFill>
-                  <a:schemeClr val="accent3">
-                    <a:lumMod val="50000"/>
-                  </a:schemeClr>
-                </a:solidFill>
-                <a:latin typeface="Century Schoolbook" panose="02040604050505020304" pitchFamily="18" charset="0"/>
-                <a:ea typeface="Century Schoolbook" panose="02040604050505020304" pitchFamily="18" charset="0"/>
-                <a:cs typeface="Century Schoolbook" panose="02040604050505020304" pitchFamily="18" charset="0"/>
-                <a:sym typeface="Avenir Next Medium"/>
-              </a:rPr>
-              <a:t> </a:t>
-            </a:r>
-            <a:r>
-              <a:rPr lang="en-AU" sz="2000" dirty="0" err="1">
-                <a:solidFill>
-                  <a:schemeClr val="accent3">
-                    <a:lumMod val="50000"/>
-                  </a:schemeClr>
-                </a:solidFill>
-                <a:latin typeface="Century Schoolbook" panose="02040604050505020304" pitchFamily="18" charset="0"/>
-                <a:ea typeface="Century Schoolbook" panose="02040604050505020304" pitchFamily="18" charset="0"/>
-                <a:cs typeface="Century Schoolbook" panose="02040604050505020304" pitchFamily="18" charset="0"/>
-                <a:sym typeface="Avenir Next Medium"/>
-              </a:rPr>
-              <a:t>zum</a:t>
-            </a:r>
-            <a:r>
-              <a:rPr lang="en-AU" sz="2000" dirty="0">
-                <a:solidFill>
-                  <a:schemeClr val="accent3">
-                    <a:lumMod val="50000"/>
-                  </a:schemeClr>
-                </a:solidFill>
-                <a:latin typeface="Century Schoolbook" panose="02040604050505020304" pitchFamily="18" charset="0"/>
-                <a:ea typeface="Century Schoolbook" panose="02040604050505020304" pitchFamily="18" charset="0"/>
-                <a:cs typeface="Century Schoolbook" panose="02040604050505020304" pitchFamily="18" charset="0"/>
-                <a:sym typeface="Avenir Next Medium"/>
-              </a:rPr>
-              <a:t> </a:t>
-            </a:r>
-            <a:r>
-              <a:rPr lang="en-AU" sz="2000" dirty="0" err="1">
-                <a:solidFill>
-                  <a:schemeClr val="accent3">
-                    <a:lumMod val="50000"/>
-                  </a:schemeClr>
-                </a:solidFill>
-                <a:latin typeface="Century Schoolbook" panose="02040604050505020304" pitchFamily="18" charset="0"/>
-                <a:ea typeface="Century Schoolbook" panose="02040604050505020304" pitchFamily="18" charset="0"/>
-                <a:cs typeface="Century Schoolbook" panose="02040604050505020304" pitchFamily="18" charset="0"/>
-                <a:sym typeface="Avenir Next Medium"/>
-              </a:rPr>
-              <a:t>haus</a:t>
-            </a:r>
-            <a:r>
-              <a:rPr lang="en-AU" sz="2000" dirty="0">
-                <a:solidFill>
-                  <a:schemeClr val="accent3">
-                    <a:lumMod val="50000"/>
-                  </a:schemeClr>
-                </a:solidFill>
-                <a:latin typeface="Century Schoolbook" panose="02040604050505020304" pitchFamily="18" charset="0"/>
-                <a:ea typeface="Century Schoolbook" panose="02040604050505020304" pitchFamily="18" charset="0"/>
-                <a:cs typeface="Century Schoolbook" panose="02040604050505020304" pitchFamily="18" charset="0"/>
-                <a:sym typeface="Avenir Next Medium"/>
-              </a:rPr>
-              <a:t/>
-            </a:r>
-            <a:br>
-              <a:rPr lang="en-AU" sz="2000" dirty="0">
-                <a:solidFill>
-                  <a:schemeClr val="accent3">
-                    <a:lumMod val="50000"/>
-                  </a:schemeClr>
-                </a:solidFill>
-                <a:latin typeface="Century Schoolbook" panose="02040604050505020304" pitchFamily="18" charset="0"/>
-                <a:ea typeface="Century Schoolbook" panose="02040604050505020304" pitchFamily="18" charset="0"/>
-                <a:cs typeface="Century Schoolbook" panose="02040604050505020304" pitchFamily="18" charset="0"/>
-                <a:sym typeface="Avenir Next Medium"/>
-              </a:rPr>
-            </a:br>
-            <a:r>
-              <a:rPr lang="en-AU" sz="2000" dirty="0">
-                <a:solidFill>
-                  <a:schemeClr val="accent3">
-                    <a:lumMod val="50000"/>
-                  </a:schemeClr>
-                </a:solidFill>
-                <a:latin typeface="Century Schoolbook" panose="02040604050505020304" pitchFamily="18" charset="0"/>
-                <a:ea typeface="Century Schoolbook" panose="02040604050505020304" pitchFamily="18" charset="0"/>
-                <a:cs typeface="Century Schoolbook" panose="02040604050505020304" pitchFamily="18" charset="0"/>
-                <a:sym typeface="Avenir Next Medium"/>
-              </a:rPr>
-              <a:t>I do not go to the house</a:t>
-            </a:r>
-            <a:br>
-              <a:rPr lang="en-AU" sz="2000" dirty="0">
-                <a:solidFill>
-                  <a:schemeClr val="accent3">
-                    <a:lumMod val="50000"/>
-                  </a:schemeClr>
-                </a:solidFill>
-                <a:latin typeface="Century Schoolbook" panose="02040604050505020304" pitchFamily="18" charset="0"/>
-                <a:ea typeface="Century Schoolbook" panose="02040604050505020304" pitchFamily="18" charset="0"/>
-                <a:cs typeface="Century Schoolbook" panose="02040604050505020304" pitchFamily="18" charset="0"/>
-                <a:sym typeface="Avenir Next Medium"/>
-              </a:rPr>
-            </a:br>
+              <a:t>small</a:t>
+            </a:r>
             <a:endParaRPr lang="en-AU" sz="2000" dirty="0">
               <a:solidFill>
                 <a:schemeClr val="accent3">
@@ -9290,12 +9269,16 @@
               <a:t>e</a:t>
             </a:r>
             <a:r>
-              <a:rPr lang="en-US" sz="2400" baseline="-25000" dirty="0" err="1" smtClean="0"/>
-              <a:t>J</a:t>
+              <a:rPr lang="en-US" sz="2400" baseline="-25000" dirty="0" err="1"/>
+              <a:t>I</a:t>
             </a:r>
             <a:r>
               <a:rPr lang="en-US" sz="2400" dirty="0" smtClean="0"/>
-              <a:t> = 	</a:t>
+              <a:t> </a:t>
+            </a:r>
+            <a:r>
+              <a:rPr lang="en-US" sz="2400" dirty="0" smtClean="0"/>
+              <a:t>= 	</a:t>
             </a:r>
             <a:r>
               <a:rPr lang="en-US" sz="2400" i="1" dirty="0" smtClean="0"/>
@@ -9322,7 +9305,7 @@
             </a:r>
             <a:r>
               <a:rPr lang="en-US" sz="2400" baseline="-25000" dirty="0" err="1"/>
-              <a:t>I</a:t>
+              <a:t>J</a:t>
             </a:r>
             <a:r>
               <a:rPr lang="en-US" sz="2400" dirty="0" smtClean="0"/>
@@ -9330,7 +9313,11 @@
             </a:r>
             <a:r>
               <a:rPr lang="en-US" sz="2400" i="1" dirty="0" smtClean="0"/>
-              <a:t>= 		Le </a:t>
+              <a:t>= 	</a:t>
+            </a:r>
+            <a:r>
+              <a:rPr lang="en-US" sz="2400" i="1" dirty="0" smtClean="0"/>
+              <a:t>Le </a:t>
             </a:r>
             <a:r>
               <a:rPr lang="en-US" sz="2400" i="1" dirty="0" err="1" smtClean="0"/>
@@ -9380,12 +9367,16 @@
               <a:t>a</a:t>
             </a:r>
             <a:r>
-              <a:rPr lang="en-US" sz="2400" baseline="-25000" dirty="0" err="1" smtClean="0"/>
-              <a:t>I</a:t>
+              <a:rPr lang="en-US" sz="2400" baseline="-25000" dirty="0" err="1"/>
+              <a:t>J</a:t>
             </a:r>
             <a:r>
               <a:rPr lang="en-US" sz="2400" dirty="0" smtClean="0"/>
-              <a:t> = 	2, 3, 4, 5, 6, 6, 6</a:t>
+              <a:t> </a:t>
+            </a:r>
+            <a:r>
+              <a:rPr lang="en-US" sz="2400" dirty="0" smtClean="0"/>
+              <a:t>= 	2, 3, 4, 5, 6, 6, 6</a:t>
             </a:r>
           </a:p>
         </p:txBody>
@@ -9450,7 +9441,7 @@
           <a:effectLst/>
           <a:extLst>
             <a:ext uri="{909E8E84-426E-40dd-AFC4-6F175D3DCCD1}">
-              <a14:hiddenFill xmlns:a14="http://schemas.microsoft.com/office/drawing/2010/main" xmlns="">
+              <a14:hiddenFill xmlns="" xmlns:a14="http://schemas.microsoft.com/office/drawing/2010/main">
                 <a:blipFill dpi="0" rotWithShape="0">
                   <a:blip xmlns:r="http://schemas.openxmlformats.org/officeDocument/2006/relationships"/>
                   <a:srcRect/>
@@ -9461,7 +9452,7 @@
               </a14:hiddenFill>
             </a:ext>
             <a:ext uri="{91240B29-F687-4f45-9708-019B960494DF}">
-              <a14:hiddenLine xmlns:a14="http://schemas.microsoft.com/office/drawing/2010/main" xmlns="" w="9525" cap="flat">
+              <a14:hiddenLine xmlns="" xmlns:a14="http://schemas.microsoft.com/office/drawing/2010/main" w="9525" cap="flat">
                 <a:solidFill>
                   <a:srgbClr val="000000"/>
                 </a:solidFill>
@@ -9471,7 +9462,7 @@
               </a14:hiddenLine>
             </a:ext>
             <a:ext uri="{AF507438-7753-43e0-B8FC-AC1667EBCBE1}">
-              <a14:hiddenEffects xmlns:a14="http://schemas.microsoft.com/office/drawing/2010/main" xmlns="">
+              <a14:hiddenEffects xmlns="" xmlns:a14="http://schemas.microsoft.com/office/drawing/2010/main">
                 <a:effectLst>
                   <a:outerShdw blurRad="63500" dist="38099" dir="2700000" algn="ctr" rotWithShape="0">
                     <a:srgbClr val="000000">
@@ -9775,7 +9766,7 @@
           <a:effectLst/>
           <a:extLst>
             <a:ext uri="{909E8E84-426E-40dd-AFC4-6F175D3DCCD1}">
-              <a14:hiddenFill xmlns:a14="http://schemas.microsoft.com/office/drawing/2010/main" xmlns="">
+              <a14:hiddenFill xmlns="" xmlns:a14="http://schemas.microsoft.com/office/drawing/2010/main">
                 <a:blipFill dpi="0" rotWithShape="0">
                   <a:blip xmlns:r="http://schemas.openxmlformats.org/officeDocument/2006/relationships"/>
                   <a:srcRect/>
@@ -9786,7 +9777,7 @@
               </a14:hiddenFill>
             </a:ext>
             <a:ext uri="{91240B29-F687-4f45-9708-019B960494DF}">
-              <a14:hiddenLine xmlns:a14="http://schemas.microsoft.com/office/drawing/2010/main" xmlns="" w="9525" cap="flat">
+              <a14:hiddenLine xmlns="" xmlns:a14="http://schemas.microsoft.com/office/drawing/2010/main" w="9525" cap="flat">
                 <a:solidFill>
                   <a:srgbClr val="000000"/>
                 </a:solidFill>
@@ -9796,7 +9787,7 @@
               </a14:hiddenLine>
             </a:ext>
             <a:ext uri="{AF507438-7753-43e0-B8FC-AC1667EBCBE1}">
-              <a14:hiddenEffects xmlns:a14="http://schemas.microsoft.com/office/drawing/2010/main" xmlns="">
+              <a14:hiddenEffects xmlns="" xmlns:a14="http://schemas.microsoft.com/office/drawing/2010/main">
                 <a:effectLst>
                   <a:outerShdw blurRad="63500" dist="38099" dir="2700000" algn="ctr" rotWithShape="0">
                     <a:srgbClr val="000000">
@@ -10079,38 +10070,33 @@
             </a:r>
             <a:r>
               <a:rPr lang="en-AU" dirty="0" smtClean="0"/>
-              <a:t>are translation probabilities</a:t>
-            </a:r>
+              <a:t>are translation </a:t>
+            </a:r>
+            <a:r>
+              <a:rPr lang="en-AU" dirty="0" smtClean="0"/>
+              <a:t>probabilities</a:t>
+            </a:r>
+            <a:endParaRPr lang="en-AU" i="1" dirty="0" smtClean="0"/>
           </a:p>
           <a:p>
             <a:pPr lvl="1"/>
             <a:r>
-              <a:rPr lang="en-AU" i="1" dirty="0" smtClean="0"/>
-              <a:t>J </a:t>
-            </a:r>
-            <a:r>
               <a:rPr lang="en-AU" dirty="0" smtClean="0"/>
-              <a:t>is the length of </a:t>
-            </a:r>
-            <a:r>
-              <a:rPr lang="en-AU" i="1" dirty="0" smtClean="0"/>
-              <a:t>F</a:t>
-            </a:r>
-          </a:p>
-          <a:p>
-            <a:pPr lvl="1"/>
+              <a:t>alignments </a:t>
+            </a:r>
+            <a:r>
+              <a:rPr lang="en-AU" i="1" dirty="0" err="1" smtClean="0"/>
+              <a:t>a</a:t>
+            </a:r>
+            <a:r>
+              <a:rPr lang="en-AU" i="1" baseline="-25000" dirty="0" err="1" smtClean="0"/>
+              <a:t>j</a:t>
+            </a:r>
             <a:r>
               <a:rPr lang="en-AU" dirty="0" smtClean="0"/>
-              <a:t>alignment </a:t>
-            </a:r>
-            <a:r>
-              <a:rPr lang="en-AU" i="1" dirty="0" smtClean="0"/>
-              <a:t>a</a:t>
-            </a:r>
-            <a:r>
-              <a:rPr lang="en-AU" dirty="0" smtClean="0"/>
-              <a:t> links each word and its translation</a:t>
-            </a:r>
+              <a:t> indexes the translation of word j</a:t>
+            </a:r>
+            <a:endParaRPr lang="en-AU" dirty="0" smtClean="0"/>
           </a:p>
         </p:txBody>
       </p:sp>
@@ -11635,7 +11621,7 @@
         </p:nvSpPr>
         <p:spPr>
           <a:xfrm>
-            <a:off x="835069" y="2385813"/>
+            <a:off x="916485" y="2401183"/>
             <a:ext cx="1573685" cy="375986"/>
           </a:xfrm>
           <a:prstGeom prst="rect">
@@ -11655,7 +11641,7 @@
                 <a:ea typeface="Arial Hebrew" charset="-79"/>
                 <a:cs typeface="Arial Hebrew" charset="-79"/>
               </a:rPr>
-              <a:t>the</a:t>
+              <a:t>e = the</a:t>
             </a:r>
             <a:endParaRPr lang="en-AU" dirty="0"/>
           </a:p>
@@ -11669,7 +11655,7 @@
         </p:nvSpPr>
         <p:spPr>
           <a:xfrm>
-            <a:off x="3338029" y="2385813"/>
+            <a:off x="2806844" y="2401183"/>
             <a:ext cx="1279733" cy="375986"/>
           </a:xfrm>
           <a:prstGeom prst="rect">
@@ -11689,7 +11675,7 @@
                 <a:ea typeface="Arial Hebrew" charset="-79"/>
                 <a:cs typeface="Arial Hebrew" charset="-79"/>
               </a:rPr>
-              <a:t>house</a:t>
+              <a:t>e = house</a:t>
             </a:r>
             <a:endParaRPr lang="en-AU" dirty="0"/>
           </a:p>
@@ -11703,7 +11689,7 @@
         </p:nvSpPr>
         <p:spPr>
           <a:xfrm>
-            <a:off x="5158393" y="2385813"/>
+            <a:off x="4675725" y="2410891"/>
             <a:ext cx="1082597" cy="375986"/>
           </a:xfrm>
           <a:prstGeom prst="rect">
@@ -11718,12 +11704,12 @@
           <a:p>
             <a:pPr algn="ctr"/>
             <a:r>
-              <a:rPr lang="en-AU" dirty="0" smtClean="0">
+              <a:rPr lang="en-AU" smtClean="0">
                 <a:latin typeface="Arial Hebrew" charset="-79"/>
                 <a:ea typeface="Arial Hebrew" charset="-79"/>
                 <a:cs typeface="Arial Hebrew" charset="-79"/>
               </a:rPr>
-              <a:t>is</a:t>
+              <a:t>e = is</a:t>
             </a:r>
             <a:endParaRPr lang="en-AU" dirty="0"/>
           </a:p>
@@ -11737,7 +11723,7 @@
         </p:nvSpPr>
         <p:spPr>
           <a:xfrm>
-            <a:off x="6313479" y="2404801"/>
+            <a:off x="6203917" y="2390171"/>
             <a:ext cx="1234945" cy="375986"/>
           </a:xfrm>
           <a:prstGeom prst="rect">
@@ -11751,12 +11737,12 @@
           <a:lstStyle/>
           <a:p>
             <a:r>
-              <a:rPr lang="en-AU" smtClean="0">
+              <a:rPr lang="en-AU" dirty="0" smtClean="0">
                 <a:latin typeface="Arial Hebrew" charset="-79"/>
                 <a:ea typeface="Arial Hebrew" charset="-79"/>
                 <a:cs typeface="Arial Hebrew" charset="-79"/>
               </a:rPr>
-              <a:t>small</a:t>
+              <a:t>e = small</a:t>
             </a:r>
             <a:endParaRPr lang="en-AU" dirty="0"/>
           </a:p>
@@ -11902,7 +11888,15 @@
             <a:pPr lvl="1"/>
             <a:r>
               <a:rPr lang="en-US" dirty="0" smtClean="0"/>
-              <a:t>a ‘chicken and egg’ problem</a:t>
+              <a:t>a ‘</a:t>
+            </a:r>
+            <a:r>
+              <a:rPr lang="en-US" i="1" dirty="0" smtClean="0"/>
+              <a:t>chicken and egg</a:t>
+            </a:r>
+            <a:r>
+              <a:rPr lang="en-US" dirty="0" smtClean="0"/>
+              <a:t>’ problem</a:t>
             </a:r>
             <a:r>
               <a:rPr lang="is-IS" dirty="0" smtClean="0"/>
@@ -12002,7 +11996,19 @@
             </a:r>
             <a:r>
               <a:rPr lang="en-US" altLang="en-US" b="1" dirty="0" smtClean="0"/>
-              <a:t>“expectation maximization”</a:t>
+              <a:t>“</a:t>
+            </a:r>
+            <a:r>
+              <a:rPr lang="en-US" altLang="en-US" b="1" dirty="0" smtClean="0">
+                <a:solidFill>
+                  <a:srgbClr val="FF0000"/>
+                </a:solidFill>
+              </a:rPr>
+              <a:t>expectation maximization</a:t>
+            </a:r>
+            <a:r>
+              <a:rPr lang="en-US" altLang="en-US" b="1" dirty="0" smtClean="0"/>
+              <a:t>”</a:t>
             </a:r>
             <a:r>
               <a:rPr lang="en-US" altLang="en-US" dirty="0" smtClean="0"/>
@@ -12033,8 +12039,16 @@
               <a:buAutoNum type="arabicPeriod"/>
             </a:pPr>
             <a:r>
+              <a:rPr lang="en-US" altLang="en-US" dirty="0" smtClean="0">
+                <a:solidFill>
+                  <a:srgbClr val="FF0000"/>
+                </a:solidFill>
+              </a:rPr>
+              <a:t>estimate</a:t>
+            </a:r>
+            <a:r>
               <a:rPr lang="en-US" altLang="en-US" dirty="0" smtClean="0"/>
-              <a:t>estimate alignments of each sentence pair in corpus </a:t>
+              <a:t> alignments of each sentence pair in corpus </a:t>
             </a:r>
             <a:br>
               <a:rPr lang="en-US" altLang="en-US" dirty="0" smtClean="0"/>
@@ -12058,8 +12072,20 @@
               <a:buAutoNum type="arabicPeriod"/>
             </a:pPr>
             <a:r>
-              <a:rPr lang="en-US" altLang="en-US" dirty="0" smtClean="0"/>
-              <a:t>learn new </a:t>
+              <a:rPr lang="en-US" altLang="en-US" dirty="0" smtClean="0">
+                <a:solidFill>
+                  <a:srgbClr val="FF0000"/>
+                </a:solidFill>
+              </a:rPr>
+              <a:t>learn </a:t>
+            </a:r>
+            <a:r>
+              <a:rPr lang="en-US" altLang="en-US" dirty="0" smtClean="0">
+                <a:solidFill>
+                  <a:srgbClr val="FF0000"/>
+                </a:solidFill>
+              </a:rPr>
+              <a:t>parameters </a:t>
             </a:r>
             <a:r>
               <a:rPr lang="en-US" altLang="en-US" i="1" dirty="0" smtClean="0"/>
@@ -12067,7 +12093,11 @@
             </a:r>
             <a:r>
               <a:rPr lang="en-US" altLang="en-US" dirty="0" smtClean="0"/>
-              <a:t> parameters, based on expected (fractional) alignments over corpus (from step 2)</a:t>
+              <a:t>, </a:t>
+            </a:r>
+            <a:r>
+              <a:rPr lang="en-US" altLang="en-US" dirty="0" smtClean="0"/>
+              <a:t>based on expected (fractional) alignments over corpus (from step 2)</a:t>
             </a:r>
           </a:p>
           <a:p>
@@ -12416,7 +12446,7 @@
         </p:blipFill>
         <p:spPr>
           <a:xfrm>
-            <a:off x="4088413" y="5886761"/>
+            <a:off x="4020399" y="5637379"/>
             <a:ext cx="3651250" cy="752982"/>
           </a:xfrm>
           <a:prstGeom prst="rect">
@@ -12721,30 +12751,6 @@
           </a:p>
         </p:txBody>
       </p:sp>
-      <p:pic>
-        <p:nvPicPr>
-          <p:cNvPr id="5" name="Picture 4"/>
-          <p:cNvPicPr>
-            <a:picLocks noChangeAspect="1"/>
-          </p:cNvPicPr>
-          <p:nvPr/>
-        </p:nvPicPr>
-        <p:blipFill>
-          <a:blip r:embed="rId3"/>
-          <a:stretch>
-            <a:fillRect/>
-          </a:stretch>
-        </p:blipFill>
-        <p:spPr>
-          <a:xfrm>
-            <a:off x="404365" y="1439576"/>
-            <a:ext cx="5895307" cy="4703090"/>
-          </a:xfrm>
-          <a:prstGeom prst="rect">
-            <a:avLst/>
-          </a:prstGeom>
-        </p:spPr>
-      </p:pic>
       <p:sp>
         <p:nvSpPr>
           <p:cNvPr id="4" name="TextBox 3"/>
@@ -12851,6 +12857,30 @@
           </a:p>
         </p:txBody>
       </p:sp>
+      <p:pic>
+        <p:nvPicPr>
+          <p:cNvPr id="2" name="Picture 1"/>
+          <p:cNvPicPr>
+            <a:picLocks noChangeAspect="1"/>
+          </p:cNvPicPr>
+          <p:nvPr/>
+        </p:nvPicPr>
+        <p:blipFill>
+          <a:blip r:embed="rId3"/>
+          <a:stretch>
+            <a:fillRect/>
+          </a:stretch>
+        </p:blipFill>
+        <p:spPr>
+          <a:xfrm>
+            <a:off x="404365" y="1426493"/>
+            <a:ext cx="6070600" cy="4851400"/>
+          </a:xfrm>
+          <a:prstGeom prst="rect">
+            <a:avLst/>
+          </a:prstGeom>
+        </p:spPr>
+      </p:pic>
     </p:spTree>
     <p:extLst>
       <p:ext uri="{BB962C8B-B14F-4D97-AF65-F5344CB8AC3E}">
@@ -13748,7 +13778,7 @@
           <a:effectLst/>
           <a:extLst>
             <a:ext uri="{909E8E84-426E-40dd-AFC4-6F175D3DCCD1}">
-              <a14:hiddenFill xmlns:a14="http://schemas.microsoft.com/office/drawing/2010/main" xmlns="">
+              <a14:hiddenFill xmlns="" xmlns:a14="http://schemas.microsoft.com/office/drawing/2010/main">
                 <a:blipFill dpi="0" rotWithShape="0">
                   <a:blip xmlns:r="http://schemas.openxmlformats.org/officeDocument/2006/relationships"/>
                   <a:srcRect/>
@@ -13759,7 +13789,7 @@
               </a14:hiddenFill>
             </a:ext>
             <a:ext uri="{91240B29-F687-4f45-9708-019B960494DF}">
-              <a14:hiddenLine xmlns:a14="http://schemas.microsoft.com/office/drawing/2010/main" xmlns="" w="9525" cap="flat">
+              <a14:hiddenLine xmlns="" xmlns:a14="http://schemas.microsoft.com/office/drawing/2010/main" w="9525" cap="flat">
                 <a:solidFill>
                   <a:srgbClr val="000000"/>
                 </a:solidFill>
@@ -13769,7 +13799,7 @@
               </a14:hiddenLine>
             </a:ext>
             <a:ext uri="{AF507438-7753-43e0-B8FC-AC1667EBCBE1}">
-              <a14:hiddenEffects xmlns:a14="http://schemas.microsoft.com/office/drawing/2010/main" xmlns="">
+              <a14:hiddenEffects xmlns="" xmlns:a14="http://schemas.microsoft.com/office/drawing/2010/main">
                 <a:effectLst>
                   <a:outerShdw blurRad="63500" dist="38099" dir="2700000" algn="ctr" rotWithShape="0">
                     <a:srgbClr val="000000">
@@ -14203,7 +14233,7 @@
 </file>
 
 <file path=ppt/slides/slide27.xml><?xml version="1.0" encoding="utf-8"?>
-<p:sld xmlns:a="http://schemas.openxmlformats.org/drawingml/2006/main" xmlns:r="http://schemas.openxmlformats.org/officeDocument/2006/relationships" xmlns:p="http://schemas.openxmlformats.org/presentationml/2006/main">
+<p:sld xmlns:a="http://schemas.openxmlformats.org/drawingml/2006/main" xmlns:r="http://schemas.openxmlformats.org/officeDocument/2006/relationships" xmlns:p="http://schemas.openxmlformats.org/presentationml/2006/main" show="0">
   <p:cSld>
     <p:spTree>
       <p:nvGrpSpPr>
@@ -14388,7 +14418,7 @@
 </file>
 
 <file path=ppt/slides/slide28.xml><?xml version="1.0" encoding="utf-8"?>
-<p:sld xmlns:a="http://schemas.openxmlformats.org/drawingml/2006/main" xmlns:r="http://schemas.openxmlformats.org/officeDocument/2006/relationships" xmlns:p="http://schemas.openxmlformats.org/presentationml/2006/main">
+<p:sld xmlns:a="http://schemas.openxmlformats.org/drawingml/2006/main" xmlns:r="http://schemas.openxmlformats.org/officeDocument/2006/relationships" xmlns:p="http://schemas.openxmlformats.org/presentationml/2006/main" show="0">
   <p:cSld>
     <p:spTree>
       <p:nvGrpSpPr>
@@ -15542,7 +15572,6 @@
               <a:rPr lang="en-AU" smtClean="0"/>
               <a:t>25.4-25.6 </a:t>
             </a:r>
-            <a:endParaRPr lang="en-AU" smtClean="0"/>
           </a:p>
           <a:p>
             <a:pPr lvl="1"/>
@@ -16116,14 +16145,14 @@
           <a:effectLst/>
           <a:extLst>
             <a:ext uri="{909E8E84-426E-40dd-AFC4-6F175D3DCCD1}">
-              <a14:hiddenFill xmlns:a14="http://schemas.microsoft.com/office/drawing/2010/main" xmlns="">
+              <a14:hiddenFill xmlns="" xmlns:a14="http://schemas.microsoft.com/office/drawing/2010/main">
                 <a:solidFill>
                   <a:srgbClr val="FFFFFF"/>
                 </a:solidFill>
               </a14:hiddenFill>
             </a:ext>
             <a:ext uri="{AF507438-7753-43e0-B8FC-AC1667EBCBE1}">
-              <a14:hiddenEffects xmlns:a14="http://schemas.microsoft.com/office/drawing/2010/main" xmlns="">
+              <a14:hiddenEffects xmlns="" xmlns:a14="http://schemas.microsoft.com/office/drawing/2010/main">
                 <a:effectLst>
                   <a:outerShdw blurRad="63500" dist="38099" dir="2700000" algn="ctr" rotWithShape="0">
                     <a:srgbClr val="000000">
@@ -16214,14 +16243,14 @@
           <a:effectLst/>
           <a:extLst>
             <a:ext uri="{909E8E84-426E-40dd-AFC4-6F175D3DCCD1}">
-              <a14:hiddenFill xmlns:a14="http://schemas.microsoft.com/office/drawing/2010/main" xmlns="">
+              <a14:hiddenFill xmlns="" xmlns:a14="http://schemas.microsoft.com/office/drawing/2010/main">
                 <a:solidFill>
                   <a:srgbClr val="FFFFFF"/>
                 </a:solidFill>
               </a14:hiddenFill>
             </a:ext>
             <a:ext uri="{AF507438-7753-43e0-B8FC-AC1667EBCBE1}">
-              <a14:hiddenEffects xmlns:a14="http://schemas.microsoft.com/office/drawing/2010/main" xmlns="">
+              <a14:hiddenEffects xmlns="" xmlns:a14="http://schemas.microsoft.com/office/drawing/2010/main">
                 <a:effectLst>
                   <a:outerShdw blurRad="63500" dist="38099" dir="2700000" algn="ctr" rotWithShape="0">
                     <a:srgbClr val="000000">
@@ -16328,14 +16357,14 @@
           <a:effectLst/>
           <a:extLst>
             <a:ext uri="{909E8E84-426E-40dd-AFC4-6F175D3DCCD1}">
-              <a14:hiddenFill xmlns:a14="http://schemas.microsoft.com/office/drawing/2010/main" xmlns="">
+              <a14:hiddenFill xmlns="" xmlns:a14="http://schemas.microsoft.com/office/drawing/2010/main">
                 <a:solidFill>
                   <a:srgbClr val="FFFFFF"/>
                 </a:solidFill>
               </a14:hiddenFill>
             </a:ext>
             <a:ext uri="{AF507438-7753-43e0-B8FC-AC1667EBCBE1}">
-              <a14:hiddenEffects xmlns:a14="http://schemas.microsoft.com/office/drawing/2010/main" xmlns="">
+              <a14:hiddenEffects xmlns="" xmlns:a14="http://schemas.microsoft.com/office/drawing/2010/main">
                 <a:effectLst>
                   <a:outerShdw blurRad="63500" dist="38099" dir="2700000" algn="ctr" rotWithShape="0">
                     <a:srgbClr val="000000">
@@ -16424,14 +16453,14 @@
           <a:effectLst/>
           <a:extLst>
             <a:ext uri="{909E8E84-426E-40dd-AFC4-6F175D3DCCD1}">
-              <a14:hiddenFill xmlns:a14="http://schemas.microsoft.com/office/drawing/2010/main" xmlns="">
+              <a14:hiddenFill xmlns="" xmlns:a14="http://schemas.microsoft.com/office/drawing/2010/main">
                 <a:solidFill>
                   <a:srgbClr val="FFFFFF"/>
                 </a:solidFill>
               </a14:hiddenFill>
             </a:ext>
             <a:ext uri="{AF507438-7753-43e0-B8FC-AC1667EBCBE1}">
-              <a14:hiddenEffects xmlns:a14="http://schemas.microsoft.com/office/drawing/2010/main" xmlns="">
+              <a14:hiddenEffects xmlns="" xmlns:a14="http://schemas.microsoft.com/office/drawing/2010/main">
                 <a:effectLst>
                   <a:outerShdw blurRad="63500" dist="38099" dir="2700000" algn="ctr" rotWithShape="0">
                     <a:srgbClr val="000000">
@@ -16520,14 +16549,14 @@
           <a:effectLst/>
           <a:extLst>
             <a:ext uri="{909E8E84-426E-40dd-AFC4-6F175D3DCCD1}">
-              <a14:hiddenFill xmlns:a14="http://schemas.microsoft.com/office/drawing/2010/main" xmlns="">
+              <a14:hiddenFill xmlns="" xmlns:a14="http://schemas.microsoft.com/office/drawing/2010/main">
                 <a:solidFill>
                   <a:srgbClr val="FFFFFF"/>
                 </a:solidFill>
               </a14:hiddenFill>
             </a:ext>
             <a:ext uri="{AF507438-7753-43e0-B8FC-AC1667EBCBE1}">
-              <a14:hiddenEffects xmlns:a14="http://schemas.microsoft.com/office/drawing/2010/main" xmlns="">
+              <a14:hiddenEffects xmlns="" xmlns:a14="http://schemas.microsoft.com/office/drawing/2010/main">
                 <a:effectLst>
                   <a:outerShdw blurRad="63500" dist="38099" dir="2700000" algn="ctr" rotWithShape="0">
                     <a:srgbClr val="000000">
@@ -16634,14 +16663,14 @@
           <a:effectLst/>
           <a:extLst>
             <a:ext uri="{909E8E84-426E-40dd-AFC4-6F175D3DCCD1}">
-              <a14:hiddenFill xmlns:a14="http://schemas.microsoft.com/office/drawing/2010/main" xmlns="">
+              <a14:hiddenFill xmlns="" xmlns:a14="http://schemas.microsoft.com/office/drawing/2010/main">
                 <a:solidFill>
                   <a:srgbClr val="FFFFFF"/>
                 </a:solidFill>
               </a14:hiddenFill>
             </a:ext>
             <a:ext uri="{AF507438-7753-43e0-B8FC-AC1667EBCBE1}">
-              <a14:hiddenEffects xmlns:a14="http://schemas.microsoft.com/office/drawing/2010/main" xmlns="">
+              <a14:hiddenEffects xmlns="" xmlns:a14="http://schemas.microsoft.com/office/drawing/2010/main">
                 <a:effectLst>
                   <a:outerShdw blurRad="63500" dist="38099" dir="2700000" algn="ctr" rotWithShape="0">
                     <a:srgbClr val="000000">
@@ -16730,14 +16759,14 @@
           <a:effectLst/>
           <a:extLst>
             <a:ext uri="{909E8E84-426E-40dd-AFC4-6F175D3DCCD1}">
-              <a14:hiddenFill xmlns:a14="http://schemas.microsoft.com/office/drawing/2010/main" xmlns="">
+              <a14:hiddenFill xmlns="" xmlns:a14="http://schemas.microsoft.com/office/drawing/2010/main">
                 <a:solidFill>
                   <a:srgbClr val="FFFFFF"/>
                 </a:solidFill>
               </a14:hiddenFill>
             </a:ext>
             <a:ext uri="{AF507438-7753-43e0-B8FC-AC1667EBCBE1}">
-              <a14:hiddenEffects xmlns:a14="http://schemas.microsoft.com/office/drawing/2010/main" xmlns="">
+              <a14:hiddenEffects xmlns="" xmlns:a14="http://schemas.microsoft.com/office/drawing/2010/main">
                 <a:effectLst>
                   <a:outerShdw blurRad="63500" dist="38099" dir="2700000" algn="ctr" rotWithShape="0">
                     <a:srgbClr val="000000">
@@ -16824,12 +16853,12 @@
           <a:effectLst/>
           <a:extLst>
             <a:ext uri="{909E8E84-426E-40dd-AFC4-6F175D3DCCD1}">
-              <a14:hiddenFill xmlns:a14="http://schemas.microsoft.com/office/drawing/2010/main" xmlns="">
+              <a14:hiddenFill xmlns="" xmlns:a14="http://schemas.microsoft.com/office/drawing/2010/main">
                 <a:noFill/>
               </a14:hiddenFill>
             </a:ext>
             <a:ext uri="{AF507438-7753-43e0-B8FC-AC1667EBCBE1}">
-              <a14:hiddenEffects xmlns:a14="http://schemas.microsoft.com/office/drawing/2010/main" xmlns="">
+              <a14:hiddenEffects xmlns="" xmlns:a14="http://schemas.microsoft.com/office/drawing/2010/main">
                 <a:effectLst>
                   <a:outerShdw blurRad="63500" dist="38099" dir="2700000" algn="ctr" rotWithShape="0">
                     <a:srgbClr val="000000">
@@ -16884,12 +16913,12 @@
           <a:effectLst/>
           <a:extLst>
             <a:ext uri="{909E8E84-426E-40dd-AFC4-6F175D3DCCD1}">
-              <a14:hiddenFill xmlns:a14="http://schemas.microsoft.com/office/drawing/2010/main" xmlns="">
+              <a14:hiddenFill xmlns="" xmlns:a14="http://schemas.microsoft.com/office/drawing/2010/main">
                 <a:noFill/>
               </a14:hiddenFill>
             </a:ext>
             <a:ext uri="{AF507438-7753-43e0-B8FC-AC1667EBCBE1}">
-              <a14:hiddenEffects xmlns:a14="http://schemas.microsoft.com/office/drawing/2010/main" xmlns="">
+              <a14:hiddenEffects xmlns="" xmlns:a14="http://schemas.microsoft.com/office/drawing/2010/main">
                 <a:effectLst>
                   <a:outerShdw blurRad="63500" dist="38099" dir="2700000" algn="ctr" rotWithShape="0">
                     <a:srgbClr val="000000">
@@ -16944,12 +16973,12 @@
           <a:effectLst/>
           <a:extLst>
             <a:ext uri="{909E8E84-426E-40dd-AFC4-6F175D3DCCD1}">
-              <a14:hiddenFill xmlns:a14="http://schemas.microsoft.com/office/drawing/2010/main" xmlns="">
+              <a14:hiddenFill xmlns="" xmlns:a14="http://schemas.microsoft.com/office/drawing/2010/main">
                 <a:noFill/>
               </a14:hiddenFill>
             </a:ext>
             <a:ext uri="{AF507438-7753-43e0-B8FC-AC1667EBCBE1}">
-              <a14:hiddenEffects xmlns:a14="http://schemas.microsoft.com/office/drawing/2010/main" xmlns="">
+              <a14:hiddenEffects xmlns="" xmlns:a14="http://schemas.microsoft.com/office/drawing/2010/main">
                 <a:effectLst>
                   <a:outerShdw blurRad="63500" dist="38099" dir="2700000" algn="ctr" rotWithShape="0">
                     <a:srgbClr val="000000">
@@ -17004,12 +17033,12 @@
           <a:effectLst/>
           <a:extLst>
             <a:ext uri="{909E8E84-426E-40dd-AFC4-6F175D3DCCD1}">
-              <a14:hiddenFill xmlns:a14="http://schemas.microsoft.com/office/drawing/2010/main" xmlns="">
+              <a14:hiddenFill xmlns="" xmlns:a14="http://schemas.microsoft.com/office/drawing/2010/main">
                 <a:noFill/>
               </a14:hiddenFill>
             </a:ext>
             <a:ext uri="{AF507438-7753-43e0-B8FC-AC1667EBCBE1}">
-              <a14:hiddenEffects xmlns:a14="http://schemas.microsoft.com/office/drawing/2010/main" xmlns="">
+              <a14:hiddenEffects xmlns="" xmlns:a14="http://schemas.microsoft.com/office/drawing/2010/main">
                 <a:effectLst>
                   <a:outerShdw blurRad="63500" dist="38099" dir="2700000" algn="ctr" rotWithShape="0">
                     <a:srgbClr val="000000">
@@ -17064,12 +17093,12 @@
           <a:effectLst/>
           <a:extLst>
             <a:ext uri="{909E8E84-426E-40dd-AFC4-6F175D3DCCD1}">
-              <a14:hiddenFill xmlns:a14="http://schemas.microsoft.com/office/drawing/2010/main" xmlns="">
+              <a14:hiddenFill xmlns="" xmlns:a14="http://schemas.microsoft.com/office/drawing/2010/main">
                 <a:noFill/>
               </a14:hiddenFill>
             </a:ext>
             <a:ext uri="{AF507438-7753-43e0-B8FC-AC1667EBCBE1}">
-              <a14:hiddenEffects xmlns:a14="http://schemas.microsoft.com/office/drawing/2010/main" xmlns="">
+              <a14:hiddenEffects xmlns="" xmlns:a14="http://schemas.microsoft.com/office/drawing/2010/main">
                 <a:effectLst>
                   <a:outerShdw blurRad="63500" dist="38099" dir="2700000" algn="ctr" rotWithShape="0">
                     <a:srgbClr val="000000">
@@ -17124,12 +17153,12 @@
           <a:effectLst/>
           <a:extLst>
             <a:ext uri="{909E8E84-426E-40dd-AFC4-6F175D3DCCD1}">
-              <a14:hiddenFill xmlns:a14="http://schemas.microsoft.com/office/drawing/2010/main" xmlns="">
+              <a14:hiddenFill xmlns="" xmlns:a14="http://schemas.microsoft.com/office/drawing/2010/main">
                 <a:noFill/>
               </a14:hiddenFill>
             </a:ext>
             <a:ext uri="{AF507438-7753-43e0-B8FC-AC1667EBCBE1}">
-              <a14:hiddenEffects xmlns:a14="http://schemas.microsoft.com/office/drawing/2010/main" xmlns="">
+              <a14:hiddenEffects xmlns="" xmlns:a14="http://schemas.microsoft.com/office/drawing/2010/main">
                 <a:effectLst>
                   <a:outerShdw blurRad="63500" dist="38099" dir="2700000" algn="ctr" rotWithShape="0">
                     <a:srgbClr val="000000">
@@ -17184,12 +17213,12 @@
           <a:effectLst/>
           <a:extLst>
             <a:ext uri="{909E8E84-426E-40dd-AFC4-6F175D3DCCD1}">
-              <a14:hiddenFill xmlns:a14="http://schemas.microsoft.com/office/drawing/2010/main" xmlns="">
+              <a14:hiddenFill xmlns="" xmlns:a14="http://schemas.microsoft.com/office/drawing/2010/main">
                 <a:noFill/>
               </a14:hiddenFill>
             </a:ext>
             <a:ext uri="{AF507438-7753-43e0-B8FC-AC1667EBCBE1}">
-              <a14:hiddenEffects xmlns:a14="http://schemas.microsoft.com/office/drawing/2010/main" xmlns="">
+              <a14:hiddenEffects xmlns="" xmlns:a14="http://schemas.microsoft.com/office/drawing/2010/main">
                 <a:effectLst>
                   <a:outerShdw blurRad="63500" dist="38099" dir="2700000" algn="ctr" rotWithShape="0">
                     <a:srgbClr val="000000">
@@ -17244,12 +17273,12 @@
           <a:effectLst/>
           <a:extLst>
             <a:ext uri="{909E8E84-426E-40dd-AFC4-6F175D3DCCD1}">
-              <a14:hiddenFill xmlns:a14="http://schemas.microsoft.com/office/drawing/2010/main" xmlns="">
+              <a14:hiddenFill xmlns="" xmlns:a14="http://schemas.microsoft.com/office/drawing/2010/main">
                 <a:noFill/>
               </a14:hiddenFill>
             </a:ext>
             <a:ext uri="{AF507438-7753-43e0-B8FC-AC1667EBCBE1}">
-              <a14:hiddenEffects xmlns:a14="http://schemas.microsoft.com/office/drawing/2010/main" xmlns="">
+              <a14:hiddenEffects xmlns="" xmlns:a14="http://schemas.microsoft.com/office/drawing/2010/main">
                 <a:effectLst>
                   <a:outerShdw blurRad="63500" dist="38099" dir="2700000" algn="ctr" rotWithShape="0">
                     <a:srgbClr val="000000">
@@ -17304,12 +17333,12 @@
           <a:effectLst/>
           <a:extLst>
             <a:ext uri="{909E8E84-426E-40dd-AFC4-6F175D3DCCD1}">
-              <a14:hiddenFill xmlns:a14="http://schemas.microsoft.com/office/drawing/2010/main" xmlns="">
+              <a14:hiddenFill xmlns="" xmlns:a14="http://schemas.microsoft.com/office/drawing/2010/main">
                 <a:noFill/>
               </a14:hiddenFill>
             </a:ext>
             <a:ext uri="{AF507438-7753-43e0-B8FC-AC1667EBCBE1}">
-              <a14:hiddenEffects xmlns:a14="http://schemas.microsoft.com/office/drawing/2010/main" xmlns="">
+              <a14:hiddenEffects xmlns="" xmlns:a14="http://schemas.microsoft.com/office/drawing/2010/main">
                 <a:effectLst>
                   <a:outerShdw blurRad="63500" dist="38099" dir="2700000" algn="ctr" rotWithShape="0">
                     <a:srgbClr val="000000">
@@ -17359,14 +17388,14 @@
           <a:effectLst/>
           <a:extLst>
             <a:ext uri="{909E8E84-426E-40dd-AFC4-6F175D3DCCD1}">
-              <a14:hiddenFill xmlns:a14="http://schemas.microsoft.com/office/drawing/2010/main" xmlns="">
+              <a14:hiddenFill xmlns="" xmlns:a14="http://schemas.microsoft.com/office/drawing/2010/main">
                 <a:solidFill>
                   <a:srgbClr val="FFFFFF"/>
                 </a:solidFill>
               </a14:hiddenFill>
             </a:ext>
             <a:ext uri="{91240B29-F687-4f45-9708-019B960494DF}">
-              <a14:hiddenLine xmlns:a14="http://schemas.microsoft.com/office/drawing/2010/main" xmlns="" w="9525" cap="flat">
+              <a14:hiddenLine xmlns="" xmlns:a14="http://schemas.microsoft.com/office/drawing/2010/main" w="9525" cap="flat">
                 <a:solidFill>
                   <a:srgbClr val="000000"/>
                 </a:solidFill>
@@ -17376,7 +17405,7 @@
               </a14:hiddenLine>
             </a:ext>
             <a:ext uri="{AF507438-7753-43e0-B8FC-AC1667EBCBE1}">
-              <a14:hiddenEffects xmlns:a14="http://schemas.microsoft.com/office/drawing/2010/main" xmlns="">
+              <a14:hiddenEffects xmlns="" xmlns:a14="http://schemas.microsoft.com/office/drawing/2010/main">
                 <a:effectLst>
                   <a:outerShdw blurRad="63500" dist="38099" dir="2700000" algn="ctr" rotWithShape="0">
                     <a:srgbClr val="000000">
@@ -17615,14 +17644,14 @@
           <a:effectLst/>
           <a:extLst>
             <a:ext uri="{909E8E84-426E-40dd-AFC4-6F175D3DCCD1}">
-              <a14:hiddenFill xmlns:a14="http://schemas.microsoft.com/office/drawing/2010/main" xmlns="">
+              <a14:hiddenFill xmlns="" xmlns:a14="http://schemas.microsoft.com/office/drawing/2010/main">
                 <a:solidFill>
                   <a:srgbClr val="FFFFFF"/>
                 </a:solidFill>
               </a14:hiddenFill>
             </a:ext>
             <a:ext uri="{91240B29-F687-4f45-9708-019B960494DF}">
-              <a14:hiddenLine xmlns:a14="http://schemas.microsoft.com/office/drawing/2010/main" xmlns="" w="9525" cap="flat">
+              <a14:hiddenLine xmlns="" xmlns:a14="http://schemas.microsoft.com/office/drawing/2010/main" w="9525" cap="flat">
                 <a:solidFill>
                   <a:srgbClr val="000000"/>
                 </a:solidFill>
@@ -17632,7 +17661,7 @@
               </a14:hiddenLine>
             </a:ext>
             <a:ext uri="{AF507438-7753-43e0-B8FC-AC1667EBCBE1}">
-              <a14:hiddenEffects xmlns:a14="http://schemas.microsoft.com/office/drawing/2010/main" xmlns="">
+              <a14:hiddenEffects xmlns="" xmlns:a14="http://schemas.microsoft.com/office/drawing/2010/main">
                 <a:effectLst>
                   <a:outerShdw blurRad="63500" dist="38099" dir="2700000" algn="ctr" rotWithShape="0">
                     <a:srgbClr val="000000">
@@ -17871,14 +17900,14 @@
           <a:effectLst/>
           <a:extLst>
             <a:ext uri="{909E8E84-426E-40dd-AFC4-6F175D3DCCD1}">
-              <a14:hiddenFill xmlns:a14="http://schemas.microsoft.com/office/drawing/2010/main" xmlns="">
+              <a14:hiddenFill xmlns="" xmlns:a14="http://schemas.microsoft.com/office/drawing/2010/main">
                 <a:solidFill>
                   <a:srgbClr val="FFFFFF"/>
                 </a:solidFill>
               </a14:hiddenFill>
             </a:ext>
             <a:ext uri="{91240B29-F687-4f45-9708-019B960494DF}">
-              <a14:hiddenLine xmlns:a14="http://schemas.microsoft.com/office/drawing/2010/main" xmlns="" w="9525" cap="flat">
+              <a14:hiddenLine xmlns="" xmlns:a14="http://schemas.microsoft.com/office/drawing/2010/main" w="9525" cap="flat">
                 <a:solidFill>
                   <a:srgbClr val="000000"/>
                 </a:solidFill>
@@ -17888,7 +17917,7 @@
               </a14:hiddenLine>
             </a:ext>
             <a:ext uri="{AF507438-7753-43e0-B8FC-AC1667EBCBE1}">
-              <a14:hiddenEffects xmlns:a14="http://schemas.microsoft.com/office/drawing/2010/main" xmlns="">
+              <a14:hiddenEffects xmlns="" xmlns:a14="http://schemas.microsoft.com/office/drawing/2010/main">
                 <a:effectLst>
                   <a:outerShdw blurRad="63500" dist="38099" dir="2700000" algn="ctr" rotWithShape="0">
                     <a:srgbClr val="000000">
@@ -18127,14 +18156,14 @@
           <a:effectLst/>
           <a:extLst>
             <a:ext uri="{909E8E84-426E-40dd-AFC4-6F175D3DCCD1}">
-              <a14:hiddenFill xmlns:a14="http://schemas.microsoft.com/office/drawing/2010/main" xmlns="">
+              <a14:hiddenFill xmlns="" xmlns:a14="http://schemas.microsoft.com/office/drawing/2010/main">
                 <a:solidFill>
                   <a:srgbClr val="FFFFFF"/>
                 </a:solidFill>
               </a14:hiddenFill>
             </a:ext>
             <a:ext uri="{91240B29-F687-4f45-9708-019B960494DF}">
-              <a14:hiddenLine xmlns:a14="http://schemas.microsoft.com/office/drawing/2010/main" xmlns="" w="9525" cap="flat">
+              <a14:hiddenLine xmlns="" xmlns:a14="http://schemas.microsoft.com/office/drawing/2010/main" w="9525" cap="flat">
                 <a:solidFill>
                   <a:srgbClr val="000000"/>
                 </a:solidFill>
@@ -18144,7 +18173,7 @@
               </a14:hiddenLine>
             </a:ext>
             <a:ext uri="{AF507438-7753-43e0-B8FC-AC1667EBCBE1}">
-              <a14:hiddenEffects xmlns:a14="http://schemas.microsoft.com/office/drawing/2010/main" xmlns="">
+              <a14:hiddenEffects xmlns="" xmlns:a14="http://schemas.microsoft.com/office/drawing/2010/main">
                 <a:effectLst>
                   <a:outerShdw blurRad="63500" dist="38099" dir="2700000" algn="ctr" rotWithShape="0">
                     <a:srgbClr val="000000">
@@ -18567,30 +18596,58 @@
           <a:p>
             <a:pPr lvl="1"/>
             <a:r>
-              <a:rPr lang="en-US" altLang="x-none" dirty="0" smtClean="0"/>
+              <a:rPr lang="en-US" altLang="x-none" dirty="0" smtClean="0">
+                <a:latin typeface="Arial Hebrew" charset="-79"/>
+                <a:ea typeface="Arial Hebrew" charset="-79"/>
+                <a:cs typeface="Arial Hebrew" charset="-79"/>
+              </a:rPr>
               <a:t>When I look at an article in Russian, I say: </a:t>
             </a:r>
             <a:r>
+              <a:rPr lang="en-US" altLang="en-US" dirty="0" smtClean="0">
+                <a:latin typeface="Arial Hebrew" charset="-79"/>
+                <a:ea typeface="Arial Hebrew" charset="-79"/>
+                <a:cs typeface="Arial Hebrew" charset="-79"/>
+              </a:rPr>
+              <a:t>“</a:t>
+            </a:r>
+            <a:r>
+              <a:rPr lang="en-US" altLang="x-none" i="1" dirty="0" smtClean="0">
+                <a:latin typeface="Arial Hebrew" charset="-79"/>
+                <a:ea typeface="Arial Hebrew" charset="-79"/>
+                <a:cs typeface="Arial Hebrew" charset="-79"/>
+              </a:rPr>
+              <a:t>This is really written in English, but it has been coded in some strange symbols. I will now proceed to decode</a:t>
+            </a:r>
+            <a:r>
+              <a:rPr lang="en-US" altLang="x-none" dirty="0" smtClean="0">
+                <a:latin typeface="Arial Hebrew" charset="-79"/>
+                <a:ea typeface="Arial Hebrew" charset="-79"/>
+                <a:cs typeface="Arial Hebrew" charset="-79"/>
+              </a:rPr>
+              <a:t>.</a:t>
+            </a:r>
+            <a:r>
+              <a:rPr lang="en-US" altLang="en-US" dirty="0" smtClean="0">
+                <a:latin typeface="Arial Hebrew" charset="-79"/>
+                <a:ea typeface="Arial Hebrew" charset="-79"/>
+                <a:cs typeface="Arial Hebrew" charset="-79"/>
+              </a:rPr>
+              <a:t>”</a:t>
+            </a:r>
+            <a:r>
               <a:rPr lang="en-US" altLang="en-US" dirty="0" smtClean="0"/>
-              <a:t>“</a:t>
-            </a:r>
-            <a:r>
-              <a:rPr lang="en-US" altLang="x-none" i="1" dirty="0" smtClean="0"/>
-              <a:t>This is really written in English, but it has been coded in some strange symbols. I will now proceed to decode</a:t>
-            </a:r>
-            <a:r>
-              <a:rPr lang="en-US" altLang="x-none" dirty="0" smtClean="0"/>
-              <a:t>.</a:t>
-            </a:r>
-            <a:r>
-              <a:rPr lang="en-US" altLang="en-US" dirty="0" smtClean="0"/>
-              <a:t>”</a:t>
+              <a:t/>
             </a:r>
             <a:br>
               <a:rPr lang="en-US" altLang="en-US" dirty="0" smtClean="0"/>
             </a:br>
             <a:r>
-              <a:rPr lang="en-US" altLang="x-none" dirty="0" smtClean="0"/>
+              <a:rPr lang="en-US" altLang="x-none" dirty="0" smtClean="0">
+                <a:latin typeface="Arial Hebrew" charset="-79"/>
+                <a:ea typeface="Arial Hebrew" charset="-79"/>
+                <a:cs typeface="Arial Hebrew" charset="-79"/>
+              </a:rPr>
               <a:t>Warren Weaver (1949)</a:t>
             </a:r>
           </a:p>
@@ -18665,12 +18722,12 @@
           <a:effectLst/>
           <a:extLst>
             <a:ext uri="{909E8E84-426E-40dd-AFC4-6F175D3DCCD1}">
-              <a14:hiddenFill xmlns:a14="http://schemas.microsoft.com/office/drawing/2010/main" xmlns="">
+              <a14:hiddenFill xmlns="" xmlns:a14="http://schemas.microsoft.com/office/drawing/2010/main">
                 <a:noFill/>
               </a14:hiddenFill>
             </a:ext>
             <a:ext uri="{AF507438-7753-43e0-B8FC-AC1667EBCBE1}">
-              <a14:hiddenEffects xmlns:a14="http://schemas.microsoft.com/office/drawing/2010/main" xmlns="">
+              <a14:hiddenEffects xmlns="" xmlns:a14="http://schemas.microsoft.com/office/drawing/2010/main">
                 <a:effectLst>
                   <a:outerShdw blurRad="63500" dist="38099" dir="2700000" algn="ctr" rotWithShape="0">
                     <a:srgbClr val="000000">
@@ -18723,12 +18780,12 @@
           <a:effectLst/>
           <a:extLst>
             <a:ext uri="{909E8E84-426E-40dd-AFC4-6F175D3DCCD1}">
-              <a14:hiddenFill xmlns:a14="http://schemas.microsoft.com/office/drawing/2010/main" xmlns="">
+              <a14:hiddenFill xmlns="" xmlns:a14="http://schemas.microsoft.com/office/drawing/2010/main">
                 <a:noFill/>
               </a14:hiddenFill>
             </a:ext>
             <a:ext uri="{AF507438-7753-43e0-B8FC-AC1667EBCBE1}">
-              <a14:hiddenEffects xmlns:a14="http://schemas.microsoft.com/office/drawing/2010/main" xmlns="">
+              <a14:hiddenEffects xmlns="" xmlns:a14="http://schemas.microsoft.com/office/drawing/2010/main">
                 <a:effectLst>
                   <a:outerShdw blurRad="63500" dist="38099" dir="2700000" algn="ctr" rotWithShape="0">
                     <a:srgbClr val="000000">
@@ -18783,7 +18840,7 @@
           <a:effectLst/>
           <a:extLst>
             <a:ext uri="{AF507438-7753-43e0-B8FC-AC1667EBCBE1}">
-              <a14:hiddenEffects xmlns:a14="http://schemas.microsoft.com/office/drawing/2010/main" xmlns="">
+              <a14:hiddenEffects xmlns="" xmlns:a14="http://schemas.microsoft.com/office/drawing/2010/main">
                 <a:effectLst>
                   <a:outerShdw blurRad="63500" dist="38099" dir="2700000" algn="ctr" rotWithShape="0">
                     <a:srgbClr val="000000">
@@ -19030,7 +19087,7 @@
           <a:effectLst/>
           <a:extLst>
             <a:ext uri="{AF507438-7753-43e0-B8FC-AC1667EBCBE1}">
-              <a14:hiddenEffects xmlns:a14="http://schemas.microsoft.com/office/drawing/2010/main" xmlns="">
+              <a14:hiddenEffects xmlns="" xmlns:a14="http://schemas.microsoft.com/office/drawing/2010/main">
                 <a:effectLst>
                   <a:outerShdw blurRad="63500" dist="38099" dir="2700000" algn="ctr" rotWithShape="0">
                     <a:srgbClr val="000000">
@@ -19276,7 +19333,7 @@
           <a:graphicData uri="http://schemas.openxmlformats.org/presentationml/2006/ole">
             <mc:AlternateContent xmlns:mc="http://schemas.openxmlformats.org/markup-compatibility/2006">
               <mc:Choice xmlns:v="urn:schemas-microsoft-com:vml" Requires="v">
-                <p:oleObj spid="_x0000_s2329" r:id="rId4" imgW="254000" imgH="406400" progId="">
+                <p:oleObj spid="_x0000_s2398" r:id="rId4" imgW="254000" imgH="406400" progId="">
                   <p:embed/>
                 </p:oleObj>
               </mc:Choice>
@@ -19375,7 +19432,7 @@
           <a:graphicData uri="http://schemas.openxmlformats.org/presentationml/2006/ole">
             <mc:AlternateContent xmlns:mc="http://schemas.openxmlformats.org/markup-compatibility/2006">
               <mc:Choice xmlns:v="urn:schemas-microsoft-com:vml" Requires="v">
-                <p:oleObj spid="_x0000_s2330" r:id="rId6" imgW="342900" imgH="406400" progId="">
+                <p:oleObj spid="_x0000_s2399" r:id="rId6" imgW="342900" imgH="406400" progId="">
                   <p:embed/>
                 </p:oleObj>
               </mc:Choice>
@@ -19486,12 +19543,12 @@
           <a:effectLst/>
           <a:extLst>
             <a:ext uri="{909E8E84-426E-40dd-AFC4-6F175D3DCCD1}">
-              <a14:hiddenFill xmlns:a14="http://schemas.microsoft.com/office/drawing/2010/main" xmlns="">
+              <a14:hiddenFill xmlns="" xmlns:a14="http://schemas.microsoft.com/office/drawing/2010/main">
                 <a:noFill/>
               </a14:hiddenFill>
             </a:ext>
             <a:ext uri="{AF507438-7753-43e0-B8FC-AC1667EBCBE1}">
-              <a14:hiddenEffects xmlns:a14="http://schemas.microsoft.com/office/drawing/2010/main" xmlns="">
+              <a14:hiddenEffects xmlns="" xmlns:a14="http://schemas.microsoft.com/office/drawing/2010/main">
                 <a:effectLst>
                   <a:outerShdw blurRad="63500" dist="38099" dir="2700000" algn="ctr" rotWithShape="0">
                     <a:srgbClr val="000000">
@@ -19546,7 +19603,7 @@
           <a:effectLst/>
           <a:extLst>
             <a:ext uri="{AF507438-7753-43e0-B8FC-AC1667EBCBE1}">
-              <a14:hiddenEffects xmlns:a14="http://schemas.microsoft.com/office/drawing/2010/main" xmlns="">
+              <a14:hiddenEffects xmlns="" xmlns:a14="http://schemas.microsoft.com/office/drawing/2010/main">
                 <a:effectLst>
                   <a:outerShdw blurRad="63500" dist="38099" dir="2700000" algn="ctr" rotWithShape="0">
                     <a:srgbClr val="000000">
@@ -19789,7 +19846,7 @@
           <a:graphicData uri="http://schemas.openxmlformats.org/presentationml/2006/ole">
             <mc:AlternateContent xmlns:mc="http://schemas.openxmlformats.org/markup-compatibility/2006">
               <mc:Choice xmlns:v="urn:schemas-microsoft-com:vml" Requires="v">
-                <p:oleObj spid="_x0000_s2331" r:id="rId8" imgW="76200" imgH="1447800" progId="">
+                <p:oleObj spid="_x0000_s2400" r:id="rId8" imgW="76200" imgH="1447800" progId="">
                   <p:embed/>
                 </p:oleObj>
               </mc:Choice>
@@ -19888,7 +19945,7 @@
           <a:graphicData uri="http://schemas.openxmlformats.org/presentationml/2006/ole">
             <mc:AlternateContent xmlns:mc="http://schemas.openxmlformats.org/markup-compatibility/2006">
               <mc:Choice xmlns:v="urn:schemas-microsoft-com:vml" Requires="v">
-                <p:oleObj spid="_x0000_s2332" r:id="rId10" imgW="723900" imgH="368300" progId="">
+                <p:oleObj spid="_x0000_s2401" r:id="rId10" imgW="723900" imgH="368300" progId="">
                   <p:embed/>
                 </p:oleObj>
               </mc:Choice>
@@ -20231,12 +20288,12 @@
           <a:effectLst/>
           <a:extLst>
             <a:ext uri="{909E8E84-426E-40dd-AFC4-6F175D3DCCD1}">
-              <a14:hiddenFill xmlns:a14="http://schemas.microsoft.com/office/drawing/2010/main" xmlns="">
+              <a14:hiddenFill xmlns="" xmlns:a14="http://schemas.microsoft.com/office/drawing/2010/main">
                 <a:noFill/>
               </a14:hiddenFill>
             </a:ext>
             <a:ext uri="{AF507438-7753-43e0-B8FC-AC1667EBCBE1}">
-              <a14:hiddenEffects xmlns:a14="http://schemas.microsoft.com/office/drawing/2010/main" xmlns="">
+              <a14:hiddenEffects xmlns="" xmlns:a14="http://schemas.microsoft.com/office/drawing/2010/main">
                 <a:effectLst>
                   <a:outerShdw blurRad="63500" dist="38099" dir="2700000" algn="ctr" rotWithShape="0">
                     <a:srgbClr val="000000">
@@ -20289,12 +20346,12 @@
           <a:effectLst/>
           <a:extLst>
             <a:ext uri="{909E8E84-426E-40dd-AFC4-6F175D3DCCD1}">
-              <a14:hiddenFill xmlns:a14="http://schemas.microsoft.com/office/drawing/2010/main" xmlns="">
+              <a14:hiddenFill xmlns="" xmlns:a14="http://schemas.microsoft.com/office/drawing/2010/main">
                 <a:noFill/>
               </a14:hiddenFill>
             </a:ext>
             <a:ext uri="{AF507438-7753-43e0-B8FC-AC1667EBCBE1}">
-              <a14:hiddenEffects xmlns:a14="http://schemas.microsoft.com/office/drawing/2010/main" xmlns="">
+              <a14:hiddenEffects xmlns="" xmlns:a14="http://schemas.microsoft.com/office/drawing/2010/main">
                 <a:effectLst>
                   <a:outerShdw blurRad="63500" dist="38099" dir="2700000" algn="ctr" rotWithShape="0">
                     <a:srgbClr val="000000">
@@ -20349,7 +20406,7 @@
           <a:effectLst/>
           <a:extLst>
             <a:ext uri="{AF507438-7753-43e0-B8FC-AC1667EBCBE1}">
-              <a14:hiddenEffects xmlns:a14="http://schemas.microsoft.com/office/drawing/2010/main" xmlns="">
+              <a14:hiddenEffects xmlns="" xmlns:a14="http://schemas.microsoft.com/office/drawing/2010/main">
                 <a:effectLst>
                   <a:outerShdw blurRad="63500" dist="38099" dir="2700000" algn="ctr" rotWithShape="0">
                     <a:srgbClr val="000000">
@@ -20596,7 +20653,7 @@
           <a:effectLst/>
           <a:extLst>
             <a:ext uri="{AF507438-7753-43e0-B8FC-AC1667EBCBE1}">
-              <a14:hiddenEffects xmlns:a14="http://schemas.microsoft.com/office/drawing/2010/main" xmlns="">
+              <a14:hiddenEffects xmlns="" xmlns:a14="http://schemas.microsoft.com/office/drawing/2010/main">
                 <a:effectLst>
                   <a:outerShdw blurRad="63500" dist="38099" dir="2700000" algn="ctr" rotWithShape="0">
                     <a:srgbClr val="000000">
@@ -20842,7 +20899,7 @@
           <a:graphicData uri="http://schemas.openxmlformats.org/presentationml/2006/ole">
             <mc:AlternateContent xmlns:mc="http://schemas.openxmlformats.org/markup-compatibility/2006">
               <mc:Choice xmlns:v="urn:schemas-microsoft-com:vml" Requires="v">
-                <p:oleObj spid="_x0000_s4373" r:id="rId4" imgW="254000" imgH="406400" progId="">
+                <p:oleObj spid="_x0000_s4442" r:id="rId4" imgW="254000" imgH="406400" progId="">
                   <p:embed/>
                 </p:oleObj>
               </mc:Choice>
@@ -20941,7 +20998,7 @@
           <a:graphicData uri="http://schemas.openxmlformats.org/presentationml/2006/ole">
             <mc:AlternateContent xmlns:mc="http://schemas.openxmlformats.org/markup-compatibility/2006">
               <mc:Choice xmlns:v="urn:schemas-microsoft-com:vml" Requires="v">
-                <p:oleObj spid="_x0000_s4374" r:id="rId6" imgW="342900" imgH="406400" progId="">
+                <p:oleObj spid="_x0000_s4443" r:id="rId6" imgW="342900" imgH="406400" progId="">
                   <p:embed/>
                 </p:oleObj>
               </mc:Choice>
@@ -21052,12 +21109,12 @@
           <a:effectLst/>
           <a:extLst>
             <a:ext uri="{909E8E84-426E-40dd-AFC4-6F175D3DCCD1}">
-              <a14:hiddenFill xmlns:a14="http://schemas.microsoft.com/office/drawing/2010/main" xmlns="">
+              <a14:hiddenFill xmlns="" xmlns:a14="http://schemas.microsoft.com/office/drawing/2010/main">
                 <a:noFill/>
               </a14:hiddenFill>
             </a:ext>
             <a:ext uri="{AF507438-7753-43e0-B8FC-AC1667EBCBE1}">
-              <a14:hiddenEffects xmlns:a14="http://schemas.microsoft.com/office/drawing/2010/main" xmlns="">
+              <a14:hiddenEffects xmlns="" xmlns:a14="http://schemas.microsoft.com/office/drawing/2010/main">
                 <a:effectLst>
                   <a:outerShdw blurRad="63500" dist="38099" dir="2700000" algn="ctr" rotWithShape="0">
                     <a:srgbClr val="000000">
@@ -21112,7 +21169,7 @@
           <a:effectLst/>
           <a:extLst>
             <a:ext uri="{AF507438-7753-43e0-B8FC-AC1667EBCBE1}">
-              <a14:hiddenEffects xmlns:a14="http://schemas.microsoft.com/office/drawing/2010/main" xmlns="">
+              <a14:hiddenEffects xmlns="" xmlns:a14="http://schemas.microsoft.com/office/drawing/2010/main">
                 <a:effectLst>
                   <a:outerShdw blurRad="63500" dist="38099" dir="2700000" algn="ctr" rotWithShape="0">
                     <a:srgbClr val="000000">
@@ -21355,7 +21412,7 @@
           <a:graphicData uri="http://schemas.openxmlformats.org/presentationml/2006/ole">
             <mc:AlternateContent xmlns:mc="http://schemas.openxmlformats.org/markup-compatibility/2006">
               <mc:Choice xmlns:v="urn:schemas-microsoft-com:vml" Requires="v">
-                <p:oleObj spid="_x0000_s4375" r:id="rId8" imgW="76200" imgH="1447800" progId="">
+                <p:oleObj spid="_x0000_s4444" r:id="rId8" imgW="76200" imgH="1447800" progId="">
                   <p:embed/>
                 </p:oleObj>
               </mc:Choice>
@@ -21454,7 +21511,7 @@
           <a:graphicData uri="http://schemas.openxmlformats.org/presentationml/2006/ole">
             <mc:AlternateContent xmlns:mc="http://schemas.openxmlformats.org/markup-compatibility/2006">
               <mc:Choice xmlns:v="urn:schemas-microsoft-com:vml" Requires="v">
-                <p:oleObj spid="_x0000_s4376" r:id="rId10" imgW="723900" imgH="368300" progId="">
+                <p:oleObj spid="_x0000_s4445" r:id="rId10" imgW="723900" imgH="368300" progId="">
                   <p:embed/>
                 </p:oleObj>
               </mc:Choice>
@@ -21909,16 +21966,24 @@
               <a:defRPr/>
             </a:pPr>
             <a:r>
+              <a:rPr lang="en-US" i="1" dirty="0" smtClean="0"/>
+              <a:t>P(</a:t>
+            </a:r>
+            <a:r>
+              <a:rPr lang="en-US" i="1" dirty="0" err="1" smtClean="0"/>
+              <a:t>f|e</a:t>
+            </a:r>
+            <a:r>
+              <a:rPr lang="en-US" i="1" dirty="0" smtClean="0"/>
+              <a:t>) </a:t>
+            </a:r>
+            <a:r>
               <a:rPr lang="en-US" dirty="0" smtClean="0"/>
-              <a:t>P(</a:t>
-            </a:r>
-            <a:r>
-              <a:rPr lang="en-US" dirty="0" err="1" smtClean="0"/>
-              <a:t>f|e</a:t>
-            </a:r>
-            <a:r>
-              <a:rPr lang="en-US" dirty="0" smtClean="0"/>
-              <a:t>) rewards good translations, but permissive of disfluent e</a:t>
+              <a:t>rewards good translations, but permissive of disfluent </a:t>
+            </a:r>
+            <a:r>
+              <a:rPr lang="en-US" i="1" dirty="0" smtClean="0"/>
+              <a:t>e</a:t>
             </a:r>
           </a:p>
           <a:p>
@@ -21943,8 +22008,20 @@
               <a:defRPr/>
             </a:pPr>
             <a:r>
+              <a:rPr lang="en-US" i="1" dirty="0" smtClean="0"/>
+              <a:t>P(e) </a:t>
+            </a:r>
+            <a:r>
               <a:rPr lang="en-US" dirty="0" smtClean="0"/>
-              <a:t>P(e) rewards e which look like fluent English, and helps put words in the correct order</a:t>
+              <a:t>rewards </a:t>
+            </a:r>
+            <a:r>
+              <a:rPr lang="en-US" i="1" dirty="0" smtClean="0"/>
+              <a:t>e</a:t>
+            </a:r>
+            <a:r>
+              <a:rPr lang="en-US" dirty="0" smtClean="0"/>
+              <a:t> which look like fluent English, and helps put words in the correct order</a:t>
             </a:r>
           </a:p>
           <a:p>
@@ -22289,64 +22366,102 @@
           <a:lstStyle/>
           <a:p>
             <a:r>
-              <a:rPr lang="en-AU" smtClean="0"/>
+              <a:rPr lang="en-AU" dirty="0" smtClean="0"/>
               <a:t>How to learn the LM and TM</a:t>
             </a:r>
           </a:p>
           <a:p>
             <a:pPr lvl="1"/>
             <a:r>
-              <a:rPr lang="en-AU" smtClean="0"/>
+              <a:rPr lang="en-AU" dirty="0" smtClean="0"/>
               <a:t>LM: based on text frequencies in large monolingual corpora (as seen in previous lecture)</a:t>
             </a:r>
           </a:p>
           <a:p>
             <a:pPr lvl="1"/>
             <a:r>
-              <a:rPr lang="en-AU" smtClean="0"/>
+              <a:rPr lang="en-AU" dirty="0" smtClean="0"/>
               <a:t>TM: based on word co-occurrences in parallel texts</a:t>
             </a:r>
           </a:p>
           <a:p>
             <a:r>
-              <a:rPr lang="en-US" altLang="x-none" smtClean="0"/>
-              <a:t>Parallel texts (or bitexts)</a:t>
+              <a:rPr lang="en-US" altLang="x-none" dirty="0" smtClean="0"/>
+              <a:t>Parallel texts (or </a:t>
+            </a:r>
+            <a:r>
+              <a:rPr lang="en-US" altLang="x-none" dirty="0" err="1" smtClean="0"/>
+              <a:t>bitexts</a:t>
+            </a:r>
+            <a:r>
+              <a:rPr lang="en-US" altLang="x-none" dirty="0" smtClean="0"/>
+              <a:t>)</a:t>
             </a:r>
           </a:p>
           <a:p>
             <a:pPr lvl="1"/>
             <a:r>
-              <a:rPr lang="en-US" altLang="x-none" smtClean="0"/>
+              <a:rPr lang="en-US" altLang="x-none" dirty="0" smtClean="0"/>
               <a:t>one text in multiple languages</a:t>
             </a:r>
           </a:p>
           <a:p>
             <a:pPr lvl="1"/>
             <a:r>
-              <a:rPr lang="en-US" altLang="x-none" smtClean="0"/>
+              <a:rPr lang="en-US" altLang="x-none" dirty="0" smtClean="0"/>
               <a:t>Produced by human translation; </a:t>
             </a:r>
             <a:br>
-              <a:rPr lang="en-US" altLang="x-none" smtClean="0"/>
+              <a:rPr lang="en-US" altLang="x-none" dirty="0" smtClean="0"/>
             </a:br>
             <a:r>
-              <a:rPr lang="en-US" altLang="x-none" smtClean="0"/>
+              <a:rPr lang="en-US" altLang="x-none" dirty="0" smtClean="0"/>
               <a:t>readily available  on web</a:t>
             </a:r>
           </a:p>
           <a:p>
             <a:pPr lvl="2"/>
             <a:r>
-              <a:rPr lang="en-US" altLang="x-none" smtClean="0"/>
+              <a:rPr lang="en-US" altLang="x-none" dirty="0" smtClean="0"/>
               <a:t>news, legal transcripts, literature, </a:t>
             </a:r>
             <a:br>
-              <a:rPr lang="en-US" altLang="x-none" smtClean="0"/>
+              <a:rPr lang="en-US" altLang="x-none" dirty="0" smtClean="0"/>
             </a:br>
             <a:r>
-              <a:rPr lang="en-US" altLang="x-none" smtClean="0"/>
-              <a:t>subtitles, bible, …</a:t>
-            </a:r>
+              <a:rPr lang="en-US" altLang="x-none" dirty="0" smtClean="0"/>
+              <a:t>subtitles, bible, </a:t>
+            </a:r>
+            <a:r>
+              <a:rPr lang="en-US" altLang="x-none" dirty="0" smtClean="0"/>
+              <a:t>… </a:t>
+            </a:r>
+          </a:p>
+          <a:p>
+            <a:pPr lvl="2"/>
+            <a:r>
+              <a:rPr lang="en-US" altLang="x-none" dirty="0" smtClean="0"/>
+              <a:t>See e.g. </a:t>
+            </a:r>
+            <a:r>
+              <a:rPr lang="en-US" altLang="x-none" dirty="0" smtClean="0">
+                <a:hlinkClick r:id="rId3"/>
+              </a:rPr>
+              <a:t>http</a:t>
+            </a:r>
+            <a:r>
+              <a:rPr lang="en-US" altLang="x-none" dirty="0">
+                <a:hlinkClick r:id="rId3"/>
+              </a:rPr>
+              <a:t>://opus.lingfil.uu.se</a:t>
+            </a:r>
+            <a:r>
+              <a:rPr lang="en-US" altLang="x-none" dirty="0" smtClean="0">
+                <a:hlinkClick r:id="rId3"/>
+              </a:rPr>
+              <a:t>/</a:t>
+            </a:r>
+            <a:endParaRPr lang="en-US" altLang="x-none" dirty="0" smtClean="0"/>
           </a:p>
           <a:p>
             <a:endParaRPr lang="en-AU" dirty="0"/>
@@ -22362,7 +22477,7 @@
           <p:nvPr/>
         </p:nvPicPr>
         <p:blipFill>
-          <a:blip r:embed="rId3">
+          <a:blip r:embed="rId4">
             <a:lum bright="20000"/>
             <a:extLst>
               <a:ext uri="{28A0092B-C50C-407E-A947-70E740481C1C}">
@@ -22377,8 +22492,8 @@
         </p:blipFill>
         <p:spPr bwMode="auto">
           <a:xfrm>
-            <a:off x="4956335" y="3901942"/>
-            <a:ext cx="3554413" cy="2343150"/>
+            <a:off x="3817627" y="3151279"/>
+            <a:ext cx="4693122" cy="3093813"/>
           </a:xfrm>
           <a:prstGeom prst="rect">
             <a:avLst/>
@@ -22417,7 +22532,7 @@
           <p:nvPr/>
         </p:nvPicPr>
         <p:blipFill>
-          <a:blip r:embed="rId4">
+          <a:blip r:embed="rId5">
             <a:extLst>
               <a:ext uri="{28A0092B-C50C-407E-A947-70E740481C1C}">
                 <a14:useLocalDpi xmlns:a14="http://schemas.microsoft.com/office/drawing/2010/main" val="0"/>
@@ -22431,8 +22546,8 @@
         </p:blipFill>
         <p:spPr bwMode="auto">
           <a:xfrm>
-            <a:off x="6306562" y="4526750"/>
-            <a:ext cx="2578100" cy="2005013"/>
+            <a:off x="5570679" y="4060605"/>
+            <a:ext cx="3064708" cy="2383453"/>
           </a:xfrm>
           <a:prstGeom prst="rect">
             <a:avLst/>
